--- a/Proj1-Jelado-10A_f.pptx
+++ b/Proj1-Jelado-10A_f.pptx
@@ -7,11 +7,10 @@
   <p:sldIdLst>
     <p:sldId id="256" r:id="rId2"/>
     <p:sldId id="257" r:id="rId3"/>
-    <p:sldId id="258" r:id="rId4"/>
-    <p:sldId id="259" r:id="rId5"/>
-    <p:sldId id="260" r:id="rId6"/>
-    <p:sldId id="261" r:id="rId7"/>
-    <p:sldId id="262" r:id="rId8"/>
+    <p:sldId id="259" r:id="rId4"/>
+    <p:sldId id="260" r:id="rId5"/>
+    <p:sldId id="263" r:id="rId6"/>
+    <p:sldId id="262" r:id="rId7"/>
   </p:sldIdLst>
   <p:sldSz cx="12192000" cy="6858000"/>
   <p:notesSz cx="6858000" cy="9144000"/>
@@ -110,6 +109,11 @@
       </a:defRPr>
     </a:lvl9pPr>
   </p:defaultTextStyle>
+  <p:extLst>
+    <p:ext uri="{EFAFB233-063F-42B5-8137-9DF3F51BA10A}">
+      <p15:sldGuideLst xmlns:p15="http://schemas.microsoft.com/office/powerpoint/2012/main"/>
+    </p:ext>
+  </p:extLst>
 </p:presentation>
 </file>
 
@@ -276,7 +280,7 @@
           <a:p>
             <a:fld id="{6CFDB304-8B0D-4EA5-A528-39060036E7C1}" type="datetimeFigureOut">
               <a:rPr lang="hu-HU" smtClean="0"/>
-              <a:t>2023.02.28</a:t>
+              <a:t>2023.03.01</a:t>
             </a:fld>
             <a:endParaRPr lang="hu-HU"/>
           </a:p>
@@ -446,7 +450,7 @@
           <a:p>
             <a:fld id="{6CFDB304-8B0D-4EA5-A528-39060036E7C1}" type="datetimeFigureOut">
               <a:rPr lang="hu-HU" smtClean="0"/>
-              <a:t>2023.02.28</a:t>
+              <a:t>2023.03.01</a:t>
             </a:fld>
             <a:endParaRPr lang="hu-HU"/>
           </a:p>
@@ -626,7 +630,7 @@
           <a:p>
             <a:fld id="{6CFDB304-8B0D-4EA5-A528-39060036E7C1}" type="datetimeFigureOut">
               <a:rPr lang="hu-HU" smtClean="0"/>
-              <a:t>2023.02.28</a:t>
+              <a:t>2023.03.01</a:t>
             </a:fld>
             <a:endParaRPr lang="hu-HU"/>
           </a:p>
@@ -796,7 +800,7 @@
           <a:p>
             <a:fld id="{6CFDB304-8B0D-4EA5-A528-39060036E7C1}" type="datetimeFigureOut">
               <a:rPr lang="hu-HU" smtClean="0"/>
-              <a:t>2023.02.28</a:t>
+              <a:t>2023.03.01</a:t>
             </a:fld>
             <a:endParaRPr lang="hu-HU"/>
           </a:p>
@@ -1064,7 +1068,7 @@
           <a:p>
             <a:fld id="{6CFDB304-8B0D-4EA5-A528-39060036E7C1}" type="datetimeFigureOut">
               <a:rPr lang="hu-HU" smtClean="0"/>
-              <a:t>2023.02.28</a:t>
+              <a:t>2023.03.01</a:t>
             </a:fld>
             <a:endParaRPr lang="hu-HU"/>
           </a:p>
@@ -1296,7 +1300,7 @@
           <a:p>
             <a:fld id="{6CFDB304-8B0D-4EA5-A528-39060036E7C1}" type="datetimeFigureOut">
               <a:rPr lang="hu-HU" smtClean="0"/>
-              <a:t>2023.02.28</a:t>
+              <a:t>2023.03.01</a:t>
             </a:fld>
             <a:endParaRPr lang="hu-HU"/>
           </a:p>
@@ -1655,7 +1659,7 @@
           <a:p>
             <a:fld id="{6CFDB304-8B0D-4EA5-A528-39060036E7C1}" type="datetimeFigureOut">
               <a:rPr lang="hu-HU" smtClean="0"/>
-              <a:t>2023.02.28</a:t>
+              <a:t>2023.03.01</a:t>
             </a:fld>
             <a:endParaRPr lang="hu-HU"/>
           </a:p>
@@ -1796,7 +1800,7 @@
           <a:p>
             <a:fld id="{6CFDB304-8B0D-4EA5-A528-39060036E7C1}" type="datetimeFigureOut">
               <a:rPr lang="hu-HU" smtClean="0"/>
-              <a:t>2023.02.28</a:t>
+              <a:t>2023.03.01</a:t>
             </a:fld>
             <a:endParaRPr lang="hu-HU"/>
           </a:p>
@@ -1891,7 +1895,7 @@
           <a:p>
             <a:fld id="{6CFDB304-8B0D-4EA5-A528-39060036E7C1}" type="datetimeFigureOut">
               <a:rPr lang="hu-HU" smtClean="0"/>
-              <a:t>2023.02.28</a:t>
+              <a:t>2023.03.01</a:t>
             </a:fld>
             <a:endParaRPr lang="hu-HU"/>
           </a:p>
@@ -2248,7 +2252,7 @@
           <a:p>
             <a:fld id="{6CFDB304-8B0D-4EA5-A528-39060036E7C1}" type="datetimeFigureOut">
               <a:rPr lang="hu-HU" smtClean="0"/>
-              <a:t>2023.02.28</a:t>
+              <a:t>2023.03.01</a:t>
             </a:fld>
             <a:endParaRPr lang="hu-HU"/>
           </a:p>
@@ -2605,7 +2609,7 @@
           <a:p>
             <a:fld id="{6CFDB304-8B0D-4EA5-A528-39060036E7C1}" type="datetimeFigureOut">
               <a:rPr lang="hu-HU" smtClean="0"/>
-              <a:t>2023.02.28</a:t>
+              <a:t>2023.03.01</a:t>
             </a:fld>
             <a:endParaRPr lang="hu-HU"/>
           </a:p>
@@ -2846,7 +2850,7 @@
           <a:p>
             <a:fld id="{6CFDB304-8B0D-4EA5-A528-39060036E7C1}" type="datetimeFigureOut">
               <a:rPr lang="hu-HU" smtClean="0"/>
-              <a:t>2023.02.28</a:t>
+              <a:t>2023.03.01</a:t>
             </a:fld>
             <a:endParaRPr lang="hu-HU"/>
           </a:p>
@@ -3444,12 +3448,7 @@
             <p:ph type="title"/>
           </p:nvPr>
         </p:nvSpPr>
-        <p:spPr>
-          <a:xfrm>
-            <a:off x="2231136" y="1117973"/>
-            <a:ext cx="7729728" cy="1188720"/>
-          </a:xfrm>
-        </p:spPr>
+        <p:spPr/>
         <p:txBody>
           <a:bodyPr/>
           <a:lstStyle/>
@@ -3461,31 +3460,86 @@
           </a:p>
         </p:txBody>
       </p:sp>
-      <p:sp>
-        <p:nvSpPr>
-          <p:cNvPr id="5" name="Tartalom helye 4">
+      <p:pic>
+        <p:nvPicPr>
+          <p:cNvPr id="6" name="Tartalom helye 5">
             <a:extLst>
               <a:ext uri="{FF2B5EF4-FFF2-40B4-BE49-F238E27FC236}">
-                <a16:creationId xmlns:a16="http://schemas.microsoft.com/office/drawing/2014/main" id="{A1220E69-F970-4F8F-8555-E39BACE75493}"/>
+                <a16:creationId xmlns:a16="http://schemas.microsoft.com/office/drawing/2014/main" id="{E628A94E-C060-4487-A148-FD7B556F411A}"/>
               </a:ext>
             </a:extLst>
           </p:cNvPr>
-          <p:cNvSpPr>
-            <a:spLocks noGrp="1"/>
-          </p:cNvSpPr>
+          <p:cNvPicPr>
+            <a:picLocks noGrp="1" noChangeAspect="1"/>
+          </p:cNvPicPr>
           <p:nvPr>
             <p:ph idx="1"/>
           </p:nvPr>
+        </p:nvPicPr>
+        <p:blipFill>
+          <a:blip r:embed="rId2">
+            <a:extLst>
+              <a:ext uri="{28A0092B-C50C-407E-A947-70E740481C1C}">
+                <a14:useLocalDpi xmlns:a14="http://schemas.microsoft.com/office/drawing/2010/main" val="0"/>
+              </a:ext>
+            </a:extLst>
+          </a:blip>
+          <a:stretch>
+            <a:fillRect/>
+          </a:stretch>
+        </p:blipFill>
+        <p:spPr>
+          <a:xfrm>
+            <a:off x="6709130" y="1093486"/>
+            <a:ext cx="4816475" cy="4583678"/>
+          </a:xfrm>
+        </p:spPr>
+      </p:pic>
+      <p:sp>
+        <p:nvSpPr>
+          <p:cNvPr id="2" name="Szöveg helye 1">
+            <a:extLst>
+              <a:ext uri="{FF2B5EF4-FFF2-40B4-BE49-F238E27FC236}">
+                <a16:creationId xmlns:a16="http://schemas.microsoft.com/office/drawing/2014/main" id="{31433A68-BB94-4FA7-B650-5F7F3A23BDDB}"/>
+              </a:ext>
+            </a:extLst>
+          </p:cNvPr>
+          <p:cNvSpPr>
+            <a:spLocks noGrp="1"/>
+          </p:cNvSpPr>
+          <p:nvPr>
+            <p:ph type="body" sz="half" idx="2"/>
+          </p:nvPr>
         </p:nvSpPr>
         <p:spPr/>
         <p:txBody>
-          <a:bodyPr/>
+          <a:bodyPr>
+            <a:normAutofit fontScale="92500" lnSpcReduction="20000"/>
+          </a:bodyPr>
           <a:lstStyle/>
           <a:p>
             <a:r>
               <a:rPr lang="hu-HU" dirty="0"/>
-              <a:t>Ide jön majd a feladat leírása meg ilyenek </a:t>
-            </a:r>
+              <a:t>Az állatok mozgását ma már rutin </a:t>
+            </a:r>
+            <a:r>
+              <a:rPr lang="hu-HU" dirty="0" err="1"/>
+              <a:t>szerűen</a:t>
+            </a:r>
+            <a:r>
+              <a:rPr lang="hu-HU" dirty="0"/>
+              <a:t> figyelik a rájuk rögzített jeladók segítségével. Ebben a feladatban egy ilyen jeladó által továbbított adatokat kell feldolgoznia.  Az itt használt jeladó úgy működik, hogy helyének x és y koordinátáját továbbítja. Jelet küld,  ha a legutolsó küldés óta bármely koordináta változása elérte a 10 egységet. Ha nem történt ekkora elmozdulás, 5 perc elteltével akkor is mindenképpen jelenti helyét.  A vevőegység egy </a:t>
+            </a:r>
+            <a:br>
+              <a:rPr lang="hu-HU" dirty="0"/>
+            </a:br>
+            <a:r>
+              <a:rPr lang="hu-HU" dirty="0"/>
+              <a:t>fájlban rögzíti a jel érkezési idejét és a pozíciót. </a:t>
+            </a:r>
+          </a:p>
+          <a:p>
+            <a:endParaRPr lang="hu-HU" dirty="0"/>
           </a:p>
         </p:txBody>
       </p:sp>
@@ -3524,7 +3578,7 @@
           <p:cNvPr id="2" name="Cím 1">
             <a:extLst>
               <a:ext uri="{FF2B5EF4-FFF2-40B4-BE49-F238E27FC236}">
-                <a16:creationId xmlns:a16="http://schemas.microsoft.com/office/drawing/2014/main" id="{49CB6B31-6FD1-4DFC-8583-E4D0A85E9C5E}"/>
+                <a16:creationId xmlns:a16="http://schemas.microsoft.com/office/drawing/2014/main" id="{6AB5FD2A-6EF0-45CD-973D-B38D5A6E23CF}"/>
               </a:ext>
             </a:extLst>
           </p:cNvPr>
@@ -3542,7 +3596,7 @@
           <a:p>
             <a:r>
               <a:rPr lang="hu-HU" dirty="0"/>
-              <a:t>Adatforrás és az osztálya</a:t>
+              <a:t>Csoportmunka menete</a:t>
             </a:r>
           </a:p>
         </p:txBody>
@@ -3552,7 +3606,7 @@
           <p:cNvPr id="3" name="Tartalom helye 2">
             <a:extLst>
               <a:ext uri="{FF2B5EF4-FFF2-40B4-BE49-F238E27FC236}">
-                <a16:creationId xmlns:a16="http://schemas.microsoft.com/office/drawing/2014/main" id="{1B4867C1-2912-4F82-BAB0-A327B94E8A90}"/>
+                <a16:creationId xmlns:a16="http://schemas.microsoft.com/office/drawing/2014/main" id="{5BA86E10-82A7-419B-B52C-F26AB756859A}"/>
               </a:ext>
             </a:extLst>
           </p:cNvPr>
@@ -3563,19 +3617,55 @@
             <p:ph idx="1"/>
           </p:nvPr>
         </p:nvSpPr>
+        <p:spPr>
+          <a:xfrm>
+            <a:off x="6571488" y="925590"/>
+            <a:ext cx="4815840" cy="5248656"/>
+          </a:xfrm>
+        </p:spPr>
+        <p:txBody>
+          <a:bodyPr/>
+          <a:lstStyle/>
+          <a:p>
+            <a:endParaRPr lang="hu-HU" dirty="0"/>
+          </a:p>
+        </p:txBody>
+      </p:sp>
+      <p:sp>
+        <p:nvSpPr>
+          <p:cNvPr id="4" name="Szöveg helye 3">
+            <a:extLst>
+              <a:ext uri="{FF2B5EF4-FFF2-40B4-BE49-F238E27FC236}">
+                <a16:creationId xmlns:a16="http://schemas.microsoft.com/office/drawing/2014/main" id="{3CEDE4B8-B35E-4CDD-9E8E-75BA5A23F271}"/>
+              </a:ext>
+            </a:extLst>
+          </p:cNvPr>
+          <p:cNvSpPr>
+            <a:spLocks noGrp="1"/>
+          </p:cNvSpPr>
+          <p:nvPr>
+            <p:ph type="body" sz="half" idx="2"/>
+          </p:nvPr>
+        </p:nvSpPr>
         <p:spPr/>
         <p:txBody>
           <a:bodyPr/>
           <a:lstStyle/>
           <a:p>
-            <a:endParaRPr lang="hu-HU"/>
+            <a:r>
+              <a:rPr lang="hu-HU" dirty="0"/>
+              <a:t>Ide majd képet is lehetne rakni</a:t>
+            </a:r>
+          </a:p>
+          <a:p>
+            <a:endParaRPr lang="hu-HU" dirty="0"/>
           </a:p>
         </p:txBody>
       </p:sp>
     </p:spTree>
     <p:extLst>
       <p:ext uri="{BB962C8B-B14F-4D97-AF65-F5344CB8AC3E}">
-        <p14:creationId xmlns:p14="http://schemas.microsoft.com/office/powerpoint/2010/main" val="1449909063"/>
+        <p14:creationId xmlns:p14="http://schemas.microsoft.com/office/powerpoint/2010/main" val="4208633134"/>
       </p:ext>
     </p:extLst>
   </p:cSld>
@@ -3607,7 +3697,7 @@
           <p:cNvPr id="2" name="Cím 1">
             <a:extLst>
               <a:ext uri="{FF2B5EF4-FFF2-40B4-BE49-F238E27FC236}">
-                <a16:creationId xmlns:a16="http://schemas.microsoft.com/office/drawing/2014/main" id="{6AB5FD2A-6EF0-45CD-973D-B38D5A6E23CF}"/>
+                <a16:creationId xmlns:a16="http://schemas.microsoft.com/office/drawing/2014/main" id="{8C6036C8-8795-46BD-BC66-53E6348E818A}"/>
               </a:ext>
             </a:extLst>
           </p:cNvPr>
@@ -3618,24 +3708,29 @@
             <p:ph type="title"/>
           </p:nvPr>
         </p:nvSpPr>
-        <p:spPr/>
+        <p:spPr>
+          <a:xfrm>
+            <a:off x="2231136" y="130191"/>
+            <a:ext cx="7729728" cy="1188720"/>
+          </a:xfrm>
+        </p:spPr>
         <p:txBody>
           <a:bodyPr/>
           <a:lstStyle/>
           <a:p>
             <a:r>
               <a:rPr lang="hu-HU" dirty="0"/>
-              <a:t>Csoportmunka menete</a:t>
-            </a:r>
-          </a:p>
-        </p:txBody>
-      </p:sp>
-      <p:sp>
-        <p:nvSpPr>
-          <p:cNvPr id="3" name="Tartalom helye 2">
+              <a:t>Feladatok megvalósítása</a:t>
+            </a:r>
+          </a:p>
+        </p:txBody>
+      </p:sp>
+      <p:sp>
+        <p:nvSpPr>
+          <p:cNvPr id="4" name="Tartalom helye 3">
             <a:extLst>
               <a:ext uri="{FF2B5EF4-FFF2-40B4-BE49-F238E27FC236}">
-                <a16:creationId xmlns:a16="http://schemas.microsoft.com/office/drawing/2014/main" id="{5BA86E10-82A7-419B-B52C-F26AB756859A}"/>
+                <a16:creationId xmlns:a16="http://schemas.microsoft.com/office/drawing/2014/main" id="{FC4B2024-5BCA-4517-BA2F-099DA7EC3672}"/>
               </a:ext>
             </a:extLst>
           </p:cNvPr>
@@ -3648,53 +3743,206 @@
         </p:nvSpPr>
         <p:spPr>
           <a:xfrm>
-            <a:off x="6571488" y="925590"/>
-            <a:ext cx="4815840" cy="5248656"/>
+            <a:off x="1236896" y="1448436"/>
+            <a:ext cx="9718208" cy="5032263"/>
           </a:xfrm>
         </p:spPr>
         <p:txBody>
           <a:bodyPr/>
           <a:lstStyle/>
           <a:p>
+            <a:r>
+              <a:rPr lang="hu-HU" dirty="0"/>
+              <a:t>1. Feladat: Olvassa be a jel.txt állomány tartalmát, tárolja el a rögzített jelek adatait, és azok felhasználásával oldja meg a következő feladatokat!</a:t>
+            </a:r>
+          </a:p>
+          <a:p>
             <a:endParaRPr lang="hu-HU" dirty="0"/>
           </a:p>
-        </p:txBody>
-      </p:sp>
-      <p:sp>
-        <p:nvSpPr>
-          <p:cNvPr id="4" name="Szöveg helye 3">
+          <a:p>
+            <a:r>
+              <a:rPr lang="hu-HU" dirty="0"/>
+              <a:t>2.Feladat: Kérje be a felhasználótól egy jel sorszámát (a sorszámozás 1-től indul), és írja a képernyőre </a:t>
+            </a:r>
+            <a:br>
+              <a:rPr lang="hu-HU" dirty="0"/>
+            </a:br>
+            <a:r>
+              <a:rPr lang="hu-HU" dirty="0"/>
+              <a:t>az adott jeladáshoz tartozó x és y koordinátát!  </a:t>
+            </a:r>
+          </a:p>
+          <a:p>
+            <a:endParaRPr lang="hu-HU" dirty="0"/>
+          </a:p>
+          <a:p>
+            <a:endParaRPr lang="hu-HU" dirty="0"/>
+          </a:p>
+          <a:p>
+            <a:r>
+              <a:rPr lang="hu-HU" dirty="0"/>
+              <a:t>3. feladat: Készítsen függvényt </a:t>
+            </a:r>
+            <a:r>
+              <a:rPr lang="hu-HU" sz="1600" dirty="0">
+                <a:latin typeface="Cascadia Mono Light" panose="020B0609020000020004" pitchFamily="49" charset="0"/>
+                <a:cs typeface="Cascadia Mono Light" panose="020B0609020000020004" pitchFamily="49" charset="0"/>
+              </a:rPr>
+              <a:t>eltelt</a:t>
+            </a:r>
+            <a:r>
+              <a:rPr lang="hu-HU" dirty="0"/>
+              <a:t> néven, amely megadja, hogy a paraméterként átadott két </a:t>
+            </a:r>
+            <a:br>
+              <a:rPr lang="hu-HU" dirty="0"/>
+            </a:br>
+            <a:r>
+              <a:rPr lang="hu-HU" dirty="0"/>
+              <a:t>időpont között hány másodperc telik el!</a:t>
+            </a:r>
+          </a:p>
+        </p:txBody>
+      </p:sp>
+      <p:pic>
+        <p:nvPicPr>
+          <p:cNvPr id="8" name="Kép 7">
             <a:extLst>
               <a:ext uri="{FF2B5EF4-FFF2-40B4-BE49-F238E27FC236}">
-                <a16:creationId xmlns:a16="http://schemas.microsoft.com/office/drawing/2014/main" id="{3CEDE4B8-B35E-4CDD-9E8E-75BA5A23F271}"/>
+                <a16:creationId xmlns:a16="http://schemas.microsoft.com/office/drawing/2014/main" id="{788EA302-BB74-43A8-AA26-7F7DDC55A844}"/>
               </a:ext>
             </a:extLst>
           </p:cNvPr>
-          <p:cNvSpPr>
-            <a:spLocks noGrp="1"/>
-          </p:cNvSpPr>
-          <p:nvPr>
-            <p:ph type="body" sz="half" idx="2"/>
-          </p:nvPr>
-        </p:nvSpPr>
-        <p:spPr/>
-        <p:txBody>
-          <a:bodyPr/>
-          <a:lstStyle/>
-          <a:p>
-            <a:r>
-              <a:rPr lang="hu-HU" dirty="0"/>
-              <a:t>Ide majd képet is lehetne rakni</a:t>
-            </a:r>
-          </a:p>
-          <a:p>
-            <a:endParaRPr lang="hu-HU" dirty="0"/>
-          </a:p>
-        </p:txBody>
-      </p:sp>
+          <p:cNvPicPr>
+            <a:picLocks noChangeAspect="1"/>
+          </p:cNvPicPr>
+          <p:nvPr/>
+        </p:nvPicPr>
+        <p:blipFill>
+          <a:blip r:embed="rId2"/>
+          <a:stretch>
+            <a:fillRect/>
+          </a:stretch>
+        </p:blipFill>
+        <p:spPr>
+          <a:xfrm>
+            <a:off x="1562905" y="2118366"/>
+            <a:ext cx="3029373" cy="295316"/>
+          </a:xfrm>
+          <a:prstGeom prst="rect">
+            <a:avLst/>
+          </a:prstGeom>
+        </p:spPr>
+      </p:pic>
+      <p:pic>
+        <p:nvPicPr>
+          <p:cNvPr id="10" name="Kép 9">
+            <a:extLst>
+              <a:ext uri="{FF2B5EF4-FFF2-40B4-BE49-F238E27FC236}">
+                <a16:creationId xmlns:a16="http://schemas.microsoft.com/office/drawing/2014/main" id="{4E9B7519-ED2F-464C-B884-03F971CA2352}"/>
+              </a:ext>
+            </a:extLst>
+          </p:cNvPr>
+          <p:cNvPicPr>
+            <a:picLocks noChangeAspect="1"/>
+          </p:cNvPicPr>
+          <p:nvPr/>
+        </p:nvPicPr>
+        <p:blipFill rotWithShape="1">
+          <a:blip r:embed="rId3">
+            <a:extLst>
+              <a:ext uri="{28A0092B-C50C-407E-A947-70E740481C1C}">
+                <a14:useLocalDpi xmlns:a14="http://schemas.microsoft.com/office/drawing/2010/main" val="0"/>
+              </a:ext>
+            </a:extLst>
+          </a:blip>
+          <a:srcRect l="5250" t="35494" r="5479" b="19591"/>
+          <a:stretch/>
+        </p:blipFill>
+        <p:spPr>
+          <a:xfrm>
+            <a:off x="1562905" y="3192210"/>
+            <a:ext cx="5442012" cy="772357"/>
+          </a:xfrm>
+          <a:prstGeom prst="rect">
+            <a:avLst/>
+          </a:prstGeom>
+        </p:spPr>
+      </p:pic>
+      <p:pic>
+        <p:nvPicPr>
+          <p:cNvPr id="12" name="Kép 11">
+            <a:extLst>
+              <a:ext uri="{FF2B5EF4-FFF2-40B4-BE49-F238E27FC236}">
+                <a16:creationId xmlns:a16="http://schemas.microsoft.com/office/drawing/2014/main" id="{1B48E90D-14D8-47BF-9A0B-3F27EA10FEF3}"/>
+              </a:ext>
+            </a:extLst>
+          </p:cNvPr>
+          <p:cNvPicPr>
+            <a:picLocks noChangeAspect="1"/>
+          </p:cNvPicPr>
+          <p:nvPr/>
+        </p:nvPicPr>
+        <p:blipFill rotWithShape="1">
+          <a:blip r:embed="rId4">
+            <a:extLst>
+              <a:ext uri="{28A0092B-C50C-407E-A947-70E740481C1C}">
+                <a14:useLocalDpi xmlns:a14="http://schemas.microsoft.com/office/drawing/2010/main" val="0"/>
+              </a:ext>
+            </a:extLst>
+          </a:blip>
+          <a:srcRect l="8029" t="30607" r="7438" b="16795"/>
+          <a:stretch/>
+        </p:blipFill>
+        <p:spPr>
+          <a:xfrm>
+            <a:off x="7218040" y="2865039"/>
+            <a:ext cx="3411055" cy="1127922"/>
+          </a:xfrm>
+          <a:prstGeom prst="rect">
+            <a:avLst/>
+          </a:prstGeom>
+        </p:spPr>
+      </p:pic>
+      <p:pic>
+        <p:nvPicPr>
+          <p:cNvPr id="14" name="Kép 13">
+            <a:extLst>
+              <a:ext uri="{FF2B5EF4-FFF2-40B4-BE49-F238E27FC236}">
+                <a16:creationId xmlns:a16="http://schemas.microsoft.com/office/drawing/2014/main" id="{2578EF46-002D-4F13-B193-94EE403E2532}"/>
+              </a:ext>
+            </a:extLst>
+          </p:cNvPr>
+          <p:cNvPicPr>
+            <a:picLocks noChangeAspect="1"/>
+          </p:cNvPicPr>
+          <p:nvPr/>
+        </p:nvPicPr>
+        <p:blipFill rotWithShape="1">
+          <a:blip r:embed="rId5">
+            <a:extLst>
+              <a:ext uri="{28A0092B-C50C-407E-A947-70E740481C1C}">
+                <a14:useLocalDpi xmlns:a14="http://schemas.microsoft.com/office/drawing/2010/main" val="0"/>
+              </a:ext>
+            </a:extLst>
+          </a:blip>
+          <a:srcRect l="7687" t="47313" r="6911" b="26600"/>
+          <a:stretch/>
+        </p:blipFill>
+        <p:spPr>
+          <a:xfrm>
+            <a:off x="1562905" y="4664151"/>
+            <a:ext cx="5832630" cy="558481"/>
+          </a:xfrm>
+          <a:prstGeom prst="rect">
+            <a:avLst/>
+          </a:prstGeom>
+        </p:spPr>
+      </p:pic>
     </p:spTree>
     <p:extLst>
       <p:ext uri="{BB962C8B-B14F-4D97-AF65-F5344CB8AC3E}">
-        <p14:creationId xmlns:p14="http://schemas.microsoft.com/office/powerpoint/2010/main" val="4208633134"/>
+        <p14:creationId xmlns:p14="http://schemas.microsoft.com/office/powerpoint/2010/main" val="3163172029"/>
       </p:ext>
     </p:extLst>
   </p:cSld>
@@ -3726,7 +3974,7 @@
           <p:cNvPr id="2" name="Cím 1">
             <a:extLst>
               <a:ext uri="{FF2B5EF4-FFF2-40B4-BE49-F238E27FC236}">
-                <a16:creationId xmlns:a16="http://schemas.microsoft.com/office/drawing/2014/main" id="{8C6036C8-8795-46BD-BC66-53E6348E818A}"/>
+                <a16:creationId xmlns:a16="http://schemas.microsoft.com/office/drawing/2014/main" id="{D044C67B-B791-4870-B800-0FC8F2C6C86F}"/>
               </a:ext>
             </a:extLst>
           </p:cNvPr>
@@ -3737,7 +3985,12 @@
             <p:ph type="title"/>
           </p:nvPr>
         </p:nvSpPr>
-        <p:spPr/>
+        <p:spPr>
+          <a:xfrm>
+            <a:off x="2231136" y="218967"/>
+            <a:ext cx="7729728" cy="1188720"/>
+          </a:xfrm>
+        </p:spPr>
         <p:txBody>
           <a:bodyPr/>
           <a:lstStyle/>
@@ -3754,7 +4007,7 @@
           <p:cNvPr id="3" name="Tartalom helye 2">
             <a:extLst>
               <a:ext uri="{FF2B5EF4-FFF2-40B4-BE49-F238E27FC236}">
-                <a16:creationId xmlns:a16="http://schemas.microsoft.com/office/drawing/2014/main" id="{72DE1D42-A0ED-40EE-98C6-AEBE53BCF2F8}"/>
+                <a16:creationId xmlns:a16="http://schemas.microsoft.com/office/drawing/2014/main" id="{24A088BF-4719-4B94-A607-B102767053DE}"/>
               </a:ext>
             </a:extLst>
           </p:cNvPr>
@@ -3765,19 +4018,352 @@
             <p:ph idx="1"/>
           </p:nvPr>
         </p:nvSpPr>
-        <p:spPr/>
-        <p:txBody>
-          <a:bodyPr/>
-          <a:lstStyle/>
-          <a:p>
-            <a:endParaRPr lang="hu-HU"/>
-          </a:p>
-        </p:txBody>
-      </p:sp>
+        <p:spPr>
+          <a:xfrm>
+            <a:off x="1541755" y="1526958"/>
+            <a:ext cx="9031550" cy="4873841"/>
+          </a:xfrm>
+        </p:spPr>
+        <p:txBody>
+          <a:bodyPr/>
+          <a:lstStyle/>
+          <a:p>
+            <a:r>
+              <a:rPr lang="hu-HU" dirty="0"/>
+              <a:t>4. Feladat:  Adja meg, mennyi idő telt el az első és az utolsó észlelés között! Az időt</a:t>
+            </a:r>
+            <a:br>
+              <a:rPr lang="hu-HU" dirty="0"/>
+            </a:br>
+            <a:r>
+              <a:rPr lang="hu-HU" dirty="0" err="1">
+                <a:latin typeface="Cascadia Mono Light" panose="020B0609020000020004" pitchFamily="49" charset="0"/>
+                <a:cs typeface="Cascadia Mono Light" panose="020B0609020000020004" pitchFamily="49" charset="0"/>
+              </a:rPr>
+              <a:t>óra:perc:másodperc</a:t>
+            </a:r>
+            <a:r>
+              <a:rPr lang="hu-HU" dirty="0">
+                <a:latin typeface="Cascadia Mono Light" panose="020B0609020000020004" pitchFamily="49" charset="0"/>
+                <a:cs typeface="Cascadia Mono Light" panose="020B0609020000020004" pitchFamily="49" charset="0"/>
+              </a:rPr>
+              <a:t> </a:t>
+            </a:r>
+            <a:r>
+              <a:rPr lang="hu-HU" dirty="0"/>
+              <a:t>alakban írja a képernyőre! </a:t>
+            </a:r>
+          </a:p>
+          <a:p>
+            <a:endParaRPr lang="hu-HU" dirty="0"/>
+          </a:p>
+          <a:p>
+            <a:endParaRPr lang="hu-HU" dirty="0"/>
+          </a:p>
+          <a:p>
+            <a:endParaRPr lang="hu-HU" dirty="0"/>
+          </a:p>
+          <a:p>
+            <a:endParaRPr lang="hu-HU" dirty="0"/>
+          </a:p>
+          <a:p>
+            <a:endParaRPr lang="hu-HU" dirty="0"/>
+          </a:p>
+          <a:p>
+            <a:r>
+              <a:rPr lang="hu-HU" dirty="0"/>
+              <a:t>5. feladat: Határozza meg azt a legkisebb, a koordináta-rendszer tengelyeivel párhuzamos oldalú téglalapot, amelyből nem lépett ki a jeladó!</a:t>
+            </a:r>
+          </a:p>
+          <a:p>
+            <a:endParaRPr lang="hu-HU" dirty="0"/>
+          </a:p>
+        </p:txBody>
+      </p:sp>
+      <p:pic>
+        <p:nvPicPr>
+          <p:cNvPr id="5" name="Kép 4">
+            <a:extLst>
+              <a:ext uri="{FF2B5EF4-FFF2-40B4-BE49-F238E27FC236}">
+                <a16:creationId xmlns:a16="http://schemas.microsoft.com/office/drawing/2014/main" id="{82960264-8A58-41C3-994D-381F2873EEFE}"/>
+              </a:ext>
+            </a:extLst>
+          </p:cNvPr>
+          <p:cNvPicPr>
+            <a:picLocks noChangeAspect="1"/>
+          </p:cNvPicPr>
+          <p:nvPr/>
+        </p:nvPicPr>
+        <p:blipFill rotWithShape="1">
+          <a:blip r:embed="rId2">
+            <a:extLst>
+              <a:ext uri="{28A0092B-C50C-407E-A947-70E740481C1C}">
+                <a14:useLocalDpi xmlns:a14="http://schemas.microsoft.com/office/drawing/2010/main" val="0"/>
+              </a:ext>
+            </a:extLst>
+          </a:blip>
+          <a:srcRect l="5461" t="47027" r="5704" b="27156"/>
+          <a:stretch/>
+        </p:blipFill>
+        <p:spPr>
+          <a:xfrm>
+            <a:off x="1837676" y="2139518"/>
+            <a:ext cx="6578355" cy="479897"/>
+          </a:xfrm>
+          <a:prstGeom prst="rect">
+            <a:avLst/>
+          </a:prstGeom>
+        </p:spPr>
+      </p:pic>
+      <p:pic>
+        <p:nvPicPr>
+          <p:cNvPr id="7" name="Kép 6">
+            <a:extLst>
+              <a:ext uri="{FF2B5EF4-FFF2-40B4-BE49-F238E27FC236}">
+                <a16:creationId xmlns:a16="http://schemas.microsoft.com/office/drawing/2014/main" id="{669939E7-B2F8-43C9-8CC6-859B23C97DAA}"/>
+              </a:ext>
+            </a:extLst>
+          </p:cNvPr>
+          <p:cNvPicPr>
+            <a:picLocks noChangeAspect="1"/>
+          </p:cNvPicPr>
+          <p:nvPr/>
+        </p:nvPicPr>
+        <p:blipFill rotWithShape="1">
+          <a:blip r:embed="rId3">
+            <a:extLst>
+              <a:ext uri="{28A0092B-C50C-407E-A947-70E740481C1C}">
+                <a14:useLocalDpi xmlns:a14="http://schemas.microsoft.com/office/drawing/2010/main" val="0"/>
+              </a:ext>
+            </a:extLst>
+          </a:blip>
+          <a:srcRect l="6190" t="43735" r="6141" b="35956"/>
+          <a:stretch/>
+        </p:blipFill>
+        <p:spPr>
+          <a:xfrm>
+            <a:off x="1837676" y="2676623"/>
+            <a:ext cx="5024761" cy="300248"/>
+          </a:xfrm>
+          <a:prstGeom prst="rect">
+            <a:avLst/>
+          </a:prstGeom>
+        </p:spPr>
+      </p:pic>
+      <p:pic>
+        <p:nvPicPr>
+          <p:cNvPr id="9" name="Kép 8">
+            <a:extLst>
+              <a:ext uri="{FF2B5EF4-FFF2-40B4-BE49-F238E27FC236}">
+                <a16:creationId xmlns:a16="http://schemas.microsoft.com/office/drawing/2014/main" id="{D45B14E2-12B6-47AF-B8F2-A5CB50A37CA0}"/>
+              </a:ext>
+            </a:extLst>
+          </p:cNvPr>
+          <p:cNvPicPr>
+            <a:picLocks noChangeAspect="1"/>
+          </p:cNvPicPr>
+          <p:nvPr/>
+        </p:nvPicPr>
+        <p:blipFill rotWithShape="1">
+          <a:blip r:embed="rId4">
+            <a:extLst>
+              <a:ext uri="{28A0092B-C50C-407E-A947-70E740481C1C}">
+                <a14:useLocalDpi xmlns:a14="http://schemas.microsoft.com/office/drawing/2010/main" val="0"/>
+              </a:ext>
+            </a:extLst>
+          </a:blip>
+          <a:srcRect l="8132" t="46644" r="8132" b="26903"/>
+          <a:stretch/>
+        </p:blipFill>
+        <p:spPr>
+          <a:xfrm>
+            <a:off x="1837677" y="2983032"/>
+            <a:ext cx="3098308" cy="315398"/>
+          </a:xfrm>
+          <a:prstGeom prst="rect">
+            <a:avLst/>
+          </a:prstGeom>
+        </p:spPr>
+      </p:pic>
+      <p:pic>
+        <p:nvPicPr>
+          <p:cNvPr id="11" name="Kép 10">
+            <a:extLst>
+              <a:ext uri="{FF2B5EF4-FFF2-40B4-BE49-F238E27FC236}">
+                <a16:creationId xmlns:a16="http://schemas.microsoft.com/office/drawing/2014/main" id="{CFBC4B3D-AD5F-46B9-8B77-1AB7E23BB27F}"/>
+              </a:ext>
+            </a:extLst>
+          </p:cNvPr>
+          <p:cNvPicPr>
+            <a:picLocks noChangeAspect="1"/>
+          </p:cNvPicPr>
+          <p:nvPr/>
+        </p:nvPicPr>
+        <p:blipFill rotWithShape="1">
+          <a:blip r:embed="rId5">
+            <a:extLst>
+              <a:ext uri="{28A0092B-C50C-407E-A947-70E740481C1C}">
+                <a14:useLocalDpi xmlns:a14="http://schemas.microsoft.com/office/drawing/2010/main" val="0"/>
+              </a:ext>
+            </a:extLst>
+          </a:blip>
+          <a:srcRect l="6262" t="45553" r="7087" b="26796"/>
+          <a:stretch/>
+        </p:blipFill>
+        <p:spPr>
+          <a:xfrm>
+            <a:off x="1837676" y="3319002"/>
+            <a:ext cx="4669656" cy="358887"/>
+          </a:xfrm>
+          <a:prstGeom prst="rect">
+            <a:avLst/>
+          </a:prstGeom>
+        </p:spPr>
+      </p:pic>
+      <p:pic>
+        <p:nvPicPr>
+          <p:cNvPr id="13" name="Kép 12">
+            <a:extLst>
+              <a:ext uri="{FF2B5EF4-FFF2-40B4-BE49-F238E27FC236}">
+                <a16:creationId xmlns:a16="http://schemas.microsoft.com/office/drawing/2014/main" id="{06CF76F2-04C4-4212-B14D-640CC8D24FA2}"/>
+              </a:ext>
+            </a:extLst>
+          </p:cNvPr>
+          <p:cNvPicPr>
+            <a:picLocks noChangeAspect="1"/>
+          </p:cNvPicPr>
+          <p:nvPr/>
+        </p:nvPicPr>
+        <p:blipFill rotWithShape="1">
+          <a:blip r:embed="rId6">
+            <a:extLst>
+              <a:ext uri="{28A0092B-C50C-407E-A947-70E740481C1C}">
+                <a14:useLocalDpi xmlns:a14="http://schemas.microsoft.com/office/drawing/2010/main" val="0"/>
+              </a:ext>
+            </a:extLst>
+          </a:blip>
+          <a:srcRect l="5825" t="45842" r="6068" b="27659"/>
+          <a:stretch/>
+        </p:blipFill>
+        <p:spPr>
+          <a:xfrm>
+            <a:off x="1837676" y="3717625"/>
+            <a:ext cx="6764123" cy="441425"/>
+          </a:xfrm>
+          <a:prstGeom prst="rect">
+            <a:avLst/>
+          </a:prstGeom>
+        </p:spPr>
+      </p:pic>
+      <p:pic>
+        <p:nvPicPr>
+          <p:cNvPr id="15" name="Kép 14">
+            <a:extLst>
+              <a:ext uri="{FF2B5EF4-FFF2-40B4-BE49-F238E27FC236}">
+                <a16:creationId xmlns:a16="http://schemas.microsoft.com/office/drawing/2014/main" id="{3C08D3F5-73F7-48FD-B4AB-B5E0C5196238}"/>
+              </a:ext>
+            </a:extLst>
+          </p:cNvPr>
+          <p:cNvPicPr>
+            <a:picLocks noChangeAspect="1"/>
+          </p:cNvPicPr>
+          <p:nvPr/>
+        </p:nvPicPr>
+        <p:blipFill rotWithShape="1">
+          <a:blip r:embed="rId7">
+            <a:extLst>
+              <a:ext uri="{28A0092B-C50C-407E-A947-70E740481C1C}">
+                <a14:useLocalDpi xmlns:a14="http://schemas.microsoft.com/office/drawing/2010/main" val="0"/>
+              </a:ext>
+            </a:extLst>
+          </a:blip>
+          <a:srcRect l="4660" t="41100" r="4684" b="32455"/>
+          <a:stretch/>
+        </p:blipFill>
+        <p:spPr>
+          <a:xfrm>
+            <a:off x="1837676" y="4810082"/>
+            <a:ext cx="7462498" cy="395263"/>
+          </a:xfrm>
+          <a:prstGeom prst="rect">
+            <a:avLst/>
+          </a:prstGeom>
+        </p:spPr>
+      </p:pic>
+      <p:pic>
+        <p:nvPicPr>
+          <p:cNvPr id="17" name="Kép 16">
+            <a:extLst>
+              <a:ext uri="{FF2B5EF4-FFF2-40B4-BE49-F238E27FC236}">
+                <a16:creationId xmlns:a16="http://schemas.microsoft.com/office/drawing/2014/main" id="{4CB1CAD1-D228-41E2-92C9-878CD2B198CA}"/>
+              </a:ext>
+            </a:extLst>
+          </p:cNvPr>
+          <p:cNvPicPr>
+            <a:picLocks noChangeAspect="1"/>
+          </p:cNvPicPr>
+          <p:nvPr/>
+        </p:nvPicPr>
+        <p:blipFill rotWithShape="1">
+          <a:blip r:embed="rId8">
+            <a:extLst>
+              <a:ext uri="{28A0092B-C50C-407E-A947-70E740481C1C}">
+                <a14:useLocalDpi xmlns:a14="http://schemas.microsoft.com/office/drawing/2010/main" val="0"/>
+              </a:ext>
+            </a:extLst>
+          </a:blip>
+          <a:srcRect l="10360" t="33654" r="12560" b="20650"/>
+          <a:stretch/>
+        </p:blipFill>
+        <p:spPr>
+          <a:xfrm>
+            <a:off x="1837676" y="5231819"/>
+            <a:ext cx="4392085" cy="1511111"/>
+          </a:xfrm>
+          <a:prstGeom prst="rect">
+            <a:avLst/>
+          </a:prstGeom>
+        </p:spPr>
+      </p:pic>
+      <p:pic>
+        <p:nvPicPr>
+          <p:cNvPr id="19" name="Kép 18">
+            <a:extLst>
+              <a:ext uri="{FF2B5EF4-FFF2-40B4-BE49-F238E27FC236}">
+                <a16:creationId xmlns:a16="http://schemas.microsoft.com/office/drawing/2014/main" id="{4DD25FA8-CB1D-40D2-ACA2-AECF75B46714}"/>
+              </a:ext>
+            </a:extLst>
+          </p:cNvPr>
+          <p:cNvPicPr>
+            <a:picLocks noChangeAspect="1"/>
+          </p:cNvPicPr>
+          <p:nvPr/>
+        </p:nvPicPr>
+        <p:blipFill rotWithShape="1">
+          <a:blip r:embed="rId9">
+            <a:extLst>
+              <a:ext uri="{28A0092B-C50C-407E-A947-70E740481C1C}">
+                <a14:useLocalDpi xmlns:a14="http://schemas.microsoft.com/office/drawing/2010/main" val="0"/>
+              </a:ext>
+            </a:extLst>
+          </a:blip>
+          <a:srcRect l="9972" t="33654" r="11437" b="20509"/>
+          <a:stretch/>
+        </p:blipFill>
+        <p:spPr>
+          <a:xfrm>
+            <a:off x="6279769" y="5231819"/>
+            <a:ext cx="4544050" cy="1511110"/>
+          </a:xfrm>
+          <a:prstGeom prst="rect">
+            <a:avLst/>
+          </a:prstGeom>
+        </p:spPr>
+      </p:pic>
     </p:spTree>
     <p:extLst>
       <p:ext uri="{BB962C8B-B14F-4D97-AF65-F5344CB8AC3E}">
-        <p14:creationId xmlns:p14="http://schemas.microsoft.com/office/powerpoint/2010/main" val="3163172029"/>
+        <p14:creationId xmlns:p14="http://schemas.microsoft.com/office/powerpoint/2010/main" val="3434340789"/>
       </p:ext>
     </p:extLst>
   </p:cSld>
@@ -3788,89 +4374,6 @@
 </file>
 
 <file path=ppt/slides/slide6.xml><?xml version="1.0" encoding="utf-8"?>
-<p:sld xmlns:a="http://schemas.openxmlformats.org/drawingml/2006/main" xmlns:r="http://schemas.openxmlformats.org/officeDocument/2006/relationships" xmlns:p="http://schemas.openxmlformats.org/presentationml/2006/main">
-  <p:cSld>
-    <p:spTree>
-      <p:nvGrpSpPr>
-        <p:cNvPr id="1" name=""/>
-        <p:cNvGrpSpPr/>
-        <p:nvPr/>
-      </p:nvGrpSpPr>
-      <p:grpSpPr>
-        <a:xfrm>
-          <a:off x="0" y="0"/>
-          <a:ext cx="0" cy="0"/>
-          <a:chOff x="0" y="0"/>
-          <a:chExt cx="0" cy="0"/>
-        </a:xfrm>
-      </p:grpSpPr>
-      <p:sp>
-        <p:nvSpPr>
-          <p:cNvPr id="2" name="Cím 1">
-            <a:extLst>
-              <a:ext uri="{FF2B5EF4-FFF2-40B4-BE49-F238E27FC236}">
-                <a16:creationId xmlns:a16="http://schemas.microsoft.com/office/drawing/2014/main" id="{E8D88DD9-A63D-4147-BC70-1BDF670AB24B}"/>
-              </a:ext>
-            </a:extLst>
-          </p:cNvPr>
-          <p:cNvSpPr>
-            <a:spLocks noGrp="1"/>
-          </p:cNvSpPr>
-          <p:nvPr>
-            <p:ph type="title"/>
-          </p:nvPr>
-        </p:nvSpPr>
-        <p:spPr/>
-        <p:txBody>
-          <a:bodyPr/>
-          <a:lstStyle/>
-          <a:p>
-            <a:r>
-              <a:rPr lang="hu-HU" dirty="0"/>
-              <a:t>A kész megoldás</a:t>
-            </a:r>
-          </a:p>
-        </p:txBody>
-      </p:sp>
-      <p:sp>
-        <p:nvSpPr>
-          <p:cNvPr id="3" name="Tartalom helye 2">
-            <a:extLst>
-              <a:ext uri="{FF2B5EF4-FFF2-40B4-BE49-F238E27FC236}">
-                <a16:creationId xmlns:a16="http://schemas.microsoft.com/office/drawing/2014/main" id="{193D9A45-0304-42AF-9891-61814AD16A81}"/>
-              </a:ext>
-            </a:extLst>
-          </p:cNvPr>
-          <p:cNvSpPr>
-            <a:spLocks noGrp="1"/>
-          </p:cNvSpPr>
-          <p:nvPr>
-            <p:ph idx="1"/>
-          </p:nvPr>
-        </p:nvSpPr>
-        <p:spPr/>
-        <p:txBody>
-          <a:bodyPr/>
-          <a:lstStyle/>
-          <a:p>
-            <a:endParaRPr lang="hu-HU"/>
-          </a:p>
-        </p:txBody>
-      </p:sp>
-    </p:spTree>
-    <p:extLst>
-      <p:ext uri="{BB962C8B-B14F-4D97-AF65-F5344CB8AC3E}">
-        <p14:creationId xmlns:p14="http://schemas.microsoft.com/office/powerpoint/2010/main" val="1942145497"/>
-      </p:ext>
-    </p:extLst>
-  </p:cSld>
-  <p:clrMapOvr>
-    <a:masterClrMapping/>
-  </p:clrMapOvr>
-</p:sld>
-</file>
-
-<file path=ppt/slides/slide7.xml><?xml version="1.0" encoding="utf-8"?>
 <p:sld xmlns:a="http://schemas.openxmlformats.org/drawingml/2006/main" xmlns:r="http://schemas.openxmlformats.org/officeDocument/2006/relationships" xmlns:p="http://schemas.openxmlformats.org/presentationml/2006/main">
   <p:cSld>
     <p:spTree>

--- a/Proj1-Jelado-10A_f.pptx
+++ b/Proj1-Jelado-10A_f.pptx
@@ -6,11 +6,15 @@
   </p:sldMasterIdLst>
   <p:sldIdLst>
     <p:sldId id="256" r:id="rId2"/>
-    <p:sldId id="257" r:id="rId3"/>
-    <p:sldId id="259" r:id="rId4"/>
-    <p:sldId id="260" r:id="rId5"/>
-    <p:sldId id="263" r:id="rId6"/>
-    <p:sldId id="262" r:id="rId7"/>
+    <p:sldId id="259" r:id="rId3"/>
+    <p:sldId id="257" r:id="rId4"/>
+    <p:sldId id="266" r:id="rId5"/>
+    <p:sldId id="260" r:id="rId6"/>
+    <p:sldId id="263" r:id="rId7"/>
+    <p:sldId id="264" r:id="rId8"/>
+    <p:sldId id="265" r:id="rId9"/>
+    <p:sldId id="262" r:id="rId10"/>
+    <p:sldId id="267" r:id="rId11"/>
   </p:sldIdLst>
   <p:sldSz cx="12192000" cy="6858000"/>
   <p:notesSz cx="6858000" cy="9144000"/>
@@ -117,6 +121,642 @@
 </p:presentation>
 </file>
 
+<file path=ppt/changesInfos/changesInfo1.xml><?xml version="1.0" encoding="utf-8"?>
+<pc:chgInfo xmlns:a="http://schemas.openxmlformats.org/drawingml/2006/main" xmlns:r="http://schemas.openxmlformats.org/officeDocument/2006/relationships" xmlns:ac="http://schemas.microsoft.com/office/drawing/2013/main/command" xmlns:pc="http://schemas.microsoft.com/office/powerpoint/2013/main/command">
+  <pc:docChgLst>
+    <pc:chgData name="Brigi Fatura" userId="79059a80e88b36cb" providerId="LiveId" clId="{8FB23971-995C-411C-BF0C-31D8DC7035B4}"/>
+    <pc:docChg chg="undo redo custSel addSld delSld modSld sldOrd">
+      <pc:chgData name="Brigi Fatura" userId="79059a80e88b36cb" providerId="LiveId" clId="{8FB23971-995C-411C-BF0C-31D8DC7035B4}" dt="2023-03-06T23:11:28.492" v="1174" actId="1440"/>
+      <pc:docMkLst>
+        <pc:docMk/>
+      </pc:docMkLst>
+      <pc:sldChg chg="addSp delSp modSp mod">
+        <pc:chgData name="Brigi Fatura" userId="79059a80e88b36cb" providerId="LiveId" clId="{8FB23971-995C-411C-BF0C-31D8DC7035B4}" dt="2023-03-06T21:44:58.236" v="260" actId="478"/>
+        <pc:sldMkLst>
+          <pc:docMk/>
+          <pc:sldMk cId="2334680996" sldId="256"/>
+        </pc:sldMkLst>
+        <pc:spChg chg="mod">
+          <ac:chgData name="Brigi Fatura" userId="79059a80e88b36cb" providerId="LiveId" clId="{8FB23971-995C-411C-BF0C-31D8DC7035B4}" dt="2023-03-06T21:43:46.160" v="258" actId="948"/>
+          <ac:spMkLst>
+            <pc:docMk/>
+            <pc:sldMk cId="2334680996" sldId="256"/>
+            <ac:spMk id="2" creationId="{7BE2F21A-E685-4909-9932-5D102C5719FC}"/>
+          </ac:spMkLst>
+        </pc:spChg>
+        <pc:spChg chg="del">
+          <ac:chgData name="Brigi Fatura" userId="79059a80e88b36cb" providerId="LiveId" clId="{8FB23971-995C-411C-BF0C-31D8DC7035B4}" dt="2023-03-06T21:43:55.222" v="259" actId="478"/>
+          <ac:spMkLst>
+            <pc:docMk/>
+            <pc:sldMk cId="2334680996" sldId="256"/>
+            <ac:spMk id="3" creationId="{31B46745-F6FE-4A44-B7B5-0377BA2C302A}"/>
+          </ac:spMkLst>
+        </pc:spChg>
+        <pc:spChg chg="add mod">
+          <ac:chgData name="Brigi Fatura" userId="79059a80e88b36cb" providerId="LiveId" clId="{8FB23971-995C-411C-BF0C-31D8DC7035B4}" dt="2023-03-06T21:39:53.471" v="154" actId="1076"/>
+          <ac:spMkLst>
+            <pc:docMk/>
+            <pc:sldMk cId="2334680996" sldId="256"/>
+            <ac:spMk id="4" creationId="{30CD973F-F290-B036-C368-55B978A8DC51}"/>
+          </ac:spMkLst>
+        </pc:spChg>
+        <pc:spChg chg="add mod">
+          <ac:chgData name="Brigi Fatura" userId="79059a80e88b36cb" providerId="LiveId" clId="{8FB23971-995C-411C-BF0C-31D8DC7035B4}" dt="2023-03-06T21:41:25.315" v="198" actId="122"/>
+          <ac:spMkLst>
+            <pc:docMk/>
+            <pc:sldMk cId="2334680996" sldId="256"/>
+            <ac:spMk id="5" creationId="{CF998266-6216-47E2-050E-B788BC7D241D}"/>
+          </ac:spMkLst>
+        </pc:spChg>
+        <pc:spChg chg="add del mod">
+          <ac:chgData name="Brigi Fatura" userId="79059a80e88b36cb" providerId="LiveId" clId="{8FB23971-995C-411C-BF0C-31D8DC7035B4}" dt="2023-03-06T21:44:58.236" v="260" actId="478"/>
+          <ac:spMkLst>
+            <pc:docMk/>
+            <pc:sldMk cId="2334680996" sldId="256"/>
+            <ac:spMk id="7" creationId="{E49BA275-EFFF-0EEE-B0D4-49B173A567AE}"/>
+          </ac:spMkLst>
+        </pc:spChg>
+      </pc:sldChg>
+      <pc:sldChg chg="addSp delSp modSp add del mod modAnim">
+        <pc:chgData name="Brigi Fatura" userId="79059a80e88b36cb" providerId="LiveId" clId="{8FB23971-995C-411C-BF0C-31D8DC7035B4}" dt="2023-03-06T23:11:28.492" v="1174" actId="1440"/>
+        <pc:sldMkLst>
+          <pc:docMk/>
+          <pc:sldMk cId="1405116982" sldId="257"/>
+        </pc:sldMkLst>
+        <pc:spChg chg="mod">
+          <ac:chgData name="Brigi Fatura" userId="79059a80e88b36cb" providerId="LiveId" clId="{8FB23971-995C-411C-BF0C-31D8DC7035B4}" dt="2023-03-06T21:48:51.551" v="490"/>
+          <ac:spMkLst>
+            <pc:docMk/>
+            <pc:sldMk cId="1405116982" sldId="257"/>
+            <ac:spMk id="2" creationId="{31433A68-BB94-4FA7-B650-5F7F3A23BDDB}"/>
+          </ac:spMkLst>
+        </pc:spChg>
+        <pc:spChg chg="mod">
+          <ac:chgData name="Brigi Fatura" userId="79059a80e88b36cb" providerId="LiveId" clId="{8FB23971-995C-411C-BF0C-31D8DC7035B4}" dt="2023-03-06T22:50:14.271" v="888" actId="20577"/>
+          <ac:spMkLst>
+            <pc:docMk/>
+            <pc:sldMk cId="1405116982" sldId="257"/>
+            <ac:spMk id="4" creationId="{8FC4BBF0-8B9A-450E-9713-361AA343CBE6}"/>
+          </ac:spMkLst>
+        </pc:spChg>
+        <pc:spChg chg="add del mod">
+          <ac:chgData name="Brigi Fatura" userId="79059a80e88b36cb" providerId="LiveId" clId="{8FB23971-995C-411C-BF0C-31D8DC7035B4}" dt="2023-03-06T21:25:37.423" v="16" actId="478"/>
+          <ac:spMkLst>
+            <pc:docMk/>
+            <pc:sldMk cId="1405116982" sldId="257"/>
+            <ac:spMk id="5" creationId="{E1506030-FBBA-04FF-6F83-D172AB94F4BA}"/>
+          </ac:spMkLst>
+        </pc:spChg>
+        <pc:picChg chg="mod ord modCrop">
+          <ac:chgData name="Brigi Fatura" userId="79059a80e88b36cb" providerId="LiveId" clId="{8FB23971-995C-411C-BF0C-31D8DC7035B4}" dt="2023-03-06T23:11:24.998" v="1172" actId="1440"/>
+          <ac:picMkLst>
+            <pc:docMk/>
+            <pc:sldMk cId="1405116982" sldId="257"/>
+            <ac:picMk id="6" creationId="{E628A94E-C060-4487-A148-FD7B556F411A}"/>
+          </ac:picMkLst>
+        </pc:picChg>
+        <pc:picChg chg="add mod ord modCrop">
+          <ac:chgData name="Brigi Fatura" userId="79059a80e88b36cb" providerId="LiveId" clId="{8FB23971-995C-411C-BF0C-31D8DC7035B4}" dt="2023-03-06T23:11:28.492" v="1174" actId="1440"/>
+          <ac:picMkLst>
+            <pc:docMk/>
+            <pc:sldMk cId="1405116982" sldId="257"/>
+            <ac:picMk id="8" creationId="{3CCCFA9A-EC4A-EDDA-D94C-2C1DF6941E53}"/>
+          </ac:picMkLst>
+        </pc:picChg>
+        <pc:cxnChg chg="add mod">
+          <ac:chgData name="Brigi Fatura" userId="79059a80e88b36cb" providerId="LiveId" clId="{8FB23971-995C-411C-BF0C-31D8DC7035B4}" dt="2023-03-06T21:38:05.362" v="114" actId="14100"/>
+          <ac:cxnSpMkLst>
+            <pc:docMk/>
+            <pc:sldMk cId="1405116982" sldId="257"/>
+            <ac:cxnSpMk id="10" creationId="{A2FD72A8-CDD6-482B-7AD3-2F6F574EAE8F}"/>
+          </ac:cxnSpMkLst>
+        </pc:cxnChg>
+        <pc:cxnChg chg="add mod ord">
+          <ac:chgData name="Brigi Fatura" userId="79059a80e88b36cb" providerId="LiveId" clId="{8FB23971-995C-411C-BF0C-31D8DC7035B4}" dt="2023-03-06T21:37:53.496" v="112" actId="171"/>
+          <ac:cxnSpMkLst>
+            <pc:docMk/>
+            <pc:sldMk cId="1405116982" sldId="257"/>
+            <ac:cxnSpMk id="12" creationId="{B943DD50-7DF2-70AE-EE25-CE4799E59EDE}"/>
+          </ac:cxnSpMkLst>
+        </pc:cxnChg>
+      </pc:sldChg>
+      <pc:sldChg chg="addSp delSp modSp mod ord">
+        <pc:chgData name="Brigi Fatura" userId="79059a80e88b36cb" providerId="LiveId" clId="{8FB23971-995C-411C-BF0C-31D8DC7035B4}" dt="2023-03-06T23:11:19.400" v="1171" actId="1440"/>
+        <pc:sldMkLst>
+          <pc:docMk/>
+          <pc:sldMk cId="4208633134" sldId="259"/>
+        </pc:sldMkLst>
+        <pc:spChg chg="mod">
+          <ac:chgData name="Brigi Fatura" userId="79059a80e88b36cb" providerId="LiveId" clId="{8FB23971-995C-411C-BF0C-31D8DC7035B4}" dt="2023-03-06T21:47:40.665" v="482" actId="1076"/>
+          <ac:spMkLst>
+            <pc:docMk/>
+            <pc:sldMk cId="4208633134" sldId="259"/>
+            <ac:spMk id="2" creationId="{6AB5FD2A-6EF0-45CD-973D-B38D5A6E23CF}"/>
+          </ac:spMkLst>
+        </pc:spChg>
+        <pc:spChg chg="del">
+          <ac:chgData name="Brigi Fatura" userId="79059a80e88b36cb" providerId="LiveId" clId="{8FB23971-995C-411C-BF0C-31D8DC7035B4}" dt="2023-03-06T21:51:27.311" v="491" actId="931"/>
+          <ac:spMkLst>
+            <pc:docMk/>
+            <pc:sldMk cId="4208633134" sldId="259"/>
+            <ac:spMk id="3" creationId="{5BA86E10-82A7-419B-B52C-F26AB756859A}"/>
+          </ac:spMkLst>
+        </pc:spChg>
+        <pc:spChg chg="mod">
+          <ac:chgData name="Brigi Fatura" userId="79059a80e88b36cb" providerId="LiveId" clId="{8FB23971-995C-411C-BF0C-31D8DC7035B4}" dt="2023-03-06T21:48:33.068" v="489" actId="242"/>
+          <ac:spMkLst>
+            <pc:docMk/>
+            <pc:sldMk cId="4208633134" sldId="259"/>
+            <ac:spMk id="4" creationId="{3CEDE4B8-B35E-4CDD-9E8E-75BA5A23F271}"/>
+          </ac:spMkLst>
+        </pc:spChg>
+        <pc:spChg chg="add del mod">
+          <ac:chgData name="Brigi Fatura" userId="79059a80e88b36cb" providerId="LiveId" clId="{8FB23971-995C-411C-BF0C-31D8DC7035B4}" dt="2023-03-06T21:51:54.417" v="495" actId="931"/>
+          <ac:spMkLst>
+            <pc:docMk/>
+            <pc:sldMk cId="4208633134" sldId="259"/>
+            <ac:spMk id="10" creationId="{C6292C47-5CFB-BA07-953A-2F333E1BADD1}"/>
+          </ac:spMkLst>
+        </pc:spChg>
+        <pc:picChg chg="add del mod">
+          <ac:chgData name="Brigi Fatura" userId="79059a80e88b36cb" providerId="LiveId" clId="{8FB23971-995C-411C-BF0C-31D8DC7035B4}" dt="2023-03-06T21:51:45.840" v="494" actId="478"/>
+          <ac:picMkLst>
+            <pc:docMk/>
+            <pc:sldMk cId="4208633134" sldId="259"/>
+            <ac:picMk id="6" creationId="{B27F58EE-BB9A-18D5-AEBE-740F08CE45A8}"/>
+          </ac:picMkLst>
+        </pc:picChg>
+        <pc:picChg chg="add del mod">
+          <ac:chgData name="Brigi Fatura" userId="79059a80e88b36cb" providerId="LiveId" clId="{8FB23971-995C-411C-BF0C-31D8DC7035B4}" dt="2023-03-06T21:51:45.840" v="494" actId="478"/>
+          <ac:picMkLst>
+            <pc:docMk/>
+            <pc:sldMk cId="4208633134" sldId="259"/>
+            <ac:picMk id="8" creationId="{7F51A7D5-F1FD-C42E-F639-3C90034F8CA9}"/>
+          </ac:picMkLst>
+        </pc:picChg>
+        <pc:picChg chg="add mod">
+          <ac:chgData name="Brigi Fatura" userId="79059a80e88b36cb" providerId="LiveId" clId="{8FB23971-995C-411C-BF0C-31D8DC7035B4}" dt="2023-03-06T23:11:19.400" v="1171" actId="1440"/>
+          <ac:picMkLst>
+            <pc:docMk/>
+            <pc:sldMk cId="4208633134" sldId="259"/>
+            <ac:picMk id="12" creationId="{1D64D2FF-31D1-9D67-E583-A03EBF8BB2D9}"/>
+          </ac:picMkLst>
+        </pc:picChg>
+        <pc:picChg chg="add mod">
+          <ac:chgData name="Brigi Fatura" userId="79059a80e88b36cb" providerId="LiveId" clId="{8FB23971-995C-411C-BF0C-31D8DC7035B4}" dt="2023-03-06T23:11:13.706" v="1170" actId="1440"/>
+          <ac:picMkLst>
+            <pc:docMk/>
+            <pc:sldMk cId="4208633134" sldId="259"/>
+            <ac:picMk id="14" creationId="{8C8D829D-9111-24DD-D9F9-C56DA1C475D6}"/>
+          </ac:picMkLst>
+        </pc:picChg>
+      </pc:sldChg>
+      <pc:sldChg chg="modSp mod">
+        <pc:chgData name="Brigi Fatura" userId="79059a80e88b36cb" providerId="LiveId" clId="{8FB23971-995C-411C-BF0C-31D8DC7035B4}" dt="2023-03-06T22:04:05.490" v="613" actId="1440"/>
+        <pc:sldMkLst>
+          <pc:docMk/>
+          <pc:sldMk cId="3163172029" sldId="260"/>
+        </pc:sldMkLst>
+        <pc:spChg chg="mod">
+          <ac:chgData name="Brigi Fatura" userId="79059a80e88b36cb" providerId="LiveId" clId="{8FB23971-995C-411C-BF0C-31D8DC7035B4}" dt="2023-03-06T21:58:17.631" v="555" actId="1076"/>
+          <ac:spMkLst>
+            <pc:docMk/>
+            <pc:sldMk cId="3163172029" sldId="260"/>
+            <ac:spMk id="2" creationId="{8C6036C8-8795-46BD-BC66-53E6348E818A}"/>
+          </ac:spMkLst>
+        </pc:spChg>
+        <pc:spChg chg="mod">
+          <ac:chgData name="Brigi Fatura" userId="79059a80e88b36cb" providerId="LiveId" clId="{8FB23971-995C-411C-BF0C-31D8DC7035B4}" dt="2023-03-06T21:58:34.505" v="558" actId="1076"/>
+          <ac:spMkLst>
+            <pc:docMk/>
+            <pc:sldMk cId="3163172029" sldId="260"/>
+            <ac:spMk id="4" creationId="{FC4B2024-5BCA-4517-BA2F-099DA7EC3672}"/>
+          </ac:spMkLst>
+        </pc:spChg>
+        <pc:picChg chg="mod">
+          <ac:chgData name="Brigi Fatura" userId="79059a80e88b36cb" providerId="LiveId" clId="{8FB23971-995C-411C-BF0C-31D8DC7035B4}" dt="2023-03-06T22:03:40.298" v="608" actId="1440"/>
+          <ac:picMkLst>
+            <pc:docMk/>
+            <pc:sldMk cId="3163172029" sldId="260"/>
+            <ac:picMk id="8" creationId="{788EA302-BB74-43A8-AA26-7F7DDC55A844}"/>
+          </ac:picMkLst>
+        </pc:picChg>
+        <pc:picChg chg="mod">
+          <ac:chgData name="Brigi Fatura" userId="79059a80e88b36cb" providerId="LiveId" clId="{8FB23971-995C-411C-BF0C-31D8DC7035B4}" dt="2023-03-06T22:03:57.652" v="612" actId="1076"/>
+          <ac:picMkLst>
+            <pc:docMk/>
+            <pc:sldMk cId="3163172029" sldId="260"/>
+            <ac:picMk id="10" creationId="{4E9B7519-ED2F-464C-B884-03F971CA2352}"/>
+          </ac:picMkLst>
+        </pc:picChg>
+        <pc:picChg chg="mod">
+          <ac:chgData name="Brigi Fatura" userId="79059a80e88b36cb" providerId="LiveId" clId="{8FB23971-995C-411C-BF0C-31D8DC7035B4}" dt="2023-03-06T22:03:45.746" v="610" actId="1440"/>
+          <ac:picMkLst>
+            <pc:docMk/>
+            <pc:sldMk cId="3163172029" sldId="260"/>
+            <ac:picMk id="12" creationId="{1B48E90D-14D8-47BF-9A0B-3F27EA10FEF3}"/>
+          </ac:picMkLst>
+        </pc:picChg>
+        <pc:picChg chg="mod">
+          <ac:chgData name="Brigi Fatura" userId="79059a80e88b36cb" providerId="LiveId" clId="{8FB23971-995C-411C-BF0C-31D8DC7035B4}" dt="2023-03-06T22:04:05.490" v="613" actId="1440"/>
+          <ac:picMkLst>
+            <pc:docMk/>
+            <pc:sldMk cId="3163172029" sldId="260"/>
+            <ac:picMk id="14" creationId="{2578EF46-002D-4F13-B193-94EE403E2532}"/>
+          </ac:picMkLst>
+        </pc:picChg>
+      </pc:sldChg>
+      <pc:sldChg chg="addSp delSp modSp mod">
+        <pc:chgData name="Brigi Fatura" userId="79059a80e88b36cb" providerId="LiveId" clId="{8FB23971-995C-411C-BF0C-31D8DC7035B4}" dt="2023-03-06T22:48:34.818" v="885" actId="1076"/>
+        <pc:sldMkLst>
+          <pc:docMk/>
+          <pc:sldMk cId="2633787464" sldId="262"/>
+        </pc:sldMkLst>
+        <pc:spChg chg="mod">
+          <ac:chgData name="Brigi Fatura" userId="79059a80e88b36cb" providerId="LiveId" clId="{8FB23971-995C-411C-BF0C-31D8DC7035B4}" dt="2023-03-06T22:42:33.054" v="872" actId="1076"/>
+          <ac:spMkLst>
+            <pc:docMk/>
+            <pc:sldMk cId="2633787464" sldId="262"/>
+            <ac:spMk id="2" creationId="{99F9D67E-A6FD-4401-9CB8-B9F248A6489D}"/>
+          </ac:spMkLst>
+        </pc:spChg>
+        <pc:spChg chg="del">
+          <ac:chgData name="Brigi Fatura" userId="79059a80e88b36cb" providerId="LiveId" clId="{8FB23971-995C-411C-BF0C-31D8DC7035B4}" dt="2023-03-06T22:38:56.296" v="846" actId="931"/>
+          <ac:spMkLst>
+            <pc:docMk/>
+            <pc:sldMk cId="2633787464" sldId="262"/>
+            <ac:spMk id="3" creationId="{8E0BC96D-E4ED-474D-9334-D378008EBBB8}"/>
+          </ac:spMkLst>
+        </pc:spChg>
+        <pc:picChg chg="add mod modCrop">
+          <ac:chgData name="Brigi Fatura" userId="79059a80e88b36cb" providerId="LiveId" clId="{8FB23971-995C-411C-BF0C-31D8DC7035B4}" dt="2023-03-06T22:42:26.989" v="871" actId="14100"/>
+          <ac:picMkLst>
+            <pc:docMk/>
+            <pc:sldMk cId="2633787464" sldId="262"/>
+            <ac:picMk id="5" creationId="{008479AF-599E-31B9-F819-99308872CE9D}"/>
+          </ac:picMkLst>
+        </pc:picChg>
+        <pc:picChg chg="add mod modCrop">
+          <ac:chgData name="Brigi Fatura" userId="79059a80e88b36cb" providerId="LiveId" clId="{8FB23971-995C-411C-BF0C-31D8DC7035B4}" dt="2023-03-06T22:42:56.624" v="875" actId="1076"/>
+          <ac:picMkLst>
+            <pc:docMk/>
+            <pc:sldMk cId="2633787464" sldId="262"/>
+            <ac:picMk id="7" creationId="{20633767-4B1C-A78D-0E2B-96E43A014B68}"/>
+          </ac:picMkLst>
+        </pc:picChg>
+        <pc:picChg chg="add mod">
+          <ac:chgData name="Brigi Fatura" userId="79059a80e88b36cb" providerId="LiveId" clId="{8FB23971-995C-411C-BF0C-31D8DC7035B4}" dt="2023-03-06T22:47:11.396" v="880" actId="1076"/>
+          <ac:picMkLst>
+            <pc:docMk/>
+            <pc:sldMk cId="2633787464" sldId="262"/>
+            <ac:picMk id="9" creationId="{A84E9B1D-332F-A7CF-8919-43DC56D00A56}"/>
+          </ac:picMkLst>
+        </pc:picChg>
+        <pc:picChg chg="add mod">
+          <ac:chgData name="Brigi Fatura" userId="79059a80e88b36cb" providerId="LiveId" clId="{8FB23971-995C-411C-BF0C-31D8DC7035B4}" dt="2023-03-06T22:48:34.818" v="885" actId="1076"/>
+          <ac:picMkLst>
+            <pc:docMk/>
+            <pc:sldMk cId="2633787464" sldId="262"/>
+            <ac:picMk id="11" creationId="{2E6C2EB8-3B9B-9C1F-A663-1276E2D9E2DD}"/>
+          </ac:picMkLst>
+        </pc:picChg>
+      </pc:sldChg>
+      <pc:sldChg chg="addSp delSp modSp mod">
+        <pc:chgData name="Brigi Fatura" userId="79059a80e88b36cb" providerId="LiveId" clId="{8FB23971-995C-411C-BF0C-31D8DC7035B4}" dt="2023-03-06T22:12:06.606" v="682" actId="14100"/>
+        <pc:sldMkLst>
+          <pc:docMk/>
+          <pc:sldMk cId="3434340789" sldId="263"/>
+        </pc:sldMkLst>
+        <pc:spChg chg="del mod">
+          <ac:chgData name="Brigi Fatura" userId="79059a80e88b36cb" providerId="LiveId" clId="{8FB23971-995C-411C-BF0C-31D8DC7035B4}" dt="2023-03-06T22:10:24.284" v="670" actId="478"/>
+          <ac:spMkLst>
+            <pc:docMk/>
+            <pc:sldMk cId="3434340789" sldId="263"/>
+            <ac:spMk id="2" creationId="{D044C67B-B791-4870-B800-0FC8F2C6C86F}"/>
+          </ac:spMkLst>
+        </pc:spChg>
+        <pc:spChg chg="mod">
+          <ac:chgData name="Brigi Fatura" userId="79059a80e88b36cb" providerId="LiveId" clId="{8FB23971-995C-411C-BF0C-31D8DC7035B4}" dt="2023-03-06T22:12:06.606" v="682" actId="14100"/>
+          <ac:spMkLst>
+            <pc:docMk/>
+            <pc:sldMk cId="3434340789" sldId="263"/>
+            <ac:spMk id="3" creationId="{24A088BF-4719-4B94-A607-B102767053DE}"/>
+          </ac:spMkLst>
+        </pc:spChg>
+        <pc:spChg chg="add mod">
+          <ac:chgData name="Brigi Fatura" userId="79059a80e88b36cb" providerId="LiveId" clId="{8FB23971-995C-411C-BF0C-31D8DC7035B4}" dt="2023-03-06T22:10:20.534" v="669"/>
+          <ac:spMkLst>
+            <pc:docMk/>
+            <pc:sldMk cId="3434340789" sldId="263"/>
+            <ac:spMk id="8" creationId="{C6372AEA-E81C-DC4B-C620-011281D4FAF7}"/>
+          </ac:spMkLst>
+        </pc:spChg>
+        <pc:spChg chg="add del mod">
+          <ac:chgData name="Brigi Fatura" userId="79059a80e88b36cb" providerId="LiveId" clId="{8FB23971-995C-411C-BF0C-31D8DC7035B4}" dt="2023-03-06T22:10:27.943" v="671" actId="478"/>
+          <ac:spMkLst>
+            <pc:docMk/>
+            <pc:sldMk cId="3434340789" sldId="263"/>
+            <ac:spMk id="12" creationId="{9A29E47C-5599-1C9E-FE00-07B01E48F986}"/>
+          </ac:spMkLst>
+        </pc:spChg>
+        <pc:picChg chg="mod ord">
+          <ac:chgData name="Brigi Fatura" userId="79059a80e88b36cb" providerId="LiveId" clId="{8FB23971-995C-411C-BF0C-31D8DC7035B4}" dt="2023-03-06T22:11:15.931" v="677" actId="1076"/>
+          <ac:picMkLst>
+            <pc:docMk/>
+            <pc:sldMk cId="3434340789" sldId="263"/>
+            <ac:picMk id="5" creationId="{82960264-8A58-41C3-994D-381F2873EEFE}"/>
+          </ac:picMkLst>
+        </pc:picChg>
+        <pc:picChg chg="add mod modCrop">
+          <ac:chgData name="Brigi Fatura" userId="79059a80e88b36cb" providerId="LiveId" clId="{8FB23971-995C-411C-BF0C-31D8DC7035B4}" dt="2023-03-06T22:11:05.057" v="676" actId="1076"/>
+          <ac:picMkLst>
+            <pc:docMk/>
+            <pc:sldMk cId="3434340789" sldId="263"/>
+            <ac:picMk id="6" creationId="{6564C7BC-54F6-F6C3-F3EB-ADD9A1090612}"/>
+          </ac:picMkLst>
+        </pc:picChg>
+        <pc:picChg chg="del mod">
+          <ac:chgData name="Brigi Fatura" userId="79059a80e88b36cb" providerId="LiveId" clId="{8FB23971-995C-411C-BF0C-31D8DC7035B4}" dt="2023-03-06T22:02:08.958" v="588" actId="478"/>
+          <ac:picMkLst>
+            <pc:docMk/>
+            <pc:sldMk cId="3434340789" sldId="263"/>
+            <ac:picMk id="7" creationId="{669939E7-B2F8-43C9-8CC6-859B23C97DAA}"/>
+          </ac:picMkLst>
+        </pc:picChg>
+        <pc:picChg chg="del mod">
+          <ac:chgData name="Brigi Fatura" userId="79059a80e88b36cb" providerId="LiveId" clId="{8FB23971-995C-411C-BF0C-31D8DC7035B4}" dt="2023-03-06T22:02:11.082" v="589" actId="478"/>
+          <ac:picMkLst>
+            <pc:docMk/>
+            <pc:sldMk cId="3434340789" sldId="263"/>
+            <ac:picMk id="9" creationId="{D45B14E2-12B6-47AF-B8F2-A5CB50A37CA0}"/>
+          </ac:picMkLst>
+        </pc:picChg>
+        <pc:picChg chg="del mod">
+          <ac:chgData name="Brigi Fatura" userId="79059a80e88b36cb" providerId="LiveId" clId="{8FB23971-995C-411C-BF0C-31D8DC7035B4}" dt="2023-03-06T22:02:13.209" v="591" actId="478"/>
+          <ac:picMkLst>
+            <pc:docMk/>
+            <pc:sldMk cId="3434340789" sldId="263"/>
+            <ac:picMk id="11" creationId="{CFBC4B3D-AD5F-46B9-8B77-1AB7E23BB27F}"/>
+          </ac:picMkLst>
+        </pc:picChg>
+        <pc:picChg chg="del mod">
+          <ac:chgData name="Brigi Fatura" userId="79059a80e88b36cb" providerId="LiveId" clId="{8FB23971-995C-411C-BF0C-31D8DC7035B4}" dt="2023-03-06T22:02:15.136" v="592" actId="478"/>
+          <ac:picMkLst>
+            <pc:docMk/>
+            <pc:sldMk cId="3434340789" sldId="263"/>
+            <ac:picMk id="13" creationId="{06CF76F2-04C4-4212-B14D-640CC8D24FA2}"/>
+          </ac:picMkLst>
+        </pc:picChg>
+        <pc:picChg chg="mod">
+          <ac:chgData name="Brigi Fatura" userId="79059a80e88b36cb" providerId="LiveId" clId="{8FB23971-995C-411C-BF0C-31D8DC7035B4}" dt="2023-03-06T22:10:57.304" v="675" actId="1076"/>
+          <ac:picMkLst>
+            <pc:docMk/>
+            <pc:sldMk cId="3434340789" sldId="263"/>
+            <ac:picMk id="15" creationId="{3C08D3F5-73F7-48FD-B4AB-B5E0C5196238}"/>
+          </ac:picMkLst>
+        </pc:picChg>
+        <pc:picChg chg="mod">
+          <ac:chgData name="Brigi Fatura" userId="79059a80e88b36cb" providerId="LiveId" clId="{8FB23971-995C-411C-BF0C-31D8DC7035B4}" dt="2023-03-06T22:10:52.416" v="674" actId="1076"/>
+          <ac:picMkLst>
+            <pc:docMk/>
+            <pc:sldMk cId="3434340789" sldId="263"/>
+            <ac:picMk id="17" creationId="{4CB1CAD1-D228-41E2-92C9-878CD2B198CA}"/>
+          </ac:picMkLst>
+        </pc:picChg>
+        <pc:picChg chg="mod">
+          <ac:chgData name="Brigi Fatura" userId="79059a80e88b36cb" providerId="LiveId" clId="{8FB23971-995C-411C-BF0C-31D8DC7035B4}" dt="2023-03-06T22:10:40.784" v="672" actId="1076"/>
+          <ac:picMkLst>
+            <pc:docMk/>
+            <pc:sldMk cId="3434340789" sldId="263"/>
+            <ac:picMk id="19" creationId="{4DD25FA8-CB1D-40D2-ACA2-AECF75B46714}"/>
+          </ac:picMkLst>
+        </pc:picChg>
+      </pc:sldChg>
+      <pc:sldChg chg="addSp delSp modSp add mod">
+        <pc:chgData name="Brigi Fatura" userId="79059a80e88b36cb" providerId="LiveId" clId="{8FB23971-995C-411C-BF0C-31D8DC7035B4}" dt="2023-03-06T22:32:13.809" v="803" actId="123"/>
+        <pc:sldMkLst>
+          <pc:docMk/>
+          <pc:sldMk cId="4012994810" sldId="264"/>
+        </pc:sldMkLst>
+        <pc:spChg chg="mod">
+          <ac:chgData name="Brigi Fatura" userId="79059a80e88b36cb" providerId="LiveId" clId="{8FB23971-995C-411C-BF0C-31D8DC7035B4}" dt="2023-03-06T22:32:13.809" v="803" actId="123"/>
+          <ac:spMkLst>
+            <pc:docMk/>
+            <pc:sldMk cId="4012994810" sldId="264"/>
+            <ac:spMk id="3" creationId="{24A088BF-4719-4B94-A607-B102767053DE}"/>
+          </ac:spMkLst>
+        </pc:spChg>
+        <pc:picChg chg="add mod modCrop">
+          <ac:chgData name="Brigi Fatura" userId="79059a80e88b36cb" providerId="LiveId" clId="{8FB23971-995C-411C-BF0C-31D8DC7035B4}" dt="2023-03-06T22:29:41.925" v="773" actId="1076"/>
+          <ac:picMkLst>
+            <pc:docMk/>
+            <pc:sldMk cId="4012994810" sldId="264"/>
+            <ac:picMk id="4" creationId="{5775F073-89A1-92DB-AAEE-D6338E9399A0}"/>
+          </ac:picMkLst>
+        </pc:picChg>
+        <pc:picChg chg="del">
+          <ac:chgData name="Brigi Fatura" userId="79059a80e88b36cb" providerId="LiveId" clId="{8FB23971-995C-411C-BF0C-31D8DC7035B4}" dt="2023-03-06T22:14:24.586" v="690" actId="478"/>
+          <ac:picMkLst>
+            <pc:docMk/>
+            <pc:sldMk cId="4012994810" sldId="264"/>
+            <ac:picMk id="5" creationId="{82960264-8A58-41C3-994D-381F2873EEFE}"/>
+          </ac:picMkLst>
+        </pc:picChg>
+        <pc:picChg chg="del">
+          <ac:chgData name="Brigi Fatura" userId="79059a80e88b36cb" providerId="LiveId" clId="{8FB23971-995C-411C-BF0C-31D8DC7035B4}" dt="2023-03-06T22:14:22.875" v="689" actId="478"/>
+          <ac:picMkLst>
+            <pc:docMk/>
+            <pc:sldMk cId="4012994810" sldId="264"/>
+            <ac:picMk id="6" creationId="{6564C7BC-54F6-F6C3-F3EB-ADD9A1090612}"/>
+          </ac:picMkLst>
+        </pc:picChg>
+        <pc:picChg chg="add mod modCrop">
+          <ac:chgData name="Brigi Fatura" userId="79059a80e88b36cb" providerId="LiveId" clId="{8FB23971-995C-411C-BF0C-31D8DC7035B4}" dt="2023-03-06T22:29:36.463" v="772" actId="1076"/>
+          <ac:picMkLst>
+            <pc:docMk/>
+            <pc:sldMk cId="4012994810" sldId="264"/>
+            <ac:picMk id="9" creationId="{5BC6401F-1FD0-7C3A-5FF0-692866587450}"/>
+          </ac:picMkLst>
+        </pc:picChg>
+        <pc:picChg chg="del">
+          <ac:chgData name="Brigi Fatura" userId="79059a80e88b36cb" providerId="LiveId" clId="{8FB23971-995C-411C-BF0C-31D8DC7035B4}" dt="2023-03-06T22:14:29.527" v="693" actId="478"/>
+          <ac:picMkLst>
+            <pc:docMk/>
+            <pc:sldMk cId="4012994810" sldId="264"/>
+            <ac:picMk id="15" creationId="{3C08D3F5-73F7-48FD-B4AB-B5E0C5196238}"/>
+          </ac:picMkLst>
+        </pc:picChg>
+        <pc:picChg chg="del">
+          <ac:chgData name="Brigi Fatura" userId="79059a80e88b36cb" providerId="LiveId" clId="{8FB23971-995C-411C-BF0C-31D8DC7035B4}" dt="2023-03-06T22:14:26.246" v="691" actId="478"/>
+          <ac:picMkLst>
+            <pc:docMk/>
+            <pc:sldMk cId="4012994810" sldId="264"/>
+            <ac:picMk id="17" creationId="{4CB1CAD1-D228-41E2-92C9-878CD2B198CA}"/>
+          </ac:picMkLst>
+        </pc:picChg>
+        <pc:picChg chg="del">
+          <ac:chgData name="Brigi Fatura" userId="79059a80e88b36cb" providerId="LiveId" clId="{8FB23971-995C-411C-BF0C-31D8DC7035B4}" dt="2023-03-06T22:14:27.708" v="692" actId="478"/>
+          <ac:picMkLst>
+            <pc:docMk/>
+            <pc:sldMk cId="4012994810" sldId="264"/>
+            <ac:picMk id="19" creationId="{4DD25FA8-CB1D-40D2-ACA2-AECF75B46714}"/>
+          </ac:picMkLst>
+        </pc:picChg>
+      </pc:sldChg>
+      <pc:sldChg chg="addSp delSp modSp add mod">
+        <pc:chgData name="Brigi Fatura" userId="79059a80e88b36cb" providerId="LiveId" clId="{8FB23971-995C-411C-BF0C-31D8DC7035B4}" dt="2023-03-06T22:36:48.820" v="845" actId="1440"/>
+        <pc:sldMkLst>
+          <pc:docMk/>
+          <pc:sldMk cId="175223239" sldId="265"/>
+        </pc:sldMkLst>
+        <pc:spChg chg="mod">
+          <ac:chgData name="Brigi Fatura" userId="79059a80e88b36cb" providerId="LiveId" clId="{8FB23971-995C-411C-BF0C-31D8DC7035B4}" dt="2023-03-06T22:36:11.318" v="838" actId="14100"/>
+          <ac:spMkLst>
+            <pc:docMk/>
+            <pc:sldMk cId="175223239" sldId="265"/>
+            <ac:spMk id="3" creationId="{24A088BF-4719-4B94-A607-B102767053DE}"/>
+          </ac:spMkLst>
+        </pc:spChg>
+        <pc:picChg chg="del">
+          <ac:chgData name="Brigi Fatura" userId="79059a80e88b36cb" providerId="LiveId" clId="{8FB23971-995C-411C-BF0C-31D8DC7035B4}" dt="2023-03-06T22:31:56.856" v="802" actId="478"/>
+          <ac:picMkLst>
+            <pc:docMk/>
+            <pc:sldMk cId="175223239" sldId="265"/>
+            <ac:picMk id="4" creationId="{5775F073-89A1-92DB-AAEE-D6338E9399A0}"/>
+          </ac:picMkLst>
+        </pc:picChg>
+        <pc:picChg chg="add mod ord modCrop">
+          <ac:chgData name="Brigi Fatura" userId="79059a80e88b36cb" providerId="LiveId" clId="{8FB23971-995C-411C-BF0C-31D8DC7035B4}" dt="2023-03-06T22:36:48.820" v="845" actId="1440"/>
+          <ac:picMkLst>
+            <pc:docMk/>
+            <pc:sldMk cId="175223239" sldId="265"/>
+            <ac:picMk id="5" creationId="{B36B2257-79BF-8CDF-D723-FDCA6C19B3C7}"/>
+          </ac:picMkLst>
+        </pc:picChg>
+        <pc:picChg chg="add mod modCrop">
+          <ac:chgData name="Brigi Fatura" userId="79059a80e88b36cb" providerId="LiveId" clId="{8FB23971-995C-411C-BF0C-31D8DC7035B4}" dt="2023-03-06T22:35:46.809" v="831" actId="1076"/>
+          <ac:picMkLst>
+            <pc:docMk/>
+            <pc:sldMk cId="175223239" sldId="265"/>
+            <ac:picMk id="7" creationId="{1F99C573-7BC8-B376-46F8-872923DCA5DD}"/>
+          </ac:picMkLst>
+        </pc:picChg>
+        <pc:picChg chg="del">
+          <ac:chgData name="Brigi Fatura" userId="79059a80e88b36cb" providerId="LiveId" clId="{8FB23971-995C-411C-BF0C-31D8DC7035B4}" dt="2023-03-06T22:31:55.277" v="801" actId="478"/>
+          <ac:picMkLst>
+            <pc:docMk/>
+            <pc:sldMk cId="175223239" sldId="265"/>
+            <ac:picMk id="9" creationId="{5BC6401F-1FD0-7C3A-5FF0-692866587450}"/>
+          </ac:picMkLst>
+        </pc:picChg>
+      </pc:sldChg>
+      <pc:sldChg chg="addSp delSp modSp new mod">
+        <pc:chgData name="Brigi Fatura" userId="79059a80e88b36cb" providerId="LiveId" clId="{8FB23971-995C-411C-BF0C-31D8DC7035B4}" dt="2023-03-06T23:09:59.832" v="1140" actId="1076"/>
+        <pc:sldMkLst>
+          <pc:docMk/>
+          <pc:sldMk cId="2436429964" sldId="266"/>
+        </pc:sldMkLst>
+        <pc:spChg chg="mod">
+          <ac:chgData name="Brigi Fatura" userId="79059a80e88b36cb" providerId="LiveId" clId="{8FB23971-995C-411C-BF0C-31D8DC7035B4}" dt="2023-03-06T23:00:36.490" v="997" actId="27636"/>
+          <ac:spMkLst>
+            <pc:docMk/>
+            <pc:sldMk cId="2436429964" sldId="266"/>
+            <ac:spMk id="2" creationId="{442B1847-E8B8-B3D0-4E60-3836201DBFD5}"/>
+          </ac:spMkLst>
+        </pc:spChg>
+        <pc:spChg chg="del">
+          <ac:chgData name="Brigi Fatura" userId="79059a80e88b36cb" providerId="LiveId" clId="{8FB23971-995C-411C-BF0C-31D8DC7035B4}" dt="2023-03-06T22:54:36.845" v="958" actId="931"/>
+          <ac:spMkLst>
+            <pc:docMk/>
+            <pc:sldMk cId="2436429964" sldId="266"/>
+            <ac:spMk id="3" creationId="{929E994F-EB3B-9C17-5598-A95D0C688589}"/>
+          </ac:spMkLst>
+        </pc:spChg>
+        <pc:spChg chg="del">
+          <ac:chgData name="Brigi Fatura" userId="79059a80e88b36cb" providerId="LiveId" clId="{8FB23971-995C-411C-BF0C-31D8DC7035B4}" dt="2023-03-06T22:51:44.840" v="953" actId="478"/>
+          <ac:spMkLst>
+            <pc:docMk/>
+            <pc:sldMk cId="2436429964" sldId="266"/>
+            <ac:spMk id="4" creationId="{A169266E-D33E-C260-373E-AA7390BD39E1}"/>
+          </ac:spMkLst>
+        </pc:spChg>
+        <pc:spChg chg="add mod ord">
+          <ac:chgData name="Brigi Fatura" userId="79059a80e88b36cb" providerId="LiveId" clId="{8FB23971-995C-411C-BF0C-31D8DC7035B4}" dt="2023-03-06T23:09:59.832" v="1140" actId="1076"/>
+          <ac:spMkLst>
+            <pc:docMk/>
+            <pc:sldMk cId="2436429964" sldId="266"/>
+            <ac:spMk id="11" creationId="{8E1E1DD8-02D7-84D5-47DC-57F3ECAD8649}"/>
+          </ac:spMkLst>
+        </pc:spChg>
+        <pc:picChg chg="add mod ord">
+          <ac:chgData name="Brigi Fatura" userId="79059a80e88b36cb" providerId="LiveId" clId="{8FB23971-995C-411C-BF0C-31D8DC7035B4}" dt="2023-03-06T22:58:06.747" v="990" actId="1076"/>
+          <ac:picMkLst>
+            <pc:docMk/>
+            <pc:sldMk cId="2436429964" sldId="266"/>
+            <ac:picMk id="6" creationId="{42DE1418-2998-F967-6E44-34231BB0D264}"/>
+          </ac:picMkLst>
+        </pc:picChg>
+        <pc:picChg chg="add mod modCrop">
+          <ac:chgData name="Brigi Fatura" userId="79059a80e88b36cb" providerId="LiveId" clId="{8FB23971-995C-411C-BF0C-31D8DC7035B4}" dt="2023-03-06T22:58:16.113" v="992" actId="1076"/>
+          <ac:picMkLst>
+            <pc:docMk/>
+            <pc:sldMk cId="2436429964" sldId="266"/>
+            <ac:picMk id="8" creationId="{238D840F-643A-3980-BE85-A666E65DDA87}"/>
+          </ac:picMkLst>
+        </pc:picChg>
+        <pc:picChg chg="add mod modCrop">
+          <ac:chgData name="Brigi Fatura" userId="79059a80e88b36cb" providerId="LiveId" clId="{8FB23971-995C-411C-BF0C-31D8DC7035B4}" dt="2023-03-06T22:58:31.627" v="993" actId="1076"/>
+          <ac:picMkLst>
+            <pc:docMk/>
+            <pc:sldMk cId="2436429964" sldId="266"/>
+            <ac:picMk id="10" creationId="{54E39F80-948B-9E6E-03F2-1FF5CABE46E1}"/>
+          </ac:picMkLst>
+        </pc:picChg>
+        <pc:picChg chg="add mod ord">
+          <ac:chgData name="Brigi Fatura" userId="79059a80e88b36cb" providerId="LiveId" clId="{8FB23971-995C-411C-BF0C-31D8DC7035B4}" dt="2023-03-06T23:09:31.946" v="1136" actId="1076"/>
+          <ac:picMkLst>
+            <pc:docMk/>
+            <pc:sldMk cId="2436429964" sldId="266"/>
+            <ac:picMk id="13" creationId="{7306D2DA-BD57-9D4F-D12C-1D43EDA7A9A9}"/>
+          </ac:picMkLst>
+        </pc:picChg>
+        <pc:picChg chg="add mod">
+          <ac:chgData name="Brigi Fatura" userId="79059a80e88b36cb" providerId="LiveId" clId="{8FB23971-995C-411C-BF0C-31D8DC7035B4}" dt="2023-03-06T23:09:49.231" v="1139" actId="1076"/>
+          <ac:picMkLst>
+            <pc:docMk/>
+            <pc:sldMk cId="2436429964" sldId="266"/>
+            <ac:picMk id="15" creationId="{E628389E-9B24-5A93-A0D6-A68A2B7A8882}"/>
+          </ac:picMkLst>
+        </pc:picChg>
+      </pc:sldChg>
+      <pc:sldChg chg="delSp modSp new mod">
+        <pc:chgData name="Brigi Fatura" userId="79059a80e88b36cb" providerId="LiveId" clId="{8FB23971-995C-411C-BF0C-31D8DC7035B4}" dt="2023-03-06T23:10:32.828" v="1168" actId="478"/>
+        <pc:sldMkLst>
+          <pc:docMk/>
+          <pc:sldMk cId="2863060298" sldId="267"/>
+        </pc:sldMkLst>
+        <pc:spChg chg="mod">
+          <ac:chgData name="Brigi Fatura" userId="79059a80e88b36cb" providerId="LiveId" clId="{8FB23971-995C-411C-BF0C-31D8DC7035B4}" dt="2023-03-06T23:10:27.019" v="1167" actId="20577"/>
+          <ac:spMkLst>
+            <pc:docMk/>
+            <pc:sldMk cId="2863060298" sldId="267"/>
+            <ac:spMk id="2" creationId="{5EDB083F-EACA-D3F5-6A49-E3D0186F259E}"/>
+          </ac:spMkLst>
+        </pc:spChg>
+        <pc:spChg chg="del">
+          <ac:chgData name="Brigi Fatura" userId="79059a80e88b36cb" providerId="LiveId" clId="{8FB23971-995C-411C-BF0C-31D8DC7035B4}" dt="2023-03-06T23:10:32.828" v="1168" actId="478"/>
+          <ac:spMkLst>
+            <pc:docMk/>
+            <pc:sldMk cId="2863060298" sldId="267"/>
+            <ac:spMk id="3" creationId="{7FC565CB-A4B6-AD8E-2F7E-D95EF35E3521}"/>
+          </ac:spMkLst>
+        </pc:spChg>
+      </pc:sldChg>
+    </pc:docChg>
+  </pc:docChgLst>
+</pc:chgInfo>
+</file>
+
 <file path=ppt/slideLayouts/slideLayout1.xml><?xml version="1.0" encoding="utf-8"?>
 <p:sldLayout xmlns:a="http://schemas.openxmlformats.org/drawingml/2006/main" xmlns:r="http://schemas.openxmlformats.org/officeDocument/2006/relationships" xmlns:p="http://schemas.openxmlformats.org/presentationml/2006/main" type="title" preserve="1">
   <p:cSld name="Címdia">
@@ -280,7 +920,7 @@
           <a:p>
             <a:fld id="{6CFDB304-8B0D-4EA5-A528-39060036E7C1}" type="datetimeFigureOut">
               <a:rPr lang="hu-HU" smtClean="0"/>
-              <a:t>2023.03.01</a:t>
+              <a:t>2023. 03. 06.</a:t>
             </a:fld>
             <a:endParaRPr lang="hu-HU"/>
           </a:p>
@@ -450,7 +1090,7 @@
           <a:p>
             <a:fld id="{6CFDB304-8B0D-4EA5-A528-39060036E7C1}" type="datetimeFigureOut">
               <a:rPr lang="hu-HU" smtClean="0"/>
-              <a:t>2023.03.01</a:t>
+              <a:t>2023. 03. 06.</a:t>
             </a:fld>
             <a:endParaRPr lang="hu-HU"/>
           </a:p>
@@ -630,7 +1270,7 @@
           <a:p>
             <a:fld id="{6CFDB304-8B0D-4EA5-A528-39060036E7C1}" type="datetimeFigureOut">
               <a:rPr lang="hu-HU" smtClean="0"/>
-              <a:t>2023.03.01</a:t>
+              <a:t>2023. 03. 06.</a:t>
             </a:fld>
             <a:endParaRPr lang="hu-HU"/>
           </a:p>
@@ -800,7 +1440,7 @@
           <a:p>
             <a:fld id="{6CFDB304-8B0D-4EA5-A528-39060036E7C1}" type="datetimeFigureOut">
               <a:rPr lang="hu-HU" smtClean="0"/>
-              <a:t>2023.03.01</a:t>
+              <a:t>2023. 03. 06.</a:t>
             </a:fld>
             <a:endParaRPr lang="hu-HU"/>
           </a:p>
@@ -1068,7 +1708,7 @@
           <a:p>
             <a:fld id="{6CFDB304-8B0D-4EA5-A528-39060036E7C1}" type="datetimeFigureOut">
               <a:rPr lang="hu-HU" smtClean="0"/>
-              <a:t>2023.03.01</a:t>
+              <a:t>2023. 03. 06.</a:t>
             </a:fld>
             <a:endParaRPr lang="hu-HU"/>
           </a:p>
@@ -1300,7 +1940,7 @@
           <a:p>
             <a:fld id="{6CFDB304-8B0D-4EA5-A528-39060036E7C1}" type="datetimeFigureOut">
               <a:rPr lang="hu-HU" smtClean="0"/>
-              <a:t>2023.03.01</a:t>
+              <a:t>2023. 03. 06.</a:t>
             </a:fld>
             <a:endParaRPr lang="hu-HU"/>
           </a:p>
@@ -1659,7 +2299,7 @@
           <a:p>
             <a:fld id="{6CFDB304-8B0D-4EA5-A528-39060036E7C1}" type="datetimeFigureOut">
               <a:rPr lang="hu-HU" smtClean="0"/>
-              <a:t>2023.03.01</a:t>
+              <a:t>2023. 03. 06.</a:t>
             </a:fld>
             <a:endParaRPr lang="hu-HU"/>
           </a:p>
@@ -1800,7 +2440,7 @@
           <a:p>
             <a:fld id="{6CFDB304-8B0D-4EA5-A528-39060036E7C1}" type="datetimeFigureOut">
               <a:rPr lang="hu-HU" smtClean="0"/>
-              <a:t>2023.03.01</a:t>
+              <a:t>2023. 03. 06.</a:t>
             </a:fld>
             <a:endParaRPr lang="hu-HU"/>
           </a:p>
@@ -1895,7 +2535,7 @@
           <a:p>
             <a:fld id="{6CFDB304-8B0D-4EA5-A528-39060036E7C1}" type="datetimeFigureOut">
               <a:rPr lang="hu-HU" smtClean="0"/>
-              <a:t>2023.03.01</a:t>
+              <a:t>2023. 03. 06.</a:t>
             </a:fld>
             <a:endParaRPr lang="hu-HU"/>
           </a:p>
@@ -2252,7 +2892,7 @@
           <a:p>
             <a:fld id="{6CFDB304-8B0D-4EA5-A528-39060036E7C1}" type="datetimeFigureOut">
               <a:rPr lang="hu-HU" smtClean="0"/>
-              <a:t>2023.03.01</a:t>
+              <a:t>2023. 03. 06.</a:t>
             </a:fld>
             <a:endParaRPr lang="hu-HU"/>
           </a:p>
@@ -2609,7 +3249,7 @@
           <a:p>
             <a:fld id="{6CFDB304-8B0D-4EA5-A528-39060036E7C1}" type="datetimeFigureOut">
               <a:rPr lang="hu-HU" smtClean="0"/>
-              <a:t>2023.03.01</a:t>
+              <a:t>2023. 03. 06.</a:t>
             </a:fld>
             <a:endParaRPr lang="hu-HU"/>
           </a:p>
@@ -2850,7 +3490,7 @@
           <a:p>
             <a:fld id="{6CFDB304-8B0D-4EA5-A528-39060036E7C1}" type="datetimeFigureOut">
               <a:rPr lang="hu-HU" smtClean="0"/>
-              <a:t>2023.03.01</a:t>
+              <a:t>2023. 03. 06.</a:t>
             </a:fld>
             <a:endParaRPr lang="hu-HU"/>
           </a:p>
@@ -3320,84 +3960,130 @@
         </p:nvSpPr>
         <p:spPr/>
         <p:txBody>
-          <a:bodyPr/>
-          <a:lstStyle/>
-          <a:p>
-            <a:r>
-              <a:rPr lang="hu-HU" dirty="0"/>
-              <a:t>2023 Projectmunka</a:t>
-            </a:r>
-            <a:br>
-              <a:rPr lang="hu-HU" dirty="0"/>
-            </a:br>
-            <a:r>
-              <a:rPr lang="hu-HU" sz="1600" dirty="0"/>
-              <a:t>f-csapat</a:t>
-            </a:r>
-          </a:p>
-        </p:txBody>
-      </p:sp>
-      <p:sp>
-        <p:nvSpPr>
-          <p:cNvPr id="3" name="Alcím 2">
-            <a:extLst>
-              <a:ext uri="{FF2B5EF4-FFF2-40B4-BE49-F238E27FC236}">
-                <a16:creationId xmlns:a16="http://schemas.microsoft.com/office/drawing/2014/main" id="{31B46745-F6FE-4A44-B7B5-0377BA2C302A}"/>
-              </a:ext>
-            </a:extLst>
-          </p:cNvPr>
-          <p:cNvSpPr>
-            <a:spLocks noGrp="1"/>
-          </p:cNvSpPr>
-          <p:nvPr>
-            <p:ph type="subTitle" idx="1"/>
-          </p:nvPr>
-        </p:nvSpPr>
-        <p:spPr>
-          <a:xfrm>
-            <a:off x="0" y="5618106"/>
-            <a:ext cx="6801612" cy="1239894"/>
-          </a:xfrm>
-        </p:spPr>
-        <p:txBody>
           <a:bodyPr>
             <a:normAutofit/>
           </a:bodyPr>
           <a:lstStyle/>
           <a:p>
-            <a:pPr marL="342900" indent="-342900" algn="l">
-              <a:buFont typeface="Arial" panose="020B0604020202020204" pitchFamily="34" charset="0"/>
-              <a:buChar char="•"/>
+            <a:pPr>
+              <a:lnSpc>
+                <a:spcPct val="100000"/>
+              </a:lnSpc>
+              <a:spcAft>
+                <a:spcPts val="1200"/>
+              </a:spcAft>
             </a:pPr>
             <a:r>
               <a:rPr lang="hu-HU" dirty="0"/>
-              <a:t>Csapattagok:</a:t>
+              <a:t>2023 Projektmunka</a:t>
             </a:r>
             <a:br>
               <a:rPr lang="hu-HU" dirty="0"/>
             </a:br>
             <a:r>
-              <a:rPr lang="hu-HU" dirty="0"/>
-              <a:t>	</a:t>
-            </a:r>
-            <a:r>
-              <a:rPr lang="hu-HU" dirty="0" err="1"/>
-              <a:t>Fatura</a:t>
-            </a:r>
-            <a:r>
-              <a:rPr lang="hu-HU" dirty="0"/>
-              <a:t> </a:t>
-            </a:r>
-            <a:r>
-              <a:rPr lang="hu-HU" dirty="0" err="1"/>
+              <a:rPr lang="hu-HU" sz="2000" dirty="0"/>
+              <a:t>f-csapat</a:t>
+            </a:r>
+            <a:br>
+              <a:rPr lang="hu-HU" sz="2000" dirty="0"/>
+            </a:br>
+            <a:r>
+              <a:rPr lang="hu-HU" sz="2000" dirty="0"/>
+              <a:t>(</a:t>
+            </a:r>
+            <a:r>
+              <a:rPr lang="hu-HU" sz="1600" cap="none" dirty="0"/>
+              <a:t>Fatura </a:t>
+            </a:r>
+            <a:r>
+              <a:rPr lang="hu-HU" sz="1600" cap="none" dirty="0" err="1"/>
               <a:t>Brigita</a:t>
             </a:r>
-            <a:br>
-              <a:rPr lang="hu-HU" dirty="0"/>
-            </a:br>
-            <a:r>
-              <a:rPr lang="hu-HU" dirty="0"/>
-              <a:t>	Borsodi Koppány</a:t>
+            <a:r>
+              <a:rPr lang="hu-HU" sz="1600" cap="none" dirty="0"/>
+              <a:t> – Borsodi Koppány</a:t>
+            </a:r>
+            <a:r>
+              <a:rPr lang="hu-HU" sz="2000" dirty="0"/>
+              <a:t>)</a:t>
+            </a:r>
+          </a:p>
+        </p:txBody>
+      </p:sp>
+      <p:sp>
+        <p:nvSpPr>
+          <p:cNvPr id="4" name="Szövegdoboz 3">
+            <a:extLst>
+              <a:ext uri="{FF2B5EF4-FFF2-40B4-BE49-F238E27FC236}">
+                <a16:creationId xmlns:a16="http://schemas.microsoft.com/office/drawing/2014/main" id="{30CD973F-F290-B036-C368-55B978A8DC51}"/>
+              </a:ext>
+            </a:extLst>
+          </p:cNvPr>
+          <p:cNvSpPr txBox="1"/>
+          <p:nvPr/>
+        </p:nvSpPr>
+        <p:spPr>
+          <a:xfrm flipH="1">
+            <a:off x="3291684" y="1178525"/>
+            <a:ext cx="5608632" cy="830997"/>
+          </a:xfrm>
+          <a:prstGeom prst="rect">
+            <a:avLst/>
+          </a:prstGeom>
+          <a:noFill/>
+        </p:spPr>
+        <p:txBody>
+          <a:bodyPr wrap="square" rtlCol="0">
+            <a:spAutoFit/>
+          </a:bodyPr>
+          <a:lstStyle/>
+          <a:p>
+            <a:r>
+              <a:rPr lang="hu-HU" sz="4800" dirty="0"/>
+              <a:t>Emelt Szintű Érettségi </a:t>
+            </a:r>
+          </a:p>
+        </p:txBody>
+      </p:sp>
+      <p:sp>
+        <p:nvSpPr>
+          <p:cNvPr id="5" name="Szövegdoboz 4">
+            <a:extLst>
+              <a:ext uri="{FF2B5EF4-FFF2-40B4-BE49-F238E27FC236}">
+                <a16:creationId xmlns:a16="http://schemas.microsoft.com/office/drawing/2014/main" id="{CF998266-6216-47E2-050E-B788BC7D241D}"/>
+              </a:ext>
+            </a:extLst>
+          </p:cNvPr>
+          <p:cNvSpPr txBox="1"/>
+          <p:nvPr/>
+        </p:nvSpPr>
+        <p:spPr>
+          <a:xfrm flipH="1">
+            <a:off x="3291684" y="4251407"/>
+            <a:ext cx="5608632" cy="1200329"/>
+          </a:xfrm>
+          <a:prstGeom prst="rect">
+            <a:avLst/>
+          </a:prstGeom>
+          <a:noFill/>
+        </p:spPr>
+        <p:txBody>
+          <a:bodyPr wrap="square" rtlCol="0">
+            <a:spAutoFit/>
+          </a:bodyPr>
+          <a:lstStyle/>
+          <a:p>
+            <a:pPr algn="ctr"/>
+            <a:r>
+              <a:rPr lang="hu-HU" sz="3600" dirty="0"/>
+              <a:t>Informatika – 2022. október</a:t>
+            </a:r>
+          </a:p>
+          <a:p>
+            <a:pPr algn="ctr"/>
+            <a:r>
+              <a:rPr lang="hu-HU" sz="3600" dirty="0"/>
+              <a:t>Jeladó </a:t>
             </a:r>
           </a:p>
         </p:txBody>
@@ -3406,6 +4092,64 @@
     <p:extLst>
       <p:ext uri="{BB962C8B-B14F-4D97-AF65-F5344CB8AC3E}">
         <p14:creationId xmlns:p14="http://schemas.microsoft.com/office/powerpoint/2010/main" val="2334680996"/>
+      </p:ext>
+    </p:extLst>
+  </p:cSld>
+  <p:clrMapOvr>
+    <a:masterClrMapping/>
+  </p:clrMapOvr>
+</p:sld>
+</file>
+
+<file path=ppt/slides/slide10.xml><?xml version="1.0" encoding="utf-8"?>
+<p:sld xmlns:a="http://schemas.openxmlformats.org/drawingml/2006/main" xmlns:r="http://schemas.openxmlformats.org/officeDocument/2006/relationships" xmlns:p="http://schemas.openxmlformats.org/presentationml/2006/main">
+  <p:cSld>
+    <p:spTree>
+      <p:nvGrpSpPr>
+        <p:cNvPr id="1" name=""/>
+        <p:cNvGrpSpPr/>
+        <p:nvPr/>
+      </p:nvGrpSpPr>
+      <p:grpSpPr>
+        <a:xfrm>
+          <a:off x="0" y="0"/>
+          <a:ext cx="0" cy="0"/>
+          <a:chOff x="0" y="0"/>
+          <a:chExt cx="0" cy="0"/>
+        </a:xfrm>
+      </p:grpSpPr>
+      <p:sp>
+        <p:nvSpPr>
+          <p:cNvPr id="2" name="Cím 1">
+            <a:extLst>
+              <a:ext uri="{FF2B5EF4-FFF2-40B4-BE49-F238E27FC236}">
+                <a16:creationId xmlns:a16="http://schemas.microsoft.com/office/drawing/2014/main" id="{5EDB083F-EACA-D3F5-6A49-E3D0186F259E}"/>
+              </a:ext>
+            </a:extLst>
+          </p:cNvPr>
+          <p:cNvSpPr>
+            <a:spLocks noGrp="1"/>
+          </p:cNvSpPr>
+          <p:nvPr>
+            <p:ph type="ctrTitle"/>
+          </p:nvPr>
+        </p:nvSpPr>
+        <p:spPr/>
+        <p:txBody>
+          <a:bodyPr/>
+          <a:lstStyle/>
+          <a:p>
+            <a:r>
+              <a:rPr lang="hu-HU" dirty="0"/>
+              <a:t>Köszönjük a figyelmet!</a:t>
+            </a:r>
+          </a:p>
+        </p:txBody>
+      </p:sp>
+    </p:spTree>
+    <p:extLst>
+      <p:ext uri="{BB962C8B-B14F-4D97-AF65-F5344CB8AC3E}">
+        <p14:creationId xmlns:p14="http://schemas.microsoft.com/office/powerpoint/2010/main" val="2863060298"/>
       </p:ext>
     </p:extLst>
   </p:cSld>
@@ -3434,10 +4178,10 @@
       </p:grpSpPr>
       <p:sp>
         <p:nvSpPr>
-          <p:cNvPr id="4" name="Cím 3">
+          <p:cNvPr id="2" name="Cím 1">
             <a:extLst>
               <a:ext uri="{FF2B5EF4-FFF2-40B4-BE49-F238E27FC236}">
-                <a16:creationId xmlns:a16="http://schemas.microsoft.com/office/drawing/2014/main" id="{8FC4BBF0-8B9A-450E-9713-361AA343CBE6}"/>
+                <a16:creationId xmlns:a16="http://schemas.microsoft.com/office/drawing/2014/main" id="{6AB5FD2A-6EF0-45CD-973D-B38D5A6E23CF}"/>
               </a:ext>
             </a:extLst>
           </p:cNvPr>
@@ -3448,24 +4192,88 @@
             <p:ph type="title"/>
           </p:nvPr>
         </p:nvSpPr>
-        <p:spPr/>
+        <p:spPr>
+          <a:xfrm>
+            <a:off x="804672" y="1114046"/>
+            <a:ext cx="4486656" cy="1141497"/>
+          </a:xfrm>
+        </p:spPr>
         <p:txBody>
           <a:bodyPr/>
           <a:lstStyle/>
           <a:p>
             <a:r>
               <a:rPr lang="hu-HU" dirty="0"/>
-              <a:t>A Feladat:</a:t>
+              <a:t>Csoportmunka menete</a:t>
+            </a:r>
+          </a:p>
+        </p:txBody>
+      </p:sp>
+      <p:sp>
+        <p:nvSpPr>
+          <p:cNvPr id="4" name="Szöveg helye 3">
+            <a:extLst>
+              <a:ext uri="{FF2B5EF4-FFF2-40B4-BE49-F238E27FC236}">
+                <a16:creationId xmlns:a16="http://schemas.microsoft.com/office/drawing/2014/main" id="{3CEDE4B8-B35E-4CDD-9E8E-75BA5A23F271}"/>
+              </a:ext>
+            </a:extLst>
+          </p:cNvPr>
+          <p:cNvSpPr>
+            <a:spLocks noGrp="1"/>
+          </p:cNvSpPr>
+          <p:nvPr>
+            <p:ph type="body" sz="half" idx="2"/>
+          </p:nvPr>
+        </p:nvSpPr>
+        <p:spPr>
+          <a:xfrm>
+            <a:off x="804672" y="2631234"/>
+            <a:ext cx="4486656" cy="3543012"/>
+          </a:xfrm>
+        </p:spPr>
+        <p:txBody>
+          <a:bodyPr anchor="ctr">
+            <a:normAutofit/>
+          </a:bodyPr>
+          <a:lstStyle/>
+          <a:p>
+            <a:r>
+              <a:rPr lang="hu-HU" sz="2800" dirty="0"/>
+              <a:t>A feladatok kiosztása megegyezés alapján történt</a:t>
+            </a:r>
+          </a:p>
+          <a:p>
+            <a:r>
+              <a:rPr lang="hu-HU" sz="2800" dirty="0"/>
+              <a:t>Felváltott megoldás</a:t>
+            </a:r>
+          </a:p>
+          <a:p>
+            <a:r>
+              <a:rPr lang="hu-HU" sz="2800" dirty="0"/>
+              <a:t>Gördülékeny munka</a:t>
+            </a:r>
+          </a:p>
+          <a:p>
+            <a:r>
+              <a:rPr lang="hu-HU" sz="2800" dirty="0"/>
+              <a:t>Jó csapat összehang</a:t>
+            </a:r>
+          </a:p>
+          <a:p>
+            <a:r>
+              <a:rPr lang="hu-HU" sz="2800" dirty="0"/>
+              <a:t>Folyamatos segítőkészség</a:t>
             </a:r>
           </a:p>
         </p:txBody>
       </p:sp>
       <p:pic>
         <p:nvPicPr>
-          <p:cNvPr id="6" name="Tartalom helye 5">
+          <p:cNvPr id="12" name="Tartalom helye 11">
             <a:extLst>
               <a:ext uri="{FF2B5EF4-FFF2-40B4-BE49-F238E27FC236}">
-                <a16:creationId xmlns:a16="http://schemas.microsoft.com/office/drawing/2014/main" id="{E628A94E-C060-4487-A148-FD7B556F411A}"/>
+                <a16:creationId xmlns:a16="http://schemas.microsoft.com/office/drawing/2014/main" id="{1D64D2FF-31D1-9D67-E583-A03EBF8BB2D9}"/>
               </a:ext>
             </a:extLst>
           </p:cNvPr>
@@ -3490,63 +4298,80 @@
         </p:blipFill>
         <p:spPr>
           <a:xfrm>
-            <a:off x="6709130" y="1093486"/>
-            <a:ext cx="4816475" cy="4583678"/>
+            <a:off x="6826029" y="3366645"/>
+            <a:ext cx="4561299" cy="3040866"/>
           </a:xfrm>
+          <a:prstGeom prst="roundRect">
+            <a:avLst>
+              <a:gd name="adj" fmla="val 8594"/>
+            </a:avLst>
+          </a:prstGeom>
+          <a:solidFill>
+            <a:srgbClr val="FFFFFF">
+              <a:shade val="85000"/>
+            </a:srgbClr>
+          </a:solidFill>
+          <a:ln>
+            <a:noFill/>
+          </a:ln>
+          <a:effectLst>
+            <a:reflection blurRad="12700" stA="38000" endPos="28000" dist="5000" dir="5400000" sy="-100000" algn="bl" rotWithShape="0"/>
+          </a:effectLst>
         </p:spPr>
       </p:pic>
-      <p:sp>
-        <p:nvSpPr>
-          <p:cNvPr id="2" name="Szöveg helye 1">
+      <p:pic>
+        <p:nvPicPr>
+          <p:cNvPr id="14" name="Kép 13">
             <a:extLst>
               <a:ext uri="{FF2B5EF4-FFF2-40B4-BE49-F238E27FC236}">
-                <a16:creationId xmlns:a16="http://schemas.microsoft.com/office/drawing/2014/main" id="{31433A68-BB94-4FA7-B650-5F7F3A23BDDB}"/>
+                <a16:creationId xmlns:a16="http://schemas.microsoft.com/office/drawing/2014/main" id="{8C8D829D-9111-24DD-D9F9-C56DA1C475D6}"/>
               </a:ext>
             </a:extLst>
           </p:cNvPr>
-          <p:cNvSpPr>
-            <a:spLocks noGrp="1"/>
-          </p:cNvSpPr>
-          <p:nvPr>
-            <p:ph type="body" sz="half" idx="2"/>
-          </p:nvPr>
-        </p:nvSpPr>
-        <p:spPr/>
-        <p:txBody>
-          <a:bodyPr>
-            <a:normAutofit fontScale="92500" lnSpcReduction="20000"/>
-          </a:bodyPr>
-          <a:lstStyle/>
-          <a:p>
-            <a:r>
-              <a:rPr lang="hu-HU" dirty="0"/>
-              <a:t>Az állatok mozgását ma már rutin </a:t>
-            </a:r>
-            <a:r>
-              <a:rPr lang="hu-HU" dirty="0" err="1"/>
-              <a:t>szerűen</a:t>
-            </a:r>
-            <a:r>
-              <a:rPr lang="hu-HU" dirty="0"/>
-              <a:t> figyelik a rájuk rögzített jeladók segítségével. Ebben a feladatban egy ilyen jeladó által továbbított adatokat kell feldolgoznia.  Az itt használt jeladó úgy működik, hogy helyének x és y koordinátáját továbbítja. Jelet küld,  ha a legutolsó küldés óta bármely koordináta változása elérte a 10 egységet. Ha nem történt ekkora elmozdulás, 5 perc elteltével akkor is mindenképpen jelenti helyét.  A vevőegység egy </a:t>
-            </a:r>
-            <a:br>
-              <a:rPr lang="hu-HU" dirty="0"/>
-            </a:br>
-            <a:r>
-              <a:rPr lang="hu-HU" dirty="0"/>
-              <a:t>fájlban rögzíti a jel érkezési idejét és a pozíciót. </a:t>
-            </a:r>
-          </a:p>
-          <a:p>
-            <a:endParaRPr lang="hu-HU" dirty="0"/>
-          </a:p>
-        </p:txBody>
-      </p:sp>
+          <p:cNvPicPr>
+            <a:picLocks noChangeAspect="1"/>
+          </p:cNvPicPr>
+          <p:nvPr/>
+        </p:nvPicPr>
+        <p:blipFill>
+          <a:blip r:embed="rId3">
+            <a:extLst>
+              <a:ext uri="{28A0092B-C50C-407E-A947-70E740481C1C}">
+                <a14:useLocalDpi xmlns:a14="http://schemas.microsoft.com/office/drawing/2010/main" val="0"/>
+              </a:ext>
+            </a:extLst>
+          </a:blip>
+          <a:stretch>
+            <a:fillRect/>
+          </a:stretch>
+        </p:blipFill>
+        <p:spPr>
+          <a:xfrm>
+            <a:off x="6826029" y="450489"/>
+            <a:ext cx="4561299" cy="2470703"/>
+          </a:xfrm>
+          <a:prstGeom prst="roundRect">
+            <a:avLst>
+              <a:gd name="adj" fmla="val 8594"/>
+            </a:avLst>
+          </a:prstGeom>
+          <a:solidFill>
+            <a:srgbClr val="FFFFFF">
+              <a:shade val="85000"/>
+            </a:srgbClr>
+          </a:solidFill>
+          <a:ln>
+            <a:noFill/>
+          </a:ln>
+          <a:effectLst>
+            <a:reflection blurRad="12700" stA="38000" endPos="28000" dist="5000" dir="5400000" sy="-100000" algn="bl" rotWithShape="0"/>
+          </a:effectLst>
+        </p:spPr>
+      </p:pic>
     </p:spTree>
     <p:extLst>
       <p:ext uri="{BB962C8B-B14F-4D97-AF65-F5344CB8AC3E}">
-        <p14:creationId xmlns:p14="http://schemas.microsoft.com/office/powerpoint/2010/main" val="1405116982"/>
+        <p14:creationId xmlns:p14="http://schemas.microsoft.com/office/powerpoint/2010/main" val="4208633134"/>
       </p:ext>
     </p:extLst>
   </p:cSld>
@@ -3575,10 +4400,10 @@
       </p:grpSpPr>
       <p:sp>
         <p:nvSpPr>
-          <p:cNvPr id="2" name="Cím 1">
+          <p:cNvPr id="4" name="Cím 3">
             <a:extLst>
               <a:ext uri="{FF2B5EF4-FFF2-40B4-BE49-F238E27FC236}">
-                <a16:creationId xmlns:a16="http://schemas.microsoft.com/office/drawing/2014/main" id="{6AB5FD2A-6EF0-45CD-973D-B38D5A6E23CF}"/>
+                <a16:creationId xmlns:a16="http://schemas.microsoft.com/office/drawing/2014/main" id="{8FC4BBF0-8B9A-450E-9713-361AA343CBE6}"/>
               </a:ext>
             </a:extLst>
           </p:cNvPr>
@@ -3589,54 +4414,70 @@
             <p:ph type="title"/>
           </p:nvPr>
         </p:nvSpPr>
-        <p:spPr/>
+        <p:spPr>
+          <a:xfrm>
+            <a:off x="769620" y="522737"/>
+            <a:ext cx="4486656" cy="1141497"/>
+          </a:xfrm>
+        </p:spPr>
         <p:txBody>
           <a:bodyPr/>
           <a:lstStyle/>
           <a:p>
             <a:r>
               <a:rPr lang="hu-HU" dirty="0"/>
-              <a:t>Csoportmunka menete</a:t>
-            </a:r>
-          </a:p>
-        </p:txBody>
-      </p:sp>
-      <p:sp>
-        <p:nvSpPr>
-          <p:cNvPr id="3" name="Tartalom helye 2">
+              <a:t>A Feladat</a:t>
+            </a:r>
+          </a:p>
+        </p:txBody>
+      </p:sp>
+      <p:cxnSp>
+        <p:nvCxnSpPr>
+          <p:cNvPr id="12" name="Egyenes összekötő nyíllal 11">
             <a:extLst>
               <a:ext uri="{FF2B5EF4-FFF2-40B4-BE49-F238E27FC236}">
-                <a16:creationId xmlns:a16="http://schemas.microsoft.com/office/drawing/2014/main" id="{5BA86E10-82A7-419B-B52C-F26AB756859A}"/>
+                <a16:creationId xmlns:a16="http://schemas.microsoft.com/office/drawing/2014/main" id="{B943DD50-7DF2-70AE-EE25-CE4799E59EDE}"/>
               </a:ext>
             </a:extLst>
           </p:cNvPr>
-          <p:cNvSpPr>
-            <a:spLocks noGrp="1"/>
-          </p:cNvSpPr>
-          <p:nvPr>
-            <p:ph idx="1"/>
-          </p:nvPr>
-        </p:nvSpPr>
+          <p:cNvCxnSpPr>
+            <a:cxnSpLocks/>
+          </p:cNvCxnSpPr>
+          <p:nvPr/>
+        </p:nvCxnSpPr>
         <p:spPr>
-          <a:xfrm>
-            <a:off x="6571488" y="925590"/>
-            <a:ext cx="4815840" cy="5248656"/>
+          <a:xfrm flipH="1">
+            <a:off x="4762501" y="3247053"/>
+            <a:ext cx="2785964" cy="532777"/>
           </a:xfrm>
+          <a:prstGeom prst="straightConnector1">
+            <a:avLst/>
+          </a:prstGeom>
+          <a:ln w="76200">
+            <a:tailEnd type="triangle"/>
+          </a:ln>
         </p:spPr>
-        <p:txBody>
-          <a:bodyPr/>
-          <a:lstStyle/>
-          <a:p>
-            <a:endParaRPr lang="hu-HU" dirty="0"/>
-          </a:p>
-        </p:txBody>
-      </p:sp>
-      <p:sp>
-        <p:nvSpPr>
-          <p:cNvPr id="4" name="Szöveg helye 3">
+        <p:style>
+          <a:lnRef idx="3">
+            <a:schemeClr val="accent3"/>
+          </a:lnRef>
+          <a:fillRef idx="0">
+            <a:schemeClr val="accent3"/>
+          </a:fillRef>
+          <a:effectRef idx="2">
+            <a:schemeClr val="accent3"/>
+          </a:effectRef>
+          <a:fontRef idx="minor">
+            <a:schemeClr val="tx1"/>
+          </a:fontRef>
+        </p:style>
+      </p:cxnSp>
+      <p:sp>
+        <p:nvSpPr>
+          <p:cNvPr id="2" name="Szöveg helye 1">
             <a:extLst>
               <a:ext uri="{FF2B5EF4-FFF2-40B4-BE49-F238E27FC236}">
-                <a16:creationId xmlns:a16="http://schemas.microsoft.com/office/drawing/2014/main" id="{3CEDE4B8-B35E-4CDD-9E8E-75BA5A23F271}"/>
+                <a16:creationId xmlns:a16="http://schemas.microsoft.com/office/drawing/2014/main" id="{31433A68-BB94-4FA7-B650-5F7F3A23BDDB}"/>
               </a:ext>
             </a:extLst>
           </p:cNvPr>
@@ -3647,14 +4488,42 @@
             <p:ph type="body" sz="half" idx="2"/>
           </p:nvPr>
         </p:nvSpPr>
-        <p:spPr/>
-        <p:txBody>
-          <a:bodyPr/>
+        <p:spPr>
+          <a:xfrm>
+            <a:off x="769620" y="1997765"/>
+            <a:ext cx="4486656" cy="4583678"/>
+          </a:xfrm>
+        </p:spPr>
+        <p:txBody>
+          <a:bodyPr anchor="ctr">
+            <a:normAutofit lnSpcReduction="10000"/>
+          </a:bodyPr>
           <a:lstStyle/>
           <a:p>
             <a:r>
-              <a:rPr lang="hu-HU" dirty="0"/>
-              <a:t>Ide majd képet is lehetne rakni</a:t>
+              <a:rPr lang="hu-HU" sz="2000" dirty="0"/>
+              <a:t>Az állatok mozgását ma már </a:t>
+            </a:r>
+            <a:r>
+              <a:rPr lang="hu-HU" sz="2000" dirty="0" err="1"/>
+              <a:t>rutinszerűen</a:t>
+            </a:r>
+            <a:r>
+              <a:rPr lang="hu-HU" sz="2000" dirty="0"/>
+              <a:t> figyelik a rájuk rögzített jeladók segítségével. Ebben a feladatban egy ilyen jeladó által továbbított adatokat kell feldolgozni.  Az itt használt jeladó úgy működik, hogy helyének x és y koordinátáját továbbítja. </a:t>
+            </a:r>
+          </a:p>
+          <a:p>
+            <a:r>
+              <a:rPr lang="hu-HU" sz="2000" dirty="0"/>
+              <a:t>Jelet küld,  ha a legutolsó küldés óta bármely koordináta változása elérte a 10 egységet. Ha nem történt ekkora elmozdulás, 5 perc elteltével akkor is mindenképpen jelenti helyét.  A vevőegység egy </a:t>
+            </a:r>
+            <a:br>
+              <a:rPr lang="hu-HU" sz="2000" dirty="0"/>
+            </a:br>
+            <a:r>
+              <a:rPr lang="hu-HU" sz="2000" dirty="0"/>
+              <a:t>fájlban rögzíti a jel érkezési idejét és a pozíciót. </a:t>
             </a:r>
           </a:p>
           <a:p>
@@ -3662,10 +4531,149 @@
           </a:p>
         </p:txBody>
       </p:sp>
+      <p:cxnSp>
+        <p:nvCxnSpPr>
+          <p:cNvPr id="10" name="Egyenes összekötő nyíllal 9">
+            <a:extLst>
+              <a:ext uri="{FF2B5EF4-FFF2-40B4-BE49-F238E27FC236}">
+                <a16:creationId xmlns:a16="http://schemas.microsoft.com/office/drawing/2014/main" id="{A2FD72A8-CDD6-482B-7AD3-2F6F574EAE8F}"/>
+              </a:ext>
+            </a:extLst>
+          </p:cNvPr>
+          <p:cNvCxnSpPr>
+            <a:cxnSpLocks/>
+          </p:cNvCxnSpPr>
+          <p:nvPr/>
+        </p:nvCxnSpPr>
+        <p:spPr>
+          <a:xfrm flipH="1">
+            <a:off x="5140960" y="5362649"/>
+            <a:ext cx="2958011" cy="524253"/>
+          </a:xfrm>
+          <a:prstGeom prst="straightConnector1">
+            <a:avLst/>
+          </a:prstGeom>
+          <a:ln w="76200">
+            <a:tailEnd type="triangle"/>
+          </a:ln>
+        </p:spPr>
+        <p:style>
+          <a:lnRef idx="3">
+            <a:schemeClr val="accent3"/>
+          </a:lnRef>
+          <a:fillRef idx="0">
+            <a:schemeClr val="accent3"/>
+          </a:fillRef>
+          <a:effectRef idx="2">
+            <a:schemeClr val="accent3"/>
+          </a:effectRef>
+          <a:fontRef idx="minor">
+            <a:schemeClr val="tx1"/>
+          </a:fontRef>
+        </p:style>
+      </p:cxnSp>
+      <p:pic>
+        <p:nvPicPr>
+          <p:cNvPr id="6" name="Tartalom helye 5">
+            <a:extLst>
+              <a:ext uri="{FF2B5EF4-FFF2-40B4-BE49-F238E27FC236}">
+                <a16:creationId xmlns:a16="http://schemas.microsoft.com/office/drawing/2014/main" id="{E628A94E-C060-4487-A148-FD7B556F411A}"/>
+              </a:ext>
+            </a:extLst>
+          </p:cNvPr>
+          <p:cNvPicPr>
+            <a:picLocks noGrp="1" noChangeAspect="1"/>
+          </p:cNvPicPr>
+          <p:nvPr>
+            <p:ph idx="1"/>
+          </p:nvPr>
+        </p:nvPicPr>
+        <p:blipFill rotWithShape="1">
+          <a:blip r:embed="rId2">
+            <a:extLst>
+              <a:ext uri="{28A0092B-C50C-407E-A947-70E740481C1C}">
+                <a14:useLocalDpi xmlns:a14="http://schemas.microsoft.com/office/drawing/2010/main" val="0"/>
+              </a:ext>
+            </a:extLst>
+          </a:blip>
+          <a:srcRect l="11429" t="10181" r="10909" b="9304"/>
+          <a:stretch/>
+        </p:blipFill>
+        <p:spPr>
+          <a:xfrm>
+            <a:off x="7429500" y="329697"/>
+            <a:ext cx="3672840" cy="3623706"/>
+          </a:xfrm>
+          <a:prstGeom prst="roundRect">
+            <a:avLst>
+              <a:gd name="adj" fmla="val 8594"/>
+            </a:avLst>
+          </a:prstGeom>
+          <a:solidFill>
+            <a:srgbClr val="FFFFFF">
+              <a:shade val="85000"/>
+            </a:srgbClr>
+          </a:solidFill>
+          <a:ln>
+            <a:noFill/>
+          </a:ln>
+          <a:effectLst>
+            <a:reflection blurRad="12700" stA="38000" endPos="28000" dist="5000" dir="5400000" sy="-100000" algn="bl" rotWithShape="0"/>
+          </a:effectLst>
+        </p:spPr>
+      </p:pic>
+      <p:pic>
+        <p:nvPicPr>
+          <p:cNvPr id="8" name="Kép 7">
+            <a:extLst>
+              <a:ext uri="{FF2B5EF4-FFF2-40B4-BE49-F238E27FC236}">
+                <a16:creationId xmlns:a16="http://schemas.microsoft.com/office/drawing/2014/main" id="{3CCCFA9A-EC4A-EDDA-D94C-2C1DF6941E53}"/>
+              </a:ext>
+            </a:extLst>
+          </p:cNvPr>
+          <p:cNvPicPr>
+            <a:picLocks noChangeAspect="1"/>
+          </p:cNvPicPr>
+          <p:nvPr/>
+        </p:nvPicPr>
+        <p:blipFill rotWithShape="1">
+          <a:blip r:embed="rId3">
+            <a:extLst>
+              <a:ext uri="{28A0092B-C50C-407E-A947-70E740481C1C}">
+                <a14:useLocalDpi xmlns:a14="http://schemas.microsoft.com/office/drawing/2010/main" val="0"/>
+              </a:ext>
+            </a:extLst>
+          </a:blip>
+          <a:srcRect l="19666" t="18939" r="17335" b="45834"/>
+          <a:stretch/>
+        </p:blipFill>
+        <p:spPr>
+          <a:xfrm>
+            <a:off x="7985760" y="4241514"/>
+            <a:ext cx="2560320" cy="2397079"/>
+          </a:xfrm>
+          <a:prstGeom prst="roundRect">
+            <a:avLst>
+              <a:gd name="adj" fmla="val 8594"/>
+            </a:avLst>
+          </a:prstGeom>
+          <a:solidFill>
+            <a:srgbClr val="FFFFFF">
+              <a:shade val="85000"/>
+            </a:srgbClr>
+          </a:solidFill>
+          <a:ln>
+            <a:noFill/>
+          </a:ln>
+          <a:effectLst>
+            <a:reflection blurRad="12700" stA="38000" endPos="28000" dist="5000" dir="5400000" sy="-100000" algn="bl" rotWithShape="0"/>
+          </a:effectLst>
+        </p:spPr>
+      </p:pic>
     </p:spTree>
     <p:extLst>
       <p:ext uri="{BB962C8B-B14F-4D97-AF65-F5344CB8AC3E}">
-        <p14:creationId xmlns:p14="http://schemas.microsoft.com/office/powerpoint/2010/main" val="4208633134"/>
+        <p14:creationId xmlns:p14="http://schemas.microsoft.com/office/powerpoint/2010/main" val="1405116982"/>
       </p:ext>
     </p:extLst>
   </p:cSld>
@@ -3697,6 +4705,370 @@
           <p:cNvPr id="2" name="Cím 1">
             <a:extLst>
               <a:ext uri="{FF2B5EF4-FFF2-40B4-BE49-F238E27FC236}">
+                <a16:creationId xmlns:a16="http://schemas.microsoft.com/office/drawing/2014/main" id="{442B1847-E8B8-B3D0-4E60-3836201DBFD5}"/>
+              </a:ext>
+            </a:extLst>
+          </p:cNvPr>
+          <p:cNvSpPr>
+            <a:spLocks noGrp="1"/>
+          </p:cNvSpPr>
+          <p:nvPr>
+            <p:ph type="title"/>
+          </p:nvPr>
+        </p:nvSpPr>
+        <p:spPr>
+          <a:xfrm>
+            <a:off x="8815567" y="2463576"/>
+            <a:ext cx="2985908" cy="1794099"/>
+          </a:xfrm>
+        </p:spPr>
+        <p:txBody>
+          <a:bodyPr>
+            <a:normAutofit fontScale="90000"/>
+          </a:bodyPr>
+          <a:lstStyle/>
+          <a:p>
+            <a:r>
+              <a:rPr lang="hu-HU" dirty="0"/>
+              <a:t>Projekt felépítése – objektumok létrehozása, </a:t>
+            </a:r>
+            <a:r>
+              <a:rPr lang="hu-HU" dirty="0" err="1"/>
+              <a:t>példányosítás</a:t>
+            </a:r>
+            <a:endParaRPr lang="hu-HU" dirty="0"/>
+          </a:p>
+        </p:txBody>
+      </p:sp>
+      <p:pic>
+        <p:nvPicPr>
+          <p:cNvPr id="8" name="Tartalom helye 7">
+            <a:extLst>
+              <a:ext uri="{FF2B5EF4-FFF2-40B4-BE49-F238E27FC236}">
+                <a16:creationId xmlns:a16="http://schemas.microsoft.com/office/drawing/2014/main" id="{238D840F-643A-3980-BE85-A666E65DDA87}"/>
+              </a:ext>
+            </a:extLst>
+          </p:cNvPr>
+          <p:cNvPicPr>
+            <a:picLocks noGrp="1" noChangeAspect="1"/>
+          </p:cNvPicPr>
+          <p:nvPr>
+            <p:ph idx="1"/>
+          </p:nvPr>
+        </p:nvPicPr>
+        <p:blipFill rotWithShape="1">
+          <a:blip r:embed="rId2">
+            <a:extLst>
+              <a:ext uri="{28A0092B-C50C-407E-A947-70E740481C1C}">
+                <a14:useLocalDpi xmlns:a14="http://schemas.microsoft.com/office/drawing/2010/main" val="0"/>
+              </a:ext>
+            </a:extLst>
+          </a:blip>
+          <a:srcRect l="14931" t="32938" r="17977" b="20615"/>
+          <a:stretch/>
+        </p:blipFill>
+        <p:spPr>
+          <a:xfrm>
+            <a:off x="8815567" y="4674050"/>
+            <a:ext cx="2985908" cy="1695450"/>
+          </a:xfrm>
+          <a:prstGeom prst="roundRect">
+            <a:avLst>
+              <a:gd name="adj" fmla="val 8594"/>
+            </a:avLst>
+          </a:prstGeom>
+          <a:solidFill>
+            <a:srgbClr val="FFFFFF">
+              <a:shade val="85000"/>
+            </a:srgbClr>
+          </a:solidFill>
+          <a:ln>
+            <a:noFill/>
+          </a:ln>
+          <a:effectLst>
+            <a:reflection blurRad="12700" stA="38000" endPos="28000" dist="5000" dir="5400000" sy="-100000" algn="bl" rotWithShape="0"/>
+          </a:effectLst>
+        </p:spPr>
+      </p:pic>
+      <p:pic>
+        <p:nvPicPr>
+          <p:cNvPr id="10" name="Kép 9">
+            <a:extLst>
+              <a:ext uri="{FF2B5EF4-FFF2-40B4-BE49-F238E27FC236}">
+                <a16:creationId xmlns:a16="http://schemas.microsoft.com/office/drawing/2014/main" id="{54E39F80-948B-9E6E-03F2-1FF5CABE46E1}"/>
+              </a:ext>
+            </a:extLst>
+          </p:cNvPr>
+          <p:cNvPicPr>
+            <a:picLocks noChangeAspect="1"/>
+          </p:cNvPicPr>
+          <p:nvPr/>
+        </p:nvPicPr>
+        <p:blipFill rotWithShape="1">
+          <a:blip r:embed="rId3">
+            <a:extLst>
+              <a:ext uri="{28A0092B-C50C-407E-A947-70E740481C1C}">
+                <a14:useLocalDpi xmlns:a14="http://schemas.microsoft.com/office/drawing/2010/main" val="0"/>
+              </a:ext>
+            </a:extLst>
+          </a:blip>
+          <a:srcRect l="8767" t="30882" r="10153" b="18342"/>
+          <a:stretch/>
+        </p:blipFill>
+        <p:spPr>
+          <a:xfrm>
+            <a:off x="6553200" y="555175"/>
+            <a:ext cx="5248275" cy="1628775"/>
+          </a:xfrm>
+          <a:prstGeom prst="roundRect">
+            <a:avLst>
+              <a:gd name="adj" fmla="val 8594"/>
+            </a:avLst>
+          </a:prstGeom>
+          <a:solidFill>
+            <a:srgbClr val="FFFFFF">
+              <a:shade val="85000"/>
+            </a:srgbClr>
+          </a:solidFill>
+          <a:ln>
+            <a:noFill/>
+          </a:ln>
+          <a:effectLst>
+            <a:reflection blurRad="12700" stA="38000" endPos="28000" dist="5000" dir="5400000" sy="-100000" algn="bl" rotWithShape="0"/>
+          </a:effectLst>
+        </p:spPr>
+      </p:pic>
+      <p:pic>
+        <p:nvPicPr>
+          <p:cNvPr id="6" name="Kép 5">
+            <a:extLst>
+              <a:ext uri="{FF2B5EF4-FFF2-40B4-BE49-F238E27FC236}">
+                <a16:creationId xmlns:a16="http://schemas.microsoft.com/office/drawing/2014/main" id="{42DE1418-2998-F967-6E44-34231BB0D264}"/>
+              </a:ext>
+            </a:extLst>
+          </p:cNvPr>
+          <p:cNvPicPr>
+            <a:picLocks noChangeAspect="1"/>
+          </p:cNvPicPr>
+          <p:nvPr/>
+        </p:nvPicPr>
+        <p:blipFill>
+          <a:blip r:embed="rId4"/>
+          <a:stretch>
+            <a:fillRect/>
+          </a:stretch>
+        </p:blipFill>
+        <p:spPr>
+          <a:xfrm>
+            <a:off x="6553200" y="2564209"/>
+            <a:ext cx="1933007" cy="3805291"/>
+          </a:xfrm>
+          <a:prstGeom prst="roundRect">
+            <a:avLst>
+              <a:gd name="adj" fmla="val 8594"/>
+            </a:avLst>
+          </a:prstGeom>
+          <a:solidFill>
+            <a:srgbClr val="FFFFFF">
+              <a:shade val="85000"/>
+            </a:srgbClr>
+          </a:solidFill>
+          <a:ln>
+            <a:noFill/>
+          </a:ln>
+          <a:effectLst>
+            <a:reflection blurRad="12700" stA="38000" endPos="28000" dist="5000" dir="5400000" sy="-100000" algn="bl" rotWithShape="0"/>
+          </a:effectLst>
+        </p:spPr>
+      </p:pic>
+      <p:pic>
+        <p:nvPicPr>
+          <p:cNvPr id="15" name="Kép 14">
+            <a:extLst>
+              <a:ext uri="{FF2B5EF4-FFF2-40B4-BE49-F238E27FC236}">
+                <a16:creationId xmlns:a16="http://schemas.microsoft.com/office/drawing/2014/main" id="{E628389E-9B24-5A93-A0D6-A68A2B7A8882}"/>
+              </a:ext>
+            </a:extLst>
+          </p:cNvPr>
+          <p:cNvPicPr>
+            <a:picLocks noChangeAspect="1"/>
+          </p:cNvPicPr>
+          <p:nvPr/>
+        </p:nvPicPr>
+        <p:blipFill>
+          <a:blip r:embed="rId5"/>
+          <a:stretch>
+            <a:fillRect/>
+          </a:stretch>
+        </p:blipFill>
+        <p:spPr>
+          <a:xfrm>
+            <a:off x="1016332" y="3429000"/>
+            <a:ext cx="4124890" cy="3106850"/>
+          </a:xfrm>
+          <a:prstGeom prst="roundRect">
+            <a:avLst>
+              <a:gd name="adj" fmla="val 8594"/>
+            </a:avLst>
+          </a:prstGeom>
+          <a:solidFill>
+            <a:srgbClr val="FFFFFF">
+              <a:shade val="85000"/>
+            </a:srgbClr>
+          </a:solidFill>
+          <a:ln>
+            <a:noFill/>
+          </a:ln>
+          <a:effectLst>
+            <a:reflection blurRad="12700" stA="38000" endPos="28000" dist="5000" dir="5400000" sy="-100000" algn="bl" rotWithShape="0"/>
+          </a:effectLst>
+        </p:spPr>
+      </p:pic>
+      <p:pic>
+        <p:nvPicPr>
+          <p:cNvPr id="13" name="Kép 12">
+            <a:extLst>
+              <a:ext uri="{FF2B5EF4-FFF2-40B4-BE49-F238E27FC236}">
+                <a16:creationId xmlns:a16="http://schemas.microsoft.com/office/drawing/2014/main" id="{7306D2DA-BD57-9D4F-D12C-1D43EDA7A9A9}"/>
+              </a:ext>
+            </a:extLst>
+          </p:cNvPr>
+          <p:cNvPicPr>
+            <a:picLocks noChangeAspect="1"/>
+          </p:cNvPicPr>
+          <p:nvPr/>
+        </p:nvPicPr>
+        <p:blipFill>
+          <a:blip r:embed="rId6"/>
+          <a:stretch>
+            <a:fillRect/>
+          </a:stretch>
+        </p:blipFill>
+        <p:spPr>
+          <a:xfrm>
+            <a:off x="1016332" y="253922"/>
+            <a:ext cx="4123542" cy="2444671"/>
+          </a:xfrm>
+          <a:prstGeom prst="roundRect">
+            <a:avLst>
+              <a:gd name="adj" fmla="val 8594"/>
+            </a:avLst>
+          </a:prstGeom>
+          <a:solidFill>
+            <a:srgbClr val="FFFFFF">
+              <a:shade val="85000"/>
+            </a:srgbClr>
+          </a:solidFill>
+          <a:ln>
+            <a:noFill/>
+          </a:ln>
+          <a:effectLst>
+            <a:reflection blurRad="12700" stA="38000" endPos="28000" dist="5000" dir="5400000" sy="-100000" algn="bl" rotWithShape="0"/>
+          </a:effectLst>
+        </p:spPr>
+      </p:pic>
+      <p:sp>
+        <p:nvSpPr>
+          <p:cNvPr id="11" name="Cím 1">
+            <a:extLst>
+              <a:ext uri="{FF2B5EF4-FFF2-40B4-BE49-F238E27FC236}">
+                <a16:creationId xmlns:a16="http://schemas.microsoft.com/office/drawing/2014/main" id="{8E1E1DD8-02D7-84D5-47DC-57F3ECAD8649}"/>
+              </a:ext>
+            </a:extLst>
+          </p:cNvPr>
+          <p:cNvSpPr txBox="1">
+            <a:spLocks/>
+          </p:cNvSpPr>
+          <p:nvPr/>
+        </p:nvSpPr>
+        <p:spPr bwMode="blackWhite">
+          <a:xfrm>
+            <a:off x="1962257" y="2183950"/>
+            <a:ext cx="2231691" cy="1424628"/>
+          </a:xfrm>
+          <a:prstGeom prst="rect">
+            <a:avLst/>
+          </a:prstGeom>
+          <a:solidFill>
+            <a:srgbClr val="FFFFFF"/>
+          </a:solidFill>
+          <a:ln w="31750" cap="sq">
+            <a:solidFill>
+              <a:srgbClr val="404040"/>
+            </a:solidFill>
+            <a:miter lim="800000"/>
+          </a:ln>
+        </p:spPr>
+        <p:txBody>
+          <a:bodyPr vert="horz" lIns="182880" tIns="182880" rIns="182880" bIns="182880" rtlCol="0" anchor="ctr" anchorCtr="1">
+            <a:normAutofit fontScale="97500"/>
+          </a:bodyPr>
+          <a:lstStyle>
+            <a:lvl1pPr algn="ctr" defTabSz="914400" rtl="0" eaLnBrk="1" latinLnBrk="0" hangingPunct="1">
+              <a:lnSpc>
+                <a:spcPct val="90000"/>
+              </a:lnSpc>
+              <a:spcBef>
+                <a:spcPct val="0"/>
+              </a:spcBef>
+              <a:buNone/>
+              <a:defRPr sz="2200" kern="1200" cap="all" spc="200" baseline="0">
+                <a:solidFill>
+                  <a:srgbClr val="262626"/>
+                </a:solidFill>
+                <a:latin typeface="+mj-lt"/>
+                <a:ea typeface="+mj-ea"/>
+                <a:cs typeface="+mj-cs"/>
+              </a:defRPr>
+            </a:lvl1pPr>
+          </a:lstStyle>
+          <a:p>
+            <a:r>
+              <a:rPr lang="hu-HU" dirty="0" err="1"/>
+              <a:t>Github</a:t>
+            </a:r>
+            <a:r>
+              <a:rPr lang="hu-HU" dirty="0"/>
+              <a:t> - REAdme.md állomány</a:t>
+            </a:r>
+          </a:p>
+        </p:txBody>
+      </p:sp>
+    </p:spTree>
+    <p:extLst>
+      <p:ext uri="{BB962C8B-B14F-4D97-AF65-F5344CB8AC3E}">
+        <p14:creationId xmlns:p14="http://schemas.microsoft.com/office/powerpoint/2010/main" val="2436429964"/>
+      </p:ext>
+    </p:extLst>
+  </p:cSld>
+  <p:clrMapOvr>
+    <a:masterClrMapping/>
+  </p:clrMapOvr>
+</p:sld>
+</file>
+
+<file path=ppt/slides/slide5.xml><?xml version="1.0" encoding="utf-8"?>
+<p:sld xmlns:a="http://schemas.openxmlformats.org/drawingml/2006/main" xmlns:r="http://schemas.openxmlformats.org/officeDocument/2006/relationships" xmlns:p="http://schemas.openxmlformats.org/presentationml/2006/main">
+  <p:cSld>
+    <p:spTree>
+      <p:nvGrpSpPr>
+        <p:cNvPr id="1" name=""/>
+        <p:cNvGrpSpPr/>
+        <p:nvPr/>
+      </p:nvGrpSpPr>
+      <p:grpSpPr>
+        <a:xfrm>
+          <a:off x="0" y="0"/>
+          <a:ext cx="0" cy="0"/>
+          <a:chOff x="0" y="0"/>
+          <a:chExt cx="0" cy="0"/>
+        </a:xfrm>
+      </p:grpSpPr>
+      <p:sp>
+        <p:nvSpPr>
+          <p:cNvPr id="2" name="Cím 1">
+            <a:extLst>
+              <a:ext uri="{FF2B5EF4-FFF2-40B4-BE49-F238E27FC236}">
                 <a16:creationId xmlns:a16="http://schemas.microsoft.com/office/drawing/2014/main" id="{8C6036C8-8795-46BD-BC66-53E6348E818A}"/>
               </a:ext>
             </a:extLst>
@@ -3710,7 +5082,7 @@
         </p:nvSpPr>
         <p:spPr>
           <a:xfrm>
-            <a:off x="2231136" y="130191"/>
+            <a:off x="2231136" y="377301"/>
             <a:ext cx="7729728" cy="1188720"/>
           </a:xfrm>
         </p:spPr>
@@ -3743,33 +5115,57 @@
         </p:nvSpPr>
         <p:spPr>
           <a:xfrm>
-            <a:off x="1236896" y="1448436"/>
-            <a:ext cx="9718208" cy="5032263"/>
+            <a:off x="718457" y="1566021"/>
+            <a:ext cx="10664890" cy="5032263"/>
           </a:xfrm>
         </p:spPr>
         <p:txBody>
           <a:bodyPr/>
           <a:lstStyle/>
           <a:p>
-            <a:r>
-              <a:rPr lang="hu-HU" dirty="0"/>
-              <a:t>1. Feladat: Olvassa be a jel.txt állomány tartalmát, tárolja el a rögzített jelek adatait, és azok felhasználásával oldja meg a következő feladatokat!</a:t>
-            </a:r>
-          </a:p>
-          <a:p>
-            <a:endParaRPr lang="hu-HU" dirty="0"/>
-          </a:p>
-          <a:p>
-            <a:r>
-              <a:rPr lang="hu-HU" dirty="0"/>
-              <a:t>2.Feladat: Kérje be a felhasználótól egy jel sorszámát (a sorszámozás 1-től indul), és írja a képernyőre </a:t>
+            <a:pPr marL="0" indent="0">
+              <a:buNone/>
+            </a:pPr>
+            <a:r>
+              <a:rPr lang="hu-HU" b="1" dirty="0"/>
+              <a:t>1. Feladat: </a:t>
             </a:r>
             <a:br>
               <a:rPr lang="hu-HU" dirty="0"/>
             </a:br>
             <a:r>
               <a:rPr lang="hu-HU" dirty="0"/>
-              <a:t>az adott jeladáshoz tartozó x és y koordinátát!  </a:t>
+              <a:t>Olvassa be a jel.txt állomány tartalmát, tárolja el a rögzített jelek adatait,</a:t>
+            </a:r>
+            <a:br>
+              <a:rPr lang="hu-HU" dirty="0"/>
+            </a:br>
+            <a:r>
+              <a:rPr lang="hu-HU" dirty="0"/>
+              <a:t>és azok felhasználásával oldja meg a következő feladatokat!</a:t>
+            </a:r>
+          </a:p>
+          <a:p>
+            <a:pPr marL="0" indent="0" algn="r">
+              <a:buNone/>
+            </a:pPr>
+            <a:r>
+              <a:rPr lang="hu-HU" b="1" dirty="0"/>
+              <a:t>2.Feladat: </a:t>
+            </a:r>
+            <a:br>
+              <a:rPr lang="hu-HU" dirty="0"/>
+            </a:br>
+            <a:r>
+              <a:rPr lang="hu-HU" dirty="0"/>
+              <a:t>Kérje be a felhasználótól egy jel sorszámát (a sorszámozás 1-től indul), </a:t>
+            </a:r>
+            <a:br>
+              <a:rPr lang="hu-HU" dirty="0"/>
+            </a:br>
+            <a:r>
+              <a:rPr lang="hu-HU" dirty="0"/>
+              <a:t>és írja a képernyőre az adott jeladáshoz tartozó x és y koordinátát!  </a:t>
             </a:r>
           </a:p>
           <a:p>
@@ -3779,9 +5175,25 @@
             <a:endParaRPr lang="hu-HU" dirty="0"/>
           </a:p>
           <a:p>
+            <a:pPr marL="0" indent="0">
+              <a:buNone/>
+            </a:pPr>
+            <a:endParaRPr lang="hu-HU" b="1" dirty="0"/>
+          </a:p>
+          <a:p>
+            <a:pPr marL="0" indent="0">
+              <a:buNone/>
+            </a:pPr>
+            <a:r>
+              <a:rPr lang="hu-HU" b="1" dirty="0"/>
+              <a:t>3. feladat: </a:t>
+            </a:r>
+            <a:br>
+              <a:rPr lang="hu-HU" b="1" dirty="0"/>
+            </a:br>
             <a:r>
               <a:rPr lang="hu-HU" dirty="0"/>
-              <a:t>3. feladat: Készítsen függvényt </a:t>
+              <a:t>Készítsen függvényt </a:t>
             </a:r>
             <a:r>
               <a:rPr lang="hu-HU" sz="1600" dirty="0">
@@ -3792,7 +5204,14 @@
             </a:r>
             <a:r>
               <a:rPr lang="hu-HU" dirty="0"/>
-              <a:t> néven, amely megadja, hogy a paraméterként átadott két </a:t>
+              <a:t> néven, amely megadja, </a:t>
+            </a:r>
+            <a:br>
+              <a:rPr lang="hu-HU" dirty="0"/>
+            </a:br>
+            <a:r>
+              <a:rPr lang="hu-HU" dirty="0"/>
+              <a:t>hogy a paraméterként átadott két </a:t>
             </a:r>
             <a:br>
               <a:rPr lang="hu-HU" dirty="0"/>
@@ -3826,12 +5245,25 @@
         </p:blipFill>
         <p:spPr>
           <a:xfrm>
-            <a:off x="1562905" y="2118366"/>
+            <a:off x="808653" y="2523029"/>
             <a:ext cx="3029373" cy="295316"/>
           </a:xfrm>
-          <a:prstGeom prst="rect">
-            <a:avLst/>
+          <a:prstGeom prst="roundRect">
+            <a:avLst>
+              <a:gd name="adj" fmla="val 8594"/>
+            </a:avLst>
           </a:prstGeom>
+          <a:solidFill>
+            <a:srgbClr val="FFFFFF">
+              <a:shade val="85000"/>
+            </a:srgbClr>
+          </a:solidFill>
+          <a:ln>
+            <a:noFill/>
+          </a:ln>
+          <a:effectLst>
+            <a:reflection blurRad="12700" stA="38000" endPos="28000" dist="5000" dir="5400000" sy="-100000" algn="bl" rotWithShape="0"/>
+          </a:effectLst>
         </p:spPr>
       </p:pic>
       <p:pic>
@@ -3861,12 +5293,25 @@
         </p:blipFill>
         <p:spPr>
           <a:xfrm>
-            <a:off x="1562905" y="3192210"/>
+            <a:off x="1742386" y="3541907"/>
             <a:ext cx="5442012" cy="772357"/>
           </a:xfrm>
-          <a:prstGeom prst="rect">
-            <a:avLst/>
+          <a:prstGeom prst="roundRect">
+            <a:avLst>
+              <a:gd name="adj" fmla="val 8594"/>
+            </a:avLst>
           </a:prstGeom>
+          <a:solidFill>
+            <a:srgbClr val="FFFFFF">
+              <a:shade val="85000"/>
+            </a:srgbClr>
+          </a:solidFill>
+          <a:ln>
+            <a:noFill/>
+          </a:ln>
+          <a:effectLst>
+            <a:reflection blurRad="12700" stA="38000" endPos="28000" dist="5000" dir="5400000" sy="-100000" algn="bl" rotWithShape="0"/>
+          </a:effectLst>
         </p:spPr>
       </p:pic>
       <p:pic>
@@ -3896,12 +5341,25 @@
         </p:blipFill>
         <p:spPr>
           <a:xfrm>
-            <a:off x="7218040" y="2865039"/>
-            <a:ext cx="3411055" cy="1127922"/>
+            <a:off x="7100423" y="3541907"/>
+            <a:ext cx="4282924" cy="1416220"/>
           </a:xfrm>
-          <a:prstGeom prst="rect">
-            <a:avLst/>
+          <a:prstGeom prst="roundRect">
+            <a:avLst>
+              <a:gd name="adj" fmla="val 8594"/>
+            </a:avLst>
           </a:prstGeom>
+          <a:solidFill>
+            <a:srgbClr val="FFFFFF">
+              <a:shade val="85000"/>
+            </a:srgbClr>
+          </a:solidFill>
+          <a:ln>
+            <a:noFill/>
+          </a:ln>
+          <a:effectLst>
+            <a:reflection blurRad="12700" stA="38000" endPos="28000" dist="5000" dir="5400000" sy="-100000" algn="bl" rotWithShape="0"/>
+          </a:effectLst>
         </p:spPr>
       </p:pic>
       <p:pic>
@@ -3931,439 +5389,31 @@
         </p:blipFill>
         <p:spPr>
           <a:xfrm>
-            <a:off x="1562905" y="4664151"/>
+            <a:off x="808653" y="5882415"/>
             <a:ext cx="5832630" cy="558481"/>
           </a:xfrm>
-          <a:prstGeom prst="rect">
-            <a:avLst/>
+          <a:prstGeom prst="roundRect">
+            <a:avLst>
+              <a:gd name="adj" fmla="val 8594"/>
+            </a:avLst>
           </a:prstGeom>
+          <a:solidFill>
+            <a:srgbClr val="FFFFFF">
+              <a:shade val="85000"/>
+            </a:srgbClr>
+          </a:solidFill>
+          <a:ln>
+            <a:noFill/>
+          </a:ln>
+          <a:effectLst>
+            <a:reflection blurRad="12700" stA="38000" endPos="28000" dist="5000" dir="5400000" sy="-100000" algn="bl" rotWithShape="0"/>
+          </a:effectLst>
         </p:spPr>
       </p:pic>
     </p:spTree>
     <p:extLst>
       <p:ext uri="{BB962C8B-B14F-4D97-AF65-F5344CB8AC3E}">
         <p14:creationId xmlns:p14="http://schemas.microsoft.com/office/powerpoint/2010/main" val="3163172029"/>
-      </p:ext>
-    </p:extLst>
-  </p:cSld>
-  <p:clrMapOvr>
-    <a:masterClrMapping/>
-  </p:clrMapOvr>
-</p:sld>
-</file>
-
-<file path=ppt/slides/slide5.xml><?xml version="1.0" encoding="utf-8"?>
-<p:sld xmlns:a="http://schemas.openxmlformats.org/drawingml/2006/main" xmlns:r="http://schemas.openxmlformats.org/officeDocument/2006/relationships" xmlns:p="http://schemas.openxmlformats.org/presentationml/2006/main">
-  <p:cSld>
-    <p:spTree>
-      <p:nvGrpSpPr>
-        <p:cNvPr id="1" name=""/>
-        <p:cNvGrpSpPr/>
-        <p:nvPr/>
-      </p:nvGrpSpPr>
-      <p:grpSpPr>
-        <a:xfrm>
-          <a:off x="0" y="0"/>
-          <a:ext cx="0" cy="0"/>
-          <a:chOff x="0" y="0"/>
-          <a:chExt cx="0" cy="0"/>
-        </a:xfrm>
-      </p:grpSpPr>
-      <p:sp>
-        <p:nvSpPr>
-          <p:cNvPr id="2" name="Cím 1">
-            <a:extLst>
-              <a:ext uri="{FF2B5EF4-FFF2-40B4-BE49-F238E27FC236}">
-                <a16:creationId xmlns:a16="http://schemas.microsoft.com/office/drawing/2014/main" id="{D044C67B-B791-4870-B800-0FC8F2C6C86F}"/>
-              </a:ext>
-            </a:extLst>
-          </p:cNvPr>
-          <p:cNvSpPr>
-            <a:spLocks noGrp="1"/>
-          </p:cNvSpPr>
-          <p:nvPr>
-            <p:ph type="title"/>
-          </p:nvPr>
-        </p:nvSpPr>
-        <p:spPr>
-          <a:xfrm>
-            <a:off x="2231136" y="218967"/>
-            <a:ext cx="7729728" cy="1188720"/>
-          </a:xfrm>
-        </p:spPr>
-        <p:txBody>
-          <a:bodyPr/>
-          <a:lstStyle/>
-          <a:p>
-            <a:r>
-              <a:rPr lang="hu-HU" dirty="0"/>
-              <a:t>Feladatok megvalósítása</a:t>
-            </a:r>
-          </a:p>
-        </p:txBody>
-      </p:sp>
-      <p:sp>
-        <p:nvSpPr>
-          <p:cNvPr id="3" name="Tartalom helye 2">
-            <a:extLst>
-              <a:ext uri="{FF2B5EF4-FFF2-40B4-BE49-F238E27FC236}">
-                <a16:creationId xmlns:a16="http://schemas.microsoft.com/office/drawing/2014/main" id="{24A088BF-4719-4B94-A607-B102767053DE}"/>
-              </a:ext>
-            </a:extLst>
-          </p:cNvPr>
-          <p:cNvSpPr>
-            <a:spLocks noGrp="1"/>
-          </p:cNvSpPr>
-          <p:nvPr>
-            <p:ph idx="1"/>
-          </p:nvPr>
-        </p:nvSpPr>
-        <p:spPr>
-          <a:xfrm>
-            <a:off x="1541755" y="1526958"/>
-            <a:ext cx="9031550" cy="4873841"/>
-          </a:xfrm>
-        </p:spPr>
-        <p:txBody>
-          <a:bodyPr/>
-          <a:lstStyle/>
-          <a:p>
-            <a:r>
-              <a:rPr lang="hu-HU" dirty="0"/>
-              <a:t>4. Feladat:  Adja meg, mennyi idő telt el az első és az utolsó észlelés között! Az időt</a:t>
-            </a:r>
-            <a:br>
-              <a:rPr lang="hu-HU" dirty="0"/>
-            </a:br>
-            <a:r>
-              <a:rPr lang="hu-HU" dirty="0" err="1">
-                <a:latin typeface="Cascadia Mono Light" panose="020B0609020000020004" pitchFamily="49" charset="0"/>
-                <a:cs typeface="Cascadia Mono Light" panose="020B0609020000020004" pitchFamily="49" charset="0"/>
-              </a:rPr>
-              <a:t>óra:perc:másodperc</a:t>
-            </a:r>
-            <a:r>
-              <a:rPr lang="hu-HU" dirty="0">
-                <a:latin typeface="Cascadia Mono Light" panose="020B0609020000020004" pitchFamily="49" charset="0"/>
-                <a:cs typeface="Cascadia Mono Light" panose="020B0609020000020004" pitchFamily="49" charset="0"/>
-              </a:rPr>
-              <a:t> </a:t>
-            </a:r>
-            <a:r>
-              <a:rPr lang="hu-HU" dirty="0"/>
-              <a:t>alakban írja a képernyőre! </a:t>
-            </a:r>
-          </a:p>
-          <a:p>
-            <a:endParaRPr lang="hu-HU" dirty="0"/>
-          </a:p>
-          <a:p>
-            <a:endParaRPr lang="hu-HU" dirty="0"/>
-          </a:p>
-          <a:p>
-            <a:endParaRPr lang="hu-HU" dirty="0"/>
-          </a:p>
-          <a:p>
-            <a:endParaRPr lang="hu-HU" dirty="0"/>
-          </a:p>
-          <a:p>
-            <a:endParaRPr lang="hu-HU" dirty="0"/>
-          </a:p>
-          <a:p>
-            <a:r>
-              <a:rPr lang="hu-HU" dirty="0"/>
-              <a:t>5. feladat: Határozza meg azt a legkisebb, a koordináta-rendszer tengelyeivel párhuzamos oldalú téglalapot, amelyből nem lépett ki a jeladó!</a:t>
-            </a:r>
-          </a:p>
-          <a:p>
-            <a:endParaRPr lang="hu-HU" dirty="0"/>
-          </a:p>
-        </p:txBody>
-      </p:sp>
-      <p:pic>
-        <p:nvPicPr>
-          <p:cNvPr id="5" name="Kép 4">
-            <a:extLst>
-              <a:ext uri="{FF2B5EF4-FFF2-40B4-BE49-F238E27FC236}">
-                <a16:creationId xmlns:a16="http://schemas.microsoft.com/office/drawing/2014/main" id="{82960264-8A58-41C3-994D-381F2873EEFE}"/>
-              </a:ext>
-            </a:extLst>
-          </p:cNvPr>
-          <p:cNvPicPr>
-            <a:picLocks noChangeAspect="1"/>
-          </p:cNvPicPr>
-          <p:nvPr/>
-        </p:nvPicPr>
-        <p:blipFill rotWithShape="1">
-          <a:blip r:embed="rId2">
-            <a:extLst>
-              <a:ext uri="{28A0092B-C50C-407E-A947-70E740481C1C}">
-                <a14:useLocalDpi xmlns:a14="http://schemas.microsoft.com/office/drawing/2010/main" val="0"/>
-              </a:ext>
-            </a:extLst>
-          </a:blip>
-          <a:srcRect l="5461" t="47027" r="5704" b="27156"/>
-          <a:stretch/>
-        </p:blipFill>
-        <p:spPr>
-          <a:xfrm>
-            <a:off x="1837676" y="2139518"/>
-            <a:ext cx="6578355" cy="479897"/>
-          </a:xfrm>
-          <a:prstGeom prst="rect">
-            <a:avLst/>
-          </a:prstGeom>
-        </p:spPr>
-      </p:pic>
-      <p:pic>
-        <p:nvPicPr>
-          <p:cNvPr id="7" name="Kép 6">
-            <a:extLst>
-              <a:ext uri="{FF2B5EF4-FFF2-40B4-BE49-F238E27FC236}">
-                <a16:creationId xmlns:a16="http://schemas.microsoft.com/office/drawing/2014/main" id="{669939E7-B2F8-43C9-8CC6-859B23C97DAA}"/>
-              </a:ext>
-            </a:extLst>
-          </p:cNvPr>
-          <p:cNvPicPr>
-            <a:picLocks noChangeAspect="1"/>
-          </p:cNvPicPr>
-          <p:nvPr/>
-        </p:nvPicPr>
-        <p:blipFill rotWithShape="1">
-          <a:blip r:embed="rId3">
-            <a:extLst>
-              <a:ext uri="{28A0092B-C50C-407E-A947-70E740481C1C}">
-                <a14:useLocalDpi xmlns:a14="http://schemas.microsoft.com/office/drawing/2010/main" val="0"/>
-              </a:ext>
-            </a:extLst>
-          </a:blip>
-          <a:srcRect l="6190" t="43735" r="6141" b="35956"/>
-          <a:stretch/>
-        </p:blipFill>
-        <p:spPr>
-          <a:xfrm>
-            <a:off x="1837676" y="2676623"/>
-            <a:ext cx="5024761" cy="300248"/>
-          </a:xfrm>
-          <a:prstGeom prst="rect">
-            <a:avLst/>
-          </a:prstGeom>
-        </p:spPr>
-      </p:pic>
-      <p:pic>
-        <p:nvPicPr>
-          <p:cNvPr id="9" name="Kép 8">
-            <a:extLst>
-              <a:ext uri="{FF2B5EF4-FFF2-40B4-BE49-F238E27FC236}">
-                <a16:creationId xmlns:a16="http://schemas.microsoft.com/office/drawing/2014/main" id="{D45B14E2-12B6-47AF-B8F2-A5CB50A37CA0}"/>
-              </a:ext>
-            </a:extLst>
-          </p:cNvPr>
-          <p:cNvPicPr>
-            <a:picLocks noChangeAspect="1"/>
-          </p:cNvPicPr>
-          <p:nvPr/>
-        </p:nvPicPr>
-        <p:blipFill rotWithShape="1">
-          <a:blip r:embed="rId4">
-            <a:extLst>
-              <a:ext uri="{28A0092B-C50C-407E-A947-70E740481C1C}">
-                <a14:useLocalDpi xmlns:a14="http://schemas.microsoft.com/office/drawing/2010/main" val="0"/>
-              </a:ext>
-            </a:extLst>
-          </a:blip>
-          <a:srcRect l="8132" t="46644" r="8132" b="26903"/>
-          <a:stretch/>
-        </p:blipFill>
-        <p:spPr>
-          <a:xfrm>
-            <a:off x="1837677" y="2983032"/>
-            <a:ext cx="3098308" cy="315398"/>
-          </a:xfrm>
-          <a:prstGeom prst="rect">
-            <a:avLst/>
-          </a:prstGeom>
-        </p:spPr>
-      </p:pic>
-      <p:pic>
-        <p:nvPicPr>
-          <p:cNvPr id="11" name="Kép 10">
-            <a:extLst>
-              <a:ext uri="{FF2B5EF4-FFF2-40B4-BE49-F238E27FC236}">
-                <a16:creationId xmlns:a16="http://schemas.microsoft.com/office/drawing/2014/main" id="{CFBC4B3D-AD5F-46B9-8B77-1AB7E23BB27F}"/>
-              </a:ext>
-            </a:extLst>
-          </p:cNvPr>
-          <p:cNvPicPr>
-            <a:picLocks noChangeAspect="1"/>
-          </p:cNvPicPr>
-          <p:nvPr/>
-        </p:nvPicPr>
-        <p:blipFill rotWithShape="1">
-          <a:blip r:embed="rId5">
-            <a:extLst>
-              <a:ext uri="{28A0092B-C50C-407E-A947-70E740481C1C}">
-                <a14:useLocalDpi xmlns:a14="http://schemas.microsoft.com/office/drawing/2010/main" val="0"/>
-              </a:ext>
-            </a:extLst>
-          </a:blip>
-          <a:srcRect l="6262" t="45553" r="7087" b="26796"/>
-          <a:stretch/>
-        </p:blipFill>
-        <p:spPr>
-          <a:xfrm>
-            <a:off x="1837676" y="3319002"/>
-            <a:ext cx="4669656" cy="358887"/>
-          </a:xfrm>
-          <a:prstGeom prst="rect">
-            <a:avLst/>
-          </a:prstGeom>
-        </p:spPr>
-      </p:pic>
-      <p:pic>
-        <p:nvPicPr>
-          <p:cNvPr id="13" name="Kép 12">
-            <a:extLst>
-              <a:ext uri="{FF2B5EF4-FFF2-40B4-BE49-F238E27FC236}">
-                <a16:creationId xmlns:a16="http://schemas.microsoft.com/office/drawing/2014/main" id="{06CF76F2-04C4-4212-B14D-640CC8D24FA2}"/>
-              </a:ext>
-            </a:extLst>
-          </p:cNvPr>
-          <p:cNvPicPr>
-            <a:picLocks noChangeAspect="1"/>
-          </p:cNvPicPr>
-          <p:nvPr/>
-        </p:nvPicPr>
-        <p:blipFill rotWithShape="1">
-          <a:blip r:embed="rId6">
-            <a:extLst>
-              <a:ext uri="{28A0092B-C50C-407E-A947-70E740481C1C}">
-                <a14:useLocalDpi xmlns:a14="http://schemas.microsoft.com/office/drawing/2010/main" val="0"/>
-              </a:ext>
-            </a:extLst>
-          </a:blip>
-          <a:srcRect l="5825" t="45842" r="6068" b="27659"/>
-          <a:stretch/>
-        </p:blipFill>
-        <p:spPr>
-          <a:xfrm>
-            <a:off x="1837676" y="3717625"/>
-            <a:ext cx="6764123" cy="441425"/>
-          </a:xfrm>
-          <a:prstGeom prst="rect">
-            <a:avLst/>
-          </a:prstGeom>
-        </p:spPr>
-      </p:pic>
-      <p:pic>
-        <p:nvPicPr>
-          <p:cNvPr id="15" name="Kép 14">
-            <a:extLst>
-              <a:ext uri="{FF2B5EF4-FFF2-40B4-BE49-F238E27FC236}">
-                <a16:creationId xmlns:a16="http://schemas.microsoft.com/office/drawing/2014/main" id="{3C08D3F5-73F7-48FD-B4AB-B5E0C5196238}"/>
-              </a:ext>
-            </a:extLst>
-          </p:cNvPr>
-          <p:cNvPicPr>
-            <a:picLocks noChangeAspect="1"/>
-          </p:cNvPicPr>
-          <p:nvPr/>
-        </p:nvPicPr>
-        <p:blipFill rotWithShape="1">
-          <a:blip r:embed="rId7">
-            <a:extLst>
-              <a:ext uri="{28A0092B-C50C-407E-A947-70E740481C1C}">
-                <a14:useLocalDpi xmlns:a14="http://schemas.microsoft.com/office/drawing/2010/main" val="0"/>
-              </a:ext>
-            </a:extLst>
-          </a:blip>
-          <a:srcRect l="4660" t="41100" r="4684" b="32455"/>
-          <a:stretch/>
-        </p:blipFill>
-        <p:spPr>
-          <a:xfrm>
-            <a:off x="1837676" y="4810082"/>
-            <a:ext cx="7462498" cy="395263"/>
-          </a:xfrm>
-          <a:prstGeom prst="rect">
-            <a:avLst/>
-          </a:prstGeom>
-        </p:spPr>
-      </p:pic>
-      <p:pic>
-        <p:nvPicPr>
-          <p:cNvPr id="17" name="Kép 16">
-            <a:extLst>
-              <a:ext uri="{FF2B5EF4-FFF2-40B4-BE49-F238E27FC236}">
-                <a16:creationId xmlns:a16="http://schemas.microsoft.com/office/drawing/2014/main" id="{4CB1CAD1-D228-41E2-92C9-878CD2B198CA}"/>
-              </a:ext>
-            </a:extLst>
-          </p:cNvPr>
-          <p:cNvPicPr>
-            <a:picLocks noChangeAspect="1"/>
-          </p:cNvPicPr>
-          <p:nvPr/>
-        </p:nvPicPr>
-        <p:blipFill rotWithShape="1">
-          <a:blip r:embed="rId8">
-            <a:extLst>
-              <a:ext uri="{28A0092B-C50C-407E-A947-70E740481C1C}">
-                <a14:useLocalDpi xmlns:a14="http://schemas.microsoft.com/office/drawing/2010/main" val="0"/>
-              </a:ext>
-            </a:extLst>
-          </a:blip>
-          <a:srcRect l="10360" t="33654" r="12560" b="20650"/>
-          <a:stretch/>
-        </p:blipFill>
-        <p:spPr>
-          <a:xfrm>
-            <a:off x="1837676" y="5231819"/>
-            <a:ext cx="4392085" cy="1511111"/>
-          </a:xfrm>
-          <a:prstGeom prst="rect">
-            <a:avLst/>
-          </a:prstGeom>
-        </p:spPr>
-      </p:pic>
-      <p:pic>
-        <p:nvPicPr>
-          <p:cNvPr id="19" name="Kép 18">
-            <a:extLst>
-              <a:ext uri="{FF2B5EF4-FFF2-40B4-BE49-F238E27FC236}">
-                <a16:creationId xmlns:a16="http://schemas.microsoft.com/office/drawing/2014/main" id="{4DD25FA8-CB1D-40D2-ACA2-AECF75B46714}"/>
-              </a:ext>
-            </a:extLst>
-          </p:cNvPr>
-          <p:cNvPicPr>
-            <a:picLocks noChangeAspect="1"/>
-          </p:cNvPicPr>
-          <p:nvPr/>
-        </p:nvPicPr>
-        <p:blipFill rotWithShape="1">
-          <a:blip r:embed="rId9">
-            <a:extLst>
-              <a:ext uri="{28A0092B-C50C-407E-A947-70E740481C1C}">
-                <a14:useLocalDpi xmlns:a14="http://schemas.microsoft.com/office/drawing/2010/main" val="0"/>
-              </a:ext>
-            </a:extLst>
-          </a:blip>
-          <a:srcRect l="9972" t="33654" r="11437" b="20509"/>
-          <a:stretch/>
-        </p:blipFill>
-        <p:spPr>
-          <a:xfrm>
-            <a:off x="6279769" y="5231819"/>
-            <a:ext cx="4544050" cy="1511110"/>
-          </a:xfrm>
-          <a:prstGeom prst="rect">
-            <a:avLst/>
-          </a:prstGeom>
-        </p:spPr>
-      </p:pic>
-    </p:spTree>
-    <p:extLst>
-      <p:ext uri="{BB962C8B-B14F-4D97-AF65-F5344CB8AC3E}">
-        <p14:creationId xmlns:p14="http://schemas.microsoft.com/office/powerpoint/2010/main" val="3434340789"/>
       </p:ext>
     </p:extLst>
   </p:cSld>
@@ -4392,6 +5442,1315 @@
       </p:grpSpPr>
       <p:sp>
         <p:nvSpPr>
+          <p:cNvPr id="3" name="Tartalom helye 2">
+            <a:extLst>
+              <a:ext uri="{FF2B5EF4-FFF2-40B4-BE49-F238E27FC236}">
+                <a16:creationId xmlns:a16="http://schemas.microsoft.com/office/drawing/2014/main" id="{24A088BF-4719-4B94-A607-B102767053DE}"/>
+              </a:ext>
+            </a:extLst>
+          </p:cNvPr>
+          <p:cNvSpPr>
+            <a:spLocks noGrp="1"/>
+          </p:cNvSpPr>
+          <p:nvPr>
+            <p:ph idx="1"/>
+          </p:nvPr>
+        </p:nvSpPr>
+        <p:spPr>
+          <a:xfrm>
+            <a:off x="904672" y="1776817"/>
+            <a:ext cx="10498690" cy="4820119"/>
+          </a:xfrm>
+        </p:spPr>
+        <p:txBody>
+          <a:bodyPr/>
+          <a:lstStyle/>
+          <a:p>
+            <a:pPr marL="0" indent="0">
+              <a:buNone/>
+            </a:pPr>
+            <a:r>
+              <a:rPr lang="hu-HU" b="1" dirty="0"/>
+              <a:t>4. Feladat: </a:t>
+            </a:r>
+            <a:br>
+              <a:rPr lang="hu-HU" dirty="0"/>
+            </a:br>
+            <a:r>
+              <a:rPr lang="hu-HU" dirty="0"/>
+              <a:t>Adja meg, mennyi idő telt el az első </a:t>
+            </a:r>
+            <a:br>
+              <a:rPr lang="hu-HU" dirty="0"/>
+            </a:br>
+            <a:r>
+              <a:rPr lang="hu-HU" dirty="0"/>
+              <a:t>és az utolsó észlelés között! </a:t>
+            </a:r>
+            <a:br>
+              <a:rPr lang="hu-HU" dirty="0"/>
+            </a:br>
+            <a:r>
+              <a:rPr lang="hu-HU" dirty="0"/>
+              <a:t>Az időt </a:t>
+            </a:r>
+            <a:r>
+              <a:rPr lang="hu-HU" dirty="0" err="1">
+                <a:latin typeface="Cascadia Mono Light" panose="020B0609020000020004" pitchFamily="49" charset="0"/>
+                <a:cs typeface="Cascadia Mono Light" panose="020B0609020000020004" pitchFamily="49" charset="0"/>
+              </a:rPr>
+              <a:t>óra:perc:másodperc</a:t>
+            </a:r>
+            <a:r>
+              <a:rPr lang="hu-HU" dirty="0">
+                <a:latin typeface="Cascadia Mono Light" panose="020B0609020000020004" pitchFamily="49" charset="0"/>
+                <a:cs typeface="Cascadia Mono Light" panose="020B0609020000020004" pitchFamily="49" charset="0"/>
+              </a:rPr>
+              <a:t> </a:t>
+            </a:r>
+            <a:br>
+              <a:rPr lang="hu-HU" dirty="0">
+                <a:latin typeface="Cascadia Mono Light" panose="020B0609020000020004" pitchFamily="49" charset="0"/>
+                <a:cs typeface="Cascadia Mono Light" panose="020B0609020000020004" pitchFamily="49" charset="0"/>
+              </a:rPr>
+            </a:br>
+            <a:r>
+              <a:rPr lang="hu-HU" dirty="0"/>
+              <a:t>alakban írja a képernyőre! </a:t>
+            </a:r>
+          </a:p>
+          <a:p>
+            <a:endParaRPr lang="hu-HU" dirty="0"/>
+          </a:p>
+          <a:p>
+            <a:endParaRPr lang="hu-HU" dirty="0"/>
+          </a:p>
+          <a:p>
+            <a:endParaRPr lang="hu-HU" dirty="0"/>
+          </a:p>
+          <a:p>
+            <a:endParaRPr lang="hu-HU" dirty="0"/>
+          </a:p>
+          <a:p>
+            <a:pPr marL="0" indent="0" algn="r">
+              <a:buNone/>
+            </a:pPr>
+            <a:r>
+              <a:rPr lang="hu-HU" b="1" dirty="0"/>
+              <a:t>5. feladat: </a:t>
+            </a:r>
+            <a:br>
+              <a:rPr lang="hu-HU" b="1" dirty="0"/>
+            </a:br>
+            <a:r>
+              <a:rPr lang="hu-HU" dirty="0"/>
+              <a:t>Határozza meg azt a legkisebb, a koordináta-rendszer tengelyeivel</a:t>
+            </a:r>
+            <a:br>
+              <a:rPr lang="hu-HU" dirty="0"/>
+            </a:br>
+            <a:r>
+              <a:rPr lang="hu-HU" dirty="0"/>
+              <a:t>párhuzamos oldalú téglalapot, amelyből nem lépett ki a jeladó!</a:t>
+            </a:r>
+          </a:p>
+          <a:p>
+            <a:endParaRPr lang="hu-HU" dirty="0"/>
+          </a:p>
+        </p:txBody>
+      </p:sp>
+      <p:pic>
+        <p:nvPicPr>
+          <p:cNvPr id="15" name="Kép 14">
+            <a:extLst>
+              <a:ext uri="{FF2B5EF4-FFF2-40B4-BE49-F238E27FC236}">
+                <a16:creationId xmlns:a16="http://schemas.microsoft.com/office/drawing/2014/main" id="{3C08D3F5-73F7-48FD-B4AB-B5E0C5196238}"/>
+              </a:ext>
+            </a:extLst>
+          </p:cNvPr>
+          <p:cNvPicPr>
+            <a:picLocks noChangeAspect="1"/>
+          </p:cNvPicPr>
+          <p:nvPr/>
+        </p:nvPicPr>
+        <p:blipFill rotWithShape="1">
+          <a:blip r:embed="rId2">
+            <a:extLst>
+              <a:ext uri="{28A0092B-C50C-407E-A947-70E740481C1C}">
+                <a14:useLocalDpi xmlns:a14="http://schemas.microsoft.com/office/drawing/2010/main" val="0"/>
+              </a:ext>
+            </a:extLst>
+          </a:blip>
+          <a:srcRect l="4660" t="41100" r="4684" b="32455"/>
+          <a:stretch/>
+        </p:blipFill>
+        <p:spPr>
+          <a:xfrm>
+            <a:off x="788638" y="5869781"/>
+            <a:ext cx="9699588" cy="513754"/>
+          </a:xfrm>
+          <a:prstGeom prst="roundRect">
+            <a:avLst>
+              <a:gd name="adj" fmla="val 8594"/>
+            </a:avLst>
+          </a:prstGeom>
+          <a:solidFill>
+            <a:srgbClr val="FFFFFF">
+              <a:shade val="85000"/>
+            </a:srgbClr>
+          </a:solidFill>
+          <a:ln>
+            <a:noFill/>
+          </a:ln>
+          <a:effectLst>
+            <a:reflection blurRad="12700" stA="38000" endPos="28000" dist="5000" dir="5400000" sy="-100000" algn="bl" rotWithShape="0"/>
+          </a:effectLst>
+        </p:spPr>
+      </p:pic>
+      <p:pic>
+        <p:nvPicPr>
+          <p:cNvPr id="17" name="Kép 16">
+            <a:extLst>
+              <a:ext uri="{FF2B5EF4-FFF2-40B4-BE49-F238E27FC236}">
+                <a16:creationId xmlns:a16="http://schemas.microsoft.com/office/drawing/2014/main" id="{4CB1CAD1-D228-41E2-92C9-878CD2B198CA}"/>
+              </a:ext>
+            </a:extLst>
+          </p:cNvPr>
+          <p:cNvPicPr>
+            <a:picLocks noChangeAspect="1"/>
+          </p:cNvPicPr>
+          <p:nvPr/>
+        </p:nvPicPr>
+        <p:blipFill rotWithShape="1">
+          <a:blip r:embed="rId3">
+            <a:extLst>
+              <a:ext uri="{28A0092B-C50C-407E-A947-70E740481C1C}">
+                <a14:useLocalDpi xmlns:a14="http://schemas.microsoft.com/office/drawing/2010/main" val="0"/>
+              </a:ext>
+            </a:extLst>
+          </a:blip>
+          <a:srcRect l="10360" t="33654" r="12560" b="20650"/>
+          <a:stretch/>
+        </p:blipFill>
+        <p:spPr>
+          <a:xfrm>
+            <a:off x="788638" y="3481438"/>
+            <a:ext cx="3572262" cy="1229048"/>
+          </a:xfrm>
+          <a:prstGeom prst="roundRect">
+            <a:avLst>
+              <a:gd name="adj" fmla="val 8594"/>
+            </a:avLst>
+          </a:prstGeom>
+          <a:solidFill>
+            <a:srgbClr val="FFFFFF">
+              <a:shade val="85000"/>
+            </a:srgbClr>
+          </a:solidFill>
+          <a:ln>
+            <a:noFill/>
+          </a:ln>
+          <a:effectLst>
+            <a:reflection blurRad="12700" stA="38000" endPos="28000" dist="5000" dir="5400000" sy="-100000" algn="bl" rotWithShape="0"/>
+          </a:effectLst>
+        </p:spPr>
+      </p:pic>
+      <p:pic>
+        <p:nvPicPr>
+          <p:cNvPr id="19" name="Kép 18">
+            <a:extLst>
+              <a:ext uri="{FF2B5EF4-FFF2-40B4-BE49-F238E27FC236}">
+                <a16:creationId xmlns:a16="http://schemas.microsoft.com/office/drawing/2014/main" id="{4DD25FA8-CB1D-40D2-ACA2-AECF75B46714}"/>
+              </a:ext>
+            </a:extLst>
+          </p:cNvPr>
+          <p:cNvPicPr>
+            <a:picLocks noChangeAspect="1"/>
+          </p:cNvPicPr>
+          <p:nvPr/>
+        </p:nvPicPr>
+        <p:blipFill rotWithShape="1">
+          <a:blip r:embed="rId4">
+            <a:extLst>
+              <a:ext uri="{28A0092B-C50C-407E-A947-70E740481C1C}">
+                <a14:useLocalDpi xmlns:a14="http://schemas.microsoft.com/office/drawing/2010/main" val="0"/>
+              </a:ext>
+            </a:extLst>
+          </a:blip>
+          <a:srcRect l="9972" t="33654" r="11437" b="20509"/>
+          <a:stretch/>
+        </p:blipFill>
+        <p:spPr>
+          <a:xfrm>
+            <a:off x="788638" y="4681836"/>
+            <a:ext cx="3572262" cy="1187945"/>
+          </a:xfrm>
+          <a:prstGeom prst="roundRect">
+            <a:avLst>
+              <a:gd name="adj" fmla="val 8594"/>
+            </a:avLst>
+          </a:prstGeom>
+          <a:solidFill>
+            <a:srgbClr val="FFFFFF">
+              <a:shade val="85000"/>
+            </a:srgbClr>
+          </a:solidFill>
+          <a:ln>
+            <a:noFill/>
+          </a:ln>
+          <a:effectLst>
+            <a:reflection blurRad="12700" stA="38000" endPos="28000" dist="5000" dir="5400000" sy="-100000" algn="bl" rotWithShape="0"/>
+          </a:effectLst>
+        </p:spPr>
+      </p:pic>
+      <p:pic>
+        <p:nvPicPr>
+          <p:cNvPr id="6" name="Kép 5">
+            <a:extLst>
+              <a:ext uri="{FF2B5EF4-FFF2-40B4-BE49-F238E27FC236}">
+                <a16:creationId xmlns:a16="http://schemas.microsoft.com/office/drawing/2014/main" id="{6564C7BC-54F6-F6C3-F3EB-ADD9A1090612}"/>
+              </a:ext>
+            </a:extLst>
+          </p:cNvPr>
+          <p:cNvPicPr>
+            <a:picLocks noChangeAspect="1"/>
+          </p:cNvPicPr>
+          <p:nvPr/>
+        </p:nvPicPr>
+        <p:blipFill rotWithShape="1">
+          <a:blip r:embed="rId5">
+            <a:extLst>
+              <a:ext uri="{28A0092B-C50C-407E-A947-70E740481C1C}">
+                <a14:useLocalDpi xmlns:a14="http://schemas.microsoft.com/office/drawing/2010/main" val="0"/>
+              </a:ext>
+            </a:extLst>
+          </a:blip>
+          <a:srcRect l="5357" t="19594" r="6199" b="11818"/>
+          <a:stretch/>
+        </p:blipFill>
+        <p:spPr>
+          <a:xfrm>
+            <a:off x="5819405" y="1776817"/>
+            <a:ext cx="5583957" cy="2182903"/>
+          </a:xfrm>
+          <a:prstGeom prst="roundRect">
+            <a:avLst>
+              <a:gd name="adj" fmla="val 8594"/>
+            </a:avLst>
+          </a:prstGeom>
+          <a:solidFill>
+            <a:srgbClr val="FFFFFF">
+              <a:shade val="85000"/>
+            </a:srgbClr>
+          </a:solidFill>
+          <a:ln>
+            <a:noFill/>
+          </a:ln>
+          <a:effectLst>
+            <a:reflection blurRad="12700" stA="38000" endPos="28000" dist="5000" dir="5400000" sy="-100000" algn="bl" rotWithShape="0"/>
+          </a:effectLst>
+        </p:spPr>
+      </p:pic>
+      <p:pic>
+        <p:nvPicPr>
+          <p:cNvPr id="5" name="Kép 4">
+            <a:extLst>
+              <a:ext uri="{FF2B5EF4-FFF2-40B4-BE49-F238E27FC236}">
+                <a16:creationId xmlns:a16="http://schemas.microsoft.com/office/drawing/2014/main" id="{82960264-8A58-41C3-994D-381F2873EEFE}"/>
+              </a:ext>
+            </a:extLst>
+          </p:cNvPr>
+          <p:cNvPicPr>
+            <a:picLocks noChangeAspect="1"/>
+          </p:cNvPicPr>
+          <p:nvPr/>
+        </p:nvPicPr>
+        <p:blipFill rotWithShape="1">
+          <a:blip r:embed="rId6">
+            <a:extLst>
+              <a:ext uri="{28A0092B-C50C-407E-A947-70E740481C1C}">
+                <a14:useLocalDpi xmlns:a14="http://schemas.microsoft.com/office/drawing/2010/main" val="0"/>
+              </a:ext>
+            </a:extLst>
+          </a:blip>
+          <a:srcRect l="5461" t="47027" r="5704" b="27156"/>
+          <a:stretch/>
+        </p:blipFill>
+        <p:spPr>
+          <a:xfrm>
+            <a:off x="4360900" y="3911205"/>
+            <a:ext cx="7042462" cy="513754"/>
+          </a:xfrm>
+          <a:prstGeom prst="roundRect">
+            <a:avLst>
+              <a:gd name="adj" fmla="val 8594"/>
+            </a:avLst>
+          </a:prstGeom>
+          <a:solidFill>
+            <a:srgbClr val="FFFFFF">
+              <a:shade val="85000"/>
+            </a:srgbClr>
+          </a:solidFill>
+          <a:ln>
+            <a:noFill/>
+          </a:ln>
+          <a:effectLst>
+            <a:reflection blurRad="12700" stA="38000" endPos="28000" dist="5000" dir="5400000" sy="-100000" algn="bl" rotWithShape="0"/>
+          </a:effectLst>
+        </p:spPr>
+      </p:pic>
+      <p:sp>
+        <p:nvSpPr>
+          <p:cNvPr id="8" name="Cím 1">
+            <a:extLst>
+              <a:ext uri="{FF2B5EF4-FFF2-40B4-BE49-F238E27FC236}">
+                <a16:creationId xmlns:a16="http://schemas.microsoft.com/office/drawing/2014/main" id="{C6372AEA-E81C-DC4B-C620-011281D4FAF7}"/>
+              </a:ext>
+            </a:extLst>
+          </p:cNvPr>
+          <p:cNvSpPr txBox="1">
+            <a:spLocks/>
+          </p:cNvSpPr>
+          <p:nvPr/>
+        </p:nvSpPr>
+        <p:spPr bwMode="black">
+          <a:xfrm>
+            <a:off x="2231136" y="377301"/>
+            <a:ext cx="7729728" cy="1188720"/>
+          </a:xfrm>
+          <a:prstGeom prst="rect">
+            <a:avLst/>
+          </a:prstGeom>
+          <a:solidFill>
+            <a:srgbClr val="FFFFFF"/>
+          </a:solidFill>
+          <a:ln w="31750" cap="sq">
+            <a:solidFill>
+              <a:srgbClr val="404040"/>
+            </a:solidFill>
+            <a:miter lim="800000"/>
+          </a:ln>
+        </p:spPr>
+        <p:txBody>
+          <a:bodyPr vert="horz" lIns="182880" tIns="182880" rIns="182880" bIns="182880" rtlCol="0" anchor="ctr">
+            <a:normAutofit/>
+          </a:bodyPr>
+          <a:lstStyle>
+            <a:lvl1pPr algn="ctr" defTabSz="914400" rtl="0" eaLnBrk="1" latinLnBrk="0" hangingPunct="1">
+              <a:lnSpc>
+                <a:spcPct val="90000"/>
+              </a:lnSpc>
+              <a:spcBef>
+                <a:spcPct val="0"/>
+              </a:spcBef>
+              <a:buNone/>
+              <a:defRPr sz="2800" kern="1200" cap="all" spc="200" baseline="0">
+                <a:solidFill>
+                  <a:srgbClr val="262626"/>
+                </a:solidFill>
+                <a:latin typeface="+mj-lt"/>
+                <a:ea typeface="+mj-ea"/>
+                <a:cs typeface="+mj-cs"/>
+              </a:defRPr>
+            </a:lvl1pPr>
+          </a:lstStyle>
+          <a:p>
+            <a:r>
+              <a:rPr lang="hu-HU"/>
+              <a:t>Feladatok megvalósítása</a:t>
+            </a:r>
+            <a:endParaRPr lang="hu-HU" dirty="0"/>
+          </a:p>
+        </p:txBody>
+      </p:sp>
+    </p:spTree>
+    <p:extLst>
+      <p:ext uri="{BB962C8B-B14F-4D97-AF65-F5344CB8AC3E}">
+        <p14:creationId xmlns:p14="http://schemas.microsoft.com/office/powerpoint/2010/main" val="3434340789"/>
+      </p:ext>
+    </p:extLst>
+  </p:cSld>
+  <p:clrMapOvr>
+    <a:masterClrMapping/>
+  </p:clrMapOvr>
+</p:sld>
+</file>
+
+<file path=ppt/slides/slide7.xml><?xml version="1.0" encoding="utf-8"?>
+<p:sld xmlns:a="http://schemas.openxmlformats.org/drawingml/2006/main" xmlns:r="http://schemas.openxmlformats.org/officeDocument/2006/relationships" xmlns:p="http://schemas.openxmlformats.org/presentationml/2006/main">
+  <p:cSld>
+    <p:spTree>
+      <p:nvGrpSpPr>
+        <p:cNvPr id="1" name=""/>
+        <p:cNvGrpSpPr/>
+        <p:nvPr/>
+      </p:nvGrpSpPr>
+      <p:grpSpPr>
+        <a:xfrm>
+          <a:off x="0" y="0"/>
+          <a:ext cx="0" cy="0"/>
+          <a:chOff x="0" y="0"/>
+          <a:chExt cx="0" cy="0"/>
+        </a:xfrm>
+      </p:grpSpPr>
+      <mc:AlternateContent xmlns:mc="http://schemas.openxmlformats.org/markup-compatibility/2006">
+        <mc:Choice xmlns:a14="http://schemas.microsoft.com/office/drawing/2010/main" Requires="a14">
+          <p:sp>
+            <p:nvSpPr>
+              <p:cNvPr id="3" name="Tartalom helye 2">
+                <a:extLst>
+                  <a:ext uri="{FF2B5EF4-FFF2-40B4-BE49-F238E27FC236}">
+                    <a16:creationId xmlns:a16="http://schemas.microsoft.com/office/drawing/2014/main" id="{24A088BF-4719-4B94-A607-B102767053DE}"/>
+                  </a:ext>
+                </a:extLst>
+              </p:cNvPr>
+              <p:cNvSpPr>
+                <a:spLocks noGrp="1"/>
+              </p:cNvSpPr>
+              <p:nvPr>
+                <p:ph idx="1"/>
+              </p:nvPr>
+            </p:nvSpPr>
+            <p:spPr>
+              <a:xfrm>
+                <a:off x="771525" y="1776817"/>
+                <a:ext cx="10631837" cy="4820119"/>
+              </a:xfrm>
+            </p:spPr>
+            <p:txBody>
+              <a:bodyPr/>
+              <a:lstStyle/>
+              <a:p>
+                <a:pPr marL="0" indent="0">
+                  <a:spcBef>
+                    <a:spcPts val="0"/>
+                  </a:spcBef>
+                  <a:buNone/>
+                </a:pPr>
+                <a:r>
+                  <a:rPr lang="hu-HU" b="1" dirty="0"/>
+                  <a:t>6. Feladat:</a:t>
+                </a:r>
+              </a:p>
+              <a:p>
+                <a:pPr marL="0" indent="0" algn="just">
+                  <a:spcBef>
+                    <a:spcPts val="0"/>
+                  </a:spcBef>
+                  <a:buNone/>
+                </a:pPr>
+                <a:r>
+                  <a:rPr lang="hu-HU" dirty="0"/>
+                  <a:t>Írja a képernyőre, hogy mennyi volt a jeladó elmozdulásainak összege! Úgy tekintjük, hogy a jeladó két pozíciója közötti elmozdulása a pozíciókat összekötő egyenes mentén történt. Az összeget három tizedes pontossággal jelenítse meg! A kiírásnál a tizedesvessző és tizedespont kiírása is elfogadott.  Az i-</a:t>
+                </a:r>
+                <a:r>
+                  <a:rPr lang="hu-HU" dirty="0" err="1"/>
+                  <a:t>edik</a:t>
+                </a:r>
+                <a:r>
+                  <a:rPr lang="hu-HU" dirty="0"/>
+                  <a:t> és az i+1-edik pontok távolságát a </a:t>
+                </a:r>
+                <a14:m>
+                  <m:oMath xmlns:m="http://schemas.openxmlformats.org/officeDocument/2006/math">
+                    <m:rad>
+                      <m:radPr>
+                        <m:degHide m:val="on"/>
+                        <m:ctrlPr>
+                          <a:rPr lang="hu-HU" i="1" dirty="0" smtClean="0">
+                            <a:solidFill>
+                              <a:schemeClr val="tx1"/>
+                            </a:solidFill>
+                            <a:latin typeface="Cambria Math" panose="02040503050406030204" pitchFamily="18" charset="0"/>
+                          </a:rPr>
+                        </m:ctrlPr>
+                      </m:radPr>
+                      <m:deg/>
+                      <m:e>
+                        <m:sSup>
+                          <m:sSupPr>
+                            <m:ctrlPr>
+                              <a:rPr lang="hu-HU" i="1" dirty="0">
+                                <a:solidFill>
+                                  <a:schemeClr val="tx1"/>
+                                </a:solidFill>
+                                <a:latin typeface="Cambria Math" panose="02040503050406030204" pitchFamily="18" charset="0"/>
+                              </a:rPr>
+                            </m:ctrlPr>
+                          </m:sSupPr>
+                          <m:e>
+                            <m:d>
+                              <m:dPr>
+                                <m:ctrlPr>
+                                  <a:rPr lang="hu-HU" i="1" dirty="0">
+                                    <a:solidFill>
+                                      <a:schemeClr val="tx1"/>
+                                    </a:solidFill>
+                                    <a:latin typeface="Cambria Math" panose="02040503050406030204" pitchFamily="18" charset="0"/>
+                                  </a:rPr>
+                                </m:ctrlPr>
+                              </m:dPr>
+                              <m:e>
+                                <m:sSub>
+                                  <m:sSubPr>
+                                    <m:ctrlPr>
+                                      <a:rPr lang="hu-HU" i="1" dirty="0">
+                                        <a:solidFill>
+                                          <a:schemeClr val="tx1"/>
+                                        </a:solidFill>
+                                        <a:latin typeface="Cambria Math" panose="02040503050406030204" pitchFamily="18" charset="0"/>
+                                      </a:rPr>
+                                    </m:ctrlPr>
+                                  </m:sSubPr>
+                                  <m:e>
+                                    <m:r>
+                                      <a:rPr lang="hu-HU" i="1" dirty="0">
+                                        <a:solidFill>
+                                          <a:schemeClr val="tx1"/>
+                                        </a:solidFill>
+                                        <a:latin typeface="Cambria Math" panose="02040503050406030204" pitchFamily="18" charset="0"/>
+                                      </a:rPr>
+                                      <m:t>𝑥</m:t>
+                                    </m:r>
+                                  </m:e>
+                                  <m:sub>
+                                    <m:r>
+                                      <a:rPr lang="hu-HU" i="1" dirty="0">
+                                        <a:solidFill>
+                                          <a:schemeClr val="tx1"/>
+                                        </a:solidFill>
+                                        <a:latin typeface="Cambria Math" panose="02040503050406030204" pitchFamily="18" charset="0"/>
+                                      </a:rPr>
+                                      <m:t>𝑖</m:t>
+                                    </m:r>
+                                  </m:sub>
+                                </m:sSub>
+                                <m:r>
+                                  <a:rPr lang="hu-HU" dirty="0">
+                                    <a:solidFill>
+                                      <a:schemeClr val="tx1"/>
+                                    </a:solidFill>
+                                    <a:latin typeface="Cambria Math" panose="02040503050406030204" pitchFamily="18" charset="0"/>
+                                  </a:rPr>
+                                  <m:t>−</m:t>
+                                </m:r>
+                                <m:sSub>
+                                  <m:sSubPr>
+                                    <m:ctrlPr>
+                                      <a:rPr lang="hu-HU" i="1" dirty="0">
+                                        <a:solidFill>
+                                          <a:schemeClr val="tx1"/>
+                                        </a:solidFill>
+                                        <a:latin typeface="Cambria Math" panose="02040503050406030204" pitchFamily="18" charset="0"/>
+                                      </a:rPr>
+                                    </m:ctrlPr>
+                                  </m:sSubPr>
+                                  <m:e>
+                                    <m:r>
+                                      <a:rPr lang="hu-HU" i="1" dirty="0">
+                                        <a:solidFill>
+                                          <a:schemeClr val="tx1"/>
+                                        </a:solidFill>
+                                        <a:latin typeface="Cambria Math" panose="02040503050406030204" pitchFamily="18" charset="0"/>
+                                      </a:rPr>
+                                      <m:t>𝑥</m:t>
+                                    </m:r>
+                                  </m:e>
+                                  <m:sub>
+                                    <m:r>
+                                      <a:rPr lang="hu-HU" i="1" dirty="0">
+                                        <a:solidFill>
+                                          <a:schemeClr val="tx1"/>
+                                        </a:solidFill>
+                                        <a:latin typeface="Cambria Math" panose="02040503050406030204" pitchFamily="18" charset="0"/>
+                                      </a:rPr>
+                                      <m:t>𝑖</m:t>
+                                    </m:r>
+                                    <m:r>
+                                      <a:rPr lang="hu-HU" dirty="0">
+                                        <a:solidFill>
+                                          <a:schemeClr val="tx1"/>
+                                        </a:solidFill>
+                                        <a:latin typeface="Cambria Math" panose="02040503050406030204" pitchFamily="18" charset="0"/>
+                                      </a:rPr>
+                                      <m:t>+</m:t>
+                                    </m:r>
+                                    <m:r>
+                                      <a:rPr lang="hu-HU" dirty="0">
+                                        <a:solidFill>
+                                          <a:schemeClr val="tx1"/>
+                                        </a:solidFill>
+                                        <a:latin typeface="Cambria Math" panose="02040503050406030204" pitchFamily="18" charset="0"/>
+                                      </a:rPr>
+                                      <m:t>1</m:t>
+                                    </m:r>
+                                  </m:sub>
+                                </m:sSub>
+                              </m:e>
+                            </m:d>
+                          </m:e>
+                          <m:sup>
+                            <m:r>
+                              <a:rPr lang="hu-HU" dirty="0">
+                                <a:solidFill>
+                                  <a:schemeClr val="tx1"/>
+                                </a:solidFill>
+                                <a:latin typeface="Cambria Math" panose="02040503050406030204" pitchFamily="18" charset="0"/>
+                              </a:rPr>
+                              <m:t>2</m:t>
+                            </m:r>
+                          </m:sup>
+                        </m:sSup>
+                        <m:r>
+                          <a:rPr lang="hu-HU" b="0" i="1" dirty="0" smtClean="0">
+                            <a:solidFill>
+                              <a:schemeClr val="tx1"/>
+                            </a:solidFill>
+                            <a:latin typeface="Cambria Math" panose="02040503050406030204" pitchFamily="18" charset="0"/>
+                          </a:rPr>
+                          <m:t>+</m:t>
+                        </m:r>
+                        <m:sSup>
+                          <m:sSupPr>
+                            <m:ctrlPr>
+                              <a:rPr lang="hu-HU" i="1" dirty="0">
+                                <a:solidFill>
+                                  <a:schemeClr val="tx1"/>
+                                </a:solidFill>
+                                <a:latin typeface="Cambria Math" panose="02040503050406030204" pitchFamily="18" charset="0"/>
+                              </a:rPr>
+                            </m:ctrlPr>
+                          </m:sSupPr>
+                          <m:e>
+                            <m:d>
+                              <m:dPr>
+                                <m:ctrlPr>
+                                  <a:rPr lang="hu-HU" i="1" dirty="0">
+                                    <a:solidFill>
+                                      <a:schemeClr val="tx1"/>
+                                    </a:solidFill>
+                                    <a:latin typeface="Cambria Math" panose="02040503050406030204" pitchFamily="18" charset="0"/>
+                                  </a:rPr>
+                                </m:ctrlPr>
+                              </m:dPr>
+                              <m:e>
+                                <m:sSub>
+                                  <m:sSubPr>
+                                    <m:ctrlPr>
+                                      <a:rPr lang="hu-HU" i="1" dirty="0">
+                                        <a:solidFill>
+                                          <a:schemeClr val="tx1"/>
+                                        </a:solidFill>
+                                        <a:latin typeface="Cambria Math" panose="02040503050406030204" pitchFamily="18" charset="0"/>
+                                      </a:rPr>
+                                    </m:ctrlPr>
+                                  </m:sSubPr>
+                                  <m:e>
+                                    <m:r>
+                                      <a:rPr lang="hu-HU" b="0" i="1" dirty="0" smtClean="0">
+                                        <a:solidFill>
+                                          <a:schemeClr val="tx1"/>
+                                        </a:solidFill>
+                                        <a:latin typeface="Cambria Math" panose="02040503050406030204" pitchFamily="18" charset="0"/>
+                                      </a:rPr>
+                                      <m:t>𝑦</m:t>
+                                    </m:r>
+                                  </m:e>
+                                  <m:sub>
+                                    <m:r>
+                                      <a:rPr lang="hu-HU" i="1" dirty="0">
+                                        <a:solidFill>
+                                          <a:schemeClr val="tx1"/>
+                                        </a:solidFill>
+                                        <a:latin typeface="Cambria Math" panose="02040503050406030204" pitchFamily="18" charset="0"/>
+                                      </a:rPr>
+                                      <m:t>𝑖</m:t>
+                                    </m:r>
+                                  </m:sub>
+                                </m:sSub>
+                                <m:r>
+                                  <a:rPr lang="hu-HU" dirty="0">
+                                    <a:solidFill>
+                                      <a:schemeClr val="tx1"/>
+                                    </a:solidFill>
+                                    <a:latin typeface="Cambria Math" panose="02040503050406030204" pitchFamily="18" charset="0"/>
+                                  </a:rPr>
+                                  <m:t>−</m:t>
+                                </m:r>
+                                <m:sSub>
+                                  <m:sSubPr>
+                                    <m:ctrlPr>
+                                      <a:rPr lang="hu-HU" i="1" dirty="0">
+                                        <a:solidFill>
+                                          <a:schemeClr val="tx1"/>
+                                        </a:solidFill>
+                                        <a:latin typeface="Cambria Math" panose="02040503050406030204" pitchFamily="18" charset="0"/>
+                                      </a:rPr>
+                                    </m:ctrlPr>
+                                  </m:sSubPr>
+                                  <m:e>
+                                    <m:r>
+                                      <a:rPr lang="hu-HU" b="0" i="1" dirty="0" smtClean="0">
+                                        <a:solidFill>
+                                          <a:schemeClr val="tx1"/>
+                                        </a:solidFill>
+                                        <a:latin typeface="Cambria Math" panose="02040503050406030204" pitchFamily="18" charset="0"/>
+                                      </a:rPr>
+                                      <m:t>𝑦</m:t>
+                                    </m:r>
+                                  </m:e>
+                                  <m:sub>
+                                    <m:r>
+                                      <a:rPr lang="hu-HU" i="1" dirty="0">
+                                        <a:solidFill>
+                                          <a:schemeClr val="tx1"/>
+                                        </a:solidFill>
+                                        <a:latin typeface="Cambria Math" panose="02040503050406030204" pitchFamily="18" charset="0"/>
+                                      </a:rPr>
+                                      <m:t>𝑖</m:t>
+                                    </m:r>
+                                    <m:r>
+                                      <a:rPr lang="hu-HU" dirty="0">
+                                        <a:solidFill>
+                                          <a:schemeClr val="tx1"/>
+                                        </a:solidFill>
+                                        <a:latin typeface="Cambria Math" panose="02040503050406030204" pitchFamily="18" charset="0"/>
+                                      </a:rPr>
+                                      <m:t>+</m:t>
+                                    </m:r>
+                                    <m:r>
+                                      <a:rPr lang="hu-HU" dirty="0">
+                                        <a:solidFill>
+                                          <a:schemeClr val="tx1"/>
+                                        </a:solidFill>
+                                        <a:latin typeface="Cambria Math" panose="02040503050406030204" pitchFamily="18" charset="0"/>
+                                      </a:rPr>
+                                      <m:t>1</m:t>
+                                    </m:r>
+                                  </m:sub>
+                                </m:sSub>
+                              </m:e>
+                            </m:d>
+                          </m:e>
+                          <m:sup>
+                            <m:r>
+                              <a:rPr lang="hu-HU" dirty="0">
+                                <a:solidFill>
+                                  <a:schemeClr val="tx1"/>
+                                </a:solidFill>
+                                <a:latin typeface="Cambria Math" panose="02040503050406030204" pitchFamily="18" charset="0"/>
+                              </a:rPr>
+                              <m:t>2</m:t>
+                            </m:r>
+                          </m:sup>
+                        </m:sSup>
+                      </m:e>
+                    </m:rad>
+                    <m:r>
+                      <a:rPr lang="hu-HU" i="1" dirty="0">
+                        <a:solidFill>
+                          <a:schemeClr val="tx1"/>
+                        </a:solidFill>
+                        <a:latin typeface="Cambria Math" panose="02040503050406030204" pitchFamily="18" charset="0"/>
+                      </a:rPr>
+                      <m:t> </m:t>
+                    </m:r>
+                  </m:oMath>
+                </a14:m>
+                <a:r>
+                  <a:rPr lang="hu-HU" dirty="0"/>
+                  <a:t>képlet segítségével határozhatja meg. </a:t>
+                </a:r>
+              </a:p>
+              <a:p>
+                <a:pPr marL="0" indent="0">
+                  <a:spcBef>
+                    <a:spcPts val="0"/>
+                  </a:spcBef>
+                  <a:buNone/>
+                </a:pPr>
+                <a:endParaRPr lang="hu-HU" dirty="0"/>
+              </a:p>
+            </p:txBody>
+          </p:sp>
+        </mc:Choice>
+        <mc:Fallback>
+          <p:sp>
+            <p:nvSpPr>
+              <p:cNvPr id="3" name="Tartalom helye 2">
+                <a:extLst>
+                  <a:ext uri="{FF2B5EF4-FFF2-40B4-BE49-F238E27FC236}">
+                    <a16:creationId xmlns:a16="http://schemas.microsoft.com/office/drawing/2014/main" id="{24A088BF-4719-4B94-A607-B102767053DE}"/>
+                  </a:ext>
+                </a:extLst>
+              </p:cNvPr>
+              <p:cNvSpPr>
+                <a:spLocks noGrp="1" noRot="1" noChangeAspect="1" noMove="1" noResize="1" noEditPoints="1" noAdjustHandles="1" noChangeArrowheads="1" noChangeShapeType="1" noTextEdit="1"/>
+              </p:cNvSpPr>
+              <p:nvPr>
+                <p:ph idx="1"/>
+              </p:nvPr>
+            </p:nvSpPr>
+            <p:spPr>
+              <a:xfrm>
+                <a:off x="771525" y="1776817"/>
+                <a:ext cx="10631837" cy="4820119"/>
+              </a:xfrm>
+              <a:blipFill>
+                <a:blip r:embed="rId2"/>
+                <a:stretch>
+                  <a:fillRect l="-516" t="-632" r="-459"/>
+                </a:stretch>
+              </a:blipFill>
+            </p:spPr>
+            <p:txBody>
+              <a:bodyPr/>
+              <a:lstStyle/>
+              <a:p>
+                <a:r>
+                  <a:rPr lang="hu-HU">
+                    <a:noFill/>
+                  </a:rPr>
+                  <a:t> </a:t>
+                </a:r>
+              </a:p>
+            </p:txBody>
+          </p:sp>
+        </mc:Fallback>
+      </mc:AlternateContent>
+      <p:sp>
+        <p:nvSpPr>
+          <p:cNvPr id="8" name="Cím 1">
+            <a:extLst>
+              <a:ext uri="{FF2B5EF4-FFF2-40B4-BE49-F238E27FC236}">
+                <a16:creationId xmlns:a16="http://schemas.microsoft.com/office/drawing/2014/main" id="{C6372AEA-E81C-DC4B-C620-011281D4FAF7}"/>
+              </a:ext>
+            </a:extLst>
+          </p:cNvPr>
+          <p:cNvSpPr txBox="1">
+            <a:spLocks/>
+          </p:cNvSpPr>
+          <p:nvPr/>
+        </p:nvSpPr>
+        <p:spPr bwMode="black">
+          <a:xfrm>
+            <a:off x="2231136" y="377301"/>
+            <a:ext cx="7729728" cy="1188720"/>
+          </a:xfrm>
+          <a:prstGeom prst="rect">
+            <a:avLst/>
+          </a:prstGeom>
+          <a:solidFill>
+            <a:srgbClr val="FFFFFF"/>
+          </a:solidFill>
+          <a:ln w="31750" cap="sq">
+            <a:solidFill>
+              <a:srgbClr val="404040"/>
+            </a:solidFill>
+            <a:miter lim="800000"/>
+          </a:ln>
+        </p:spPr>
+        <p:txBody>
+          <a:bodyPr vert="horz" lIns="182880" tIns="182880" rIns="182880" bIns="182880" rtlCol="0" anchor="ctr">
+            <a:normAutofit/>
+          </a:bodyPr>
+          <a:lstStyle>
+            <a:lvl1pPr algn="ctr" defTabSz="914400" rtl="0" eaLnBrk="1" latinLnBrk="0" hangingPunct="1">
+              <a:lnSpc>
+                <a:spcPct val="90000"/>
+              </a:lnSpc>
+              <a:spcBef>
+                <a:spcPct val="0"/>
+              </a:spcBef>
+              <a:buNone/>
+              <a:defRPr sz="2800" kern="1200" cap="all" spc="200" baseline="0">
+                <a:solidFill>
+                  <a:srgbClr val="262626"/>
+                </a:solidFill>
+                <a:latin typeface="+mj-lt"/>
+                <a:ea typeface="+mj-ea"/>
+                <a:cs typeface="+mj-cs"/>
+              </a:defRPr>
+            </a:lvl1pPr>
+          </a:lstStyle>
+          <a:p>
+            <a:r>
+              <a:rPr lang="hu-HU"/>
+              <a:t>Feladatok megvalósítása</a:t>
+            </a:r>
+            <a:endParaRPr lang="hu-HU" dirty="0"/>
+          </a:p>
+        </p:txBody>
+      </p:sp>
+      <p:pic>
+        <p:nvPicPr>
+          <p:cNvPr id="4" name="Kép 3">
+            <a:extLst>
+              <a:ext uri="{FF2B5EF4-FFF2-40B4-BE49-F238E27FC236}">
+                <a16:creationId xmlns:a16="http://schemas.microsoft.com/office/drawing/2014/main" id="{5775F073-89A1-92DB-AAEE-D6338E9399A0}"/>
+              </a:ext>
+            </a:extLst>
+          </p:cNvPr>
+          <p:cNvPicPr>
+            <a:picLocks noChangeAspect="1"/>
+          </p:cNvPicPr>
+          <p:nvPr/>
+        </p:nvPicPr>
+        <p:blipFill rotWithShape="1">
+          <a:blip r:embed="rId3">
+            <a:extLst>
+              <a:ext uri="{28A0092B-C50C-407E-A947-70E740481C1C}">
+                <a14:useLocalDpi xmlns:a14="http://schemas.microsoft.com/office/drawing/2010/main" val="0"/>
+              </a:ext>
+            </a:extLst>
+          </a:blip>
+          <a:srcRect l="8796" t="45652" r="10462" b="28533"/>
+          <a:stretch/>
+        </p:blipFill>
+        <p:spPr>
+          <a:xfrm>
+            <a:off x="3018456" y="3500102"/>
+            <a:ext cx="6155087" cy="670565"/>
+          </a:xfrm>
+          <a:prstGeom prst="roundRect">
+            <a:avLst>
+              <a:gd name="adj" fmla="val 8594"/>
+            </a:avLst>
+          </a:prstGeom>
+          <a:solidFill>
+            <a:srgbClr val="FFFFFF">
+              <a:shade val="85000"/>
+            </a:srgbClr>
+          </a:solidFill>
+          <a:ln>
+            <a:noFill/>
+          </a:ln>
+          <a:effectLst>
+            <a:reflection blurRad="12700" stA="38000" endPos="28000" dist="5000" dir="5400000" sy="-100000" algn="bl" rotWithShape="0"/>
+          </a:effectLst>
+        </p:spPr>
+      </p:pic>
+      <p:pic>
+        <p:nvPicPr>
+          <p:cNvPr id="9" name="Kép 8">
+            <a:extLst>
+              <a:ext uri="{FF2B5EF4-FFF2-40B4-BE49-F238E27FC236}">
+                <a16:creationId xmlns:a16="http://schemas.microsoft.com/office/drawing/2014/main" id="{5BC6401F-1FD0-7C3A-5FF0-692866587450}"/>
+              </a:ext>
+            </a:extLst>
+          </p:cNvPr>
+          <p:cNvPicPr>
+            <a:picLocks noChangeAspect="1"/>
+          </p:cNvPicPr>
+          <p:nvPr/>
+        </p:nvPicPr>
+        <p:blipFill rotWithShape="1">
+          <a:blip r:embed="rId4">
+            <a:extLst>
+              <a:ext uri="{28A0092B-C50C-407E-A947-70E740481C1C}">
+                <a14:useLocalDpi xmlns:a14="http://schemas.microsoft.com/office/drawing/2010/main" val="0"/>
+              </a:ext>
+            </a:extLst>
+          </a:blip>
+          <a:srcRect l="4375" t="27852" r="5390" b="17609"/>
+          <a:stretch/>
+        </p:blipFill>
+        <p:spPr>
+          <a:xfrm>
+            <a:off x="586755" y="4381463"/>
+            <a:ext cx="11001375" cy="1876425"/>
+          </a:xfrm>
+          <a:prstGeom prst="roundRect">
+            <a:avLst>
+              <a:gd name="adj" fmla="val 8594"/>
+            </a:avLst>
+          </a:prstGeom>
+          <a:solidFill>
+            <a:srgbClr val="FFFFFF">
+              <a:shade val="85000"/>
+            </a:srgbClr>
+          </a:solidFill>
+          <a:ln>
+            <a:noFill/>
+          </a:ln>
+          <a:effectLst>
+            <a:reflection blurRad="12700" stA="38000" endPos="28000" dist="5000" dir="5400000" sy="-100000" algn="bl" rotWithShape="0"/>
+          </a:effectLst>
+        </p:spPr>
+      </p:pic>
+    </p:spTree>
+    <p:extLst>
+      <p:ext uri="{BB962C8B-B14F-4D97-AF65-F5344CB8AC3E}">
+        <p14:creationId xmlns:p14="http://schemas.microsoft.com/office/powerpoint/2010/main" val="4012994810"/>
+      </p:ext>
+    </p:extLst>
+  </p:cSld>
+  <p:clrMapOvr>
+    <a:masterClrMapping/>
+  </p:clrMapOvr>
+</p:sld>
+</file>
+
+<file path=ppt/slides/slide8.xml><?xml version="1.0" encoding="utf-8"?>
+<p:sld xmlns:a="http://schemas.openxmlformats.org/drawingml/2006/main" xmlns:r="http://schemas.openxmlformats.org/officeDocument/2006/relationships" xmlns:p="http://schemas.openxmlformats.org/presentationml/2006/main">
+  <p:cSld>
+    <p:spTree>
+      <p:nvGrpSpPr>
+        <p:cNvPr id="1" name=""/>
+        <p:cNvGrpSpPr/>
+        <p:nvPr/>
+      </p:nvGrpSpPr>
+      <p:grpSpPr>
+        <a:xfrm>
+          <a:off x="0" y="0"/>
+          <a:ext cx="0" cy="0"/>
+          <a:chOff x="0" y="0"/>
+          <a:chExt cx="0" cy="0"/>
+        </a:xfrm>
+      </p:grpSpPr>
+      <p:sp>
+        <p:nvSpPr>
+          <p:cNvPr id="3" name="Tartalom helye 2">
+            <a:extLst>
+              <a:ext uri="{FF2B5EF4-FFF2-40B4-BE49-F238E27FC236}">
+                <a16:creationId xmlns:a16="http://schemas.microsoft.com/office/drawing/2014/main" id="{24A088BF-4719-4B94-A607-B102767053DE}"/>
+              </a:ext>
+            </a:extLst>
+          </p:cNvPr>
+          <p:cNvSpPr>
+            <a:spLocks noGrp="1"/>
+          </p:cNvSpPr>
+          <p:nvPr>
+            <p:ph idx="1"/>
+          </p:nvPr>
+        </p:nvSpPr>
+        <p:spPr>
+          <a:xfrm>
+            <a:off x="780082" y="1660580"/>
+            <a:ext cx="5315918" cy="4820119"/>
+          </a:xfrm>
+        </p:spPr>
+        <p:txBody>
+          <a:bodyPr/>
+          <a:lstStyle/>
+          <a:p>
+            <a:pPr marL="0" indent="0">
+              <a:spcBef>
+                <a:spcPts val="0"/>
+              </a:spcBef>
+              <a:buNone/>
+            </a:pPr>
+            <a:r>
+              <a:rPr lang="hu-HU" b="1" dirty="0"/>
+              <a:t>7. Feladat:</a:t>
+            </a:r>
+          </a:p>
+          <a:p>
+            <a:pPr marL="0" indent="0" algn="just">
+              <a:spcBef>
+                <a:spcPts val="0"/>
+              </a:spcBef>
+              <a:buNone/>
+            </a:pPr>
+            <a:r>
+              <a:rPr lang="hu-HU" sz="1600" dirty="0"/>
+              <a:t>Írja a kimaradt.txt fájlba a kimaradt észlelésekkel kapcsolatos adatokat! A kimeneti fájlban azok a bemeneti állományban rögzített vételi időpontok jelenjenek meg, amelyek előtt közvetlenül egy vagy több észlelés kimaradt! Az időpont mellett – a mintának megfelelően – jelenjen meg, hogy legalább hány jel maradt ki, és az is, hogy miből következtet a hiányra! Ha idő- és koordináta-eltérésből is adódik jelkimaradás, akkor a nagyobb értéket írja ki! Ha az időeltérés és a koordináták eltérése alapján is ugyanannyi jelkimaradásra következtetünk, akkor bármelyiket kiírhatja. </a:t>
+            </a:r>
+          </a:p>
+        </p:txBody>
+      </p:sp>
+      <p:sp>
+        <p:nvSpPr>
+          <p:cNvPr id="8" name="Cím 1">
+            <a:extLst>
+              <a:ext uri="{FF2B5EF4-FFF2-40B4-BE49-F238E27FC236}">
+                <a16:creationId xmlns:a16="http://schemas.microsoft.com/office/drawing/2014/main" id="{C6372AEA-E81C-DC4B-C620-011281D4FAF7}"/>
+              </a:ext>
+            </a:extLst>
+          </p:cNvPr>
+          <p:cNvSpPr txBox="1">
+            <a:spLocks/>
+          </p:cNvSpPr>
+          <p:nvPr/>
+        </p:nvSpPr>
+        <p:spPr bwMode="black">
+          <a:xfrm>
+            <a:off x="2231136" y="377301"/>
+            <a:ext cx="7729728" cy="1188720"/>
+          </a:xfrm>
+          <a:prstGeom prst="rect">
+            <a:avLst/>
+          </a:prstGeom>
+          <a:solidFill>
+            <a:srgbClr val="FFFFFF"/>
+          </a:solidFill>
+          <a:ln w="31750" cap="sq">
+            <a:solidFill>
+              <a:srgbClr val="404040"/>
+            </a:solidFill>
+            <a:miter lim="800000"/>
+          </a:ln>
+        </p:spPr>
+        <p:txBody>
+          <a:bodyPr vert="horz" lIns="182880" tIns="182880" rIns="182880" bIns="182880" rtlCol="0" anchor="ctr">
+            <a:normAutofit/>
+          </a:bodyPr>
+          <a:lstStyle>
+            <a:lvl1pPr algn="ctr" defTabSz="914400" rtl="0" eaLnBrk="1" latinLnBrk="0" hangingPunct="1">
+              <a:lnSpc>
+                <a:spcPct val="90000"/>
+              </a:lnSpc>
+              <a:spcBef>
+                <a:spcPct val="0"/>
+              </a:spcBef>
+              <a:buNone/>
+              <a:defRPr sz="2800" kern="1200" cap="all" spc="200" baseline="0">
+                <a:solidFill>
+                  <a:srgbClr val="262626"/>
+                </a:solidFill>
+                <a:latin typeface="+mj-lt"/>
+                <a:ea typeface="+mj-ea"/>
+                <a:cs typeface="+mj-cs"/>
+              </a:defRPr>
+            </a:lvl1pPr>
+          </a:lstStyle>
+          <a:p>
+            <a:r>
+              <a:rPr lang="hu-HU"/>
+              <a:t>Feladatok megvalósítása</a:t>
+            </a:r>
+            <a:endParaRPr lang="hu-HU" dirty="0"/>
+          </a:p>
+        </p:txBody>
+      </p:sp>
+      <p:pic>
+        <p:nvPicPr>
+          <p:cNvPr id="7" name="Kép 6">
+            <a:extLst>
+              <a:ext uri="{FF2B5EF4-FFF2-40B4-BE49-F238E27FC236}">
+                <a16:creationId xmlns:a16="http://schemas.microsoft.com/office/drawing/2014/main" id="{1F99C573-7BC8-B376-46F8-872923DCA5DD}"/>
+              </a:ext>
+            </a:extLst>
+          </p:cNvPr>
+          <p:cNvPicPr>
+            <a:picLocks noChangeAspect="1"/>
+          </p:cNvPicPr>
+          <p:nvPr/>
+        </p:nvPicPr>
+        <p:blipFill rotWithShape="1">
+          <a:blip r:embed="rId2">
+            <a:extLst>
+              <a:ext uri="{28A0092B-C50C-407E-A947-70E740481C1C}">
+                <a14:useLocalDpi xmlns:a14="http://schemas.microsoft.com/office/drawing/2010/main" val="0"/>
+              </a:ext>
+            </a:extLst>
+          </a:blip>
+          <a:srcRect l="3359" t="22697" r="3906" b="14106"/>
+          <a:stretch/>
+        </p:blipFill>
+        <p:spPr>
+          <a:xfrm>
+            <a:off x="442912" y="4613108"/>
+            <a:ext cx="11306176" cy="1962150"/>
+          </a:xfrm>
+          <a:prstGeom prst="roundRect">
+            <a:avLst>
+              <a:gd name="adj" fmla="val 8594"/>
+            </a:avLst>
+          </a:prstGeom>
+          <a:solidFill>
+            <a:srgbClr val="FFFFFF">
+              <a:shade val="85000"/>
+            </a:srgbClr>
+          </a:solidFill>
+          <a:ln>
+            <a:noFill/>
+          </a:ln>
+          <a:effectLst>
+            <a:reflection blurRad="12700" stA="38000" endPos="28000" dist="5000" dir="5400000" sy="-100000" algn="bl" rotWithShape="0"/>
+          </a:effectLst>
+        </p:spPr>
+      </p:pic>
+      <p:pic>
+        <p:nvPicPr>
+          <p:cNvPr id="5" name="Kép 4">
+            <a:extLst>
+              <a:ext uri="{FF2B5EF4-FFF2-40B4-BE49-F238E27FC236}">
+                <a16:creationId xmlns:a16="http://schemas.microsoft.com/office/drawing/2014/main" id="{B36B2257-79BF-8CDF-D723-FDCA6C19B3C7}"/>
+              </a:ext>
+            </a:extLst>
+          </p:cNvPr>
+          <p:cNvPicPr>
+            <a:picLocks noChangeAspect="1"/>
+          </p:cNvPicPr>
+          <p:nvPr/>
+        </p:nvPicPr>
+        <p:blipFill rotWithShape="1">
+          <a:blip r:embed="rId3">
+            <a:extLst>
+              <a:ext uri="{28A0092B-C50C-407E-A947-70E740481C1C}">
+                <a14:useLocalDpi xmlns:a14="http://schemas.microsoft.com/office/drawing/2010/main" val="0"/>
+              </a:ext>
+            </a:extLst>
+          </a:blip>
+          <a:srcRect l="10203" t="15694" r="7266" b="14021"/>
+          <a:stretch/>
+        </p:blipFill>
+        <p:spPr>
+          <a:xfrm>
+            <a:off x="6191249" y="1742492"/>
+            <a:ext cx="5557839" cy="3229093"/>
+          </a:xfrm>
+          <a:prstGeom prst="roundRect">
+            <a:avLst>
+              <a:gd name="adj" fmla="val 8594"/>
+            </a:avLst>
+          </a:prstGeom>
+          <a:solidFill>
+            <a:srgbClr val="FFFFFF">
+              <a:shade val="85000"/>
+            </a:srgbClr>
+          </a:solidFill>
+          <a:ln>
+            <a:noFill/>
+          </a:ln>
+          <a:effectLst>
+            <a:reflection blurRad="12700" stA="38000" endPos="28000" dist="5000" dir="5400000" sy="-100000" algn="bl" rotWithShape="0"/>
+          </a:effectLst>
+        </p:spPr>
+      </p:pic>
+    </p:spTree>
+    <p:extLst>
+      <p:ext uri="{BB962C8B-B14F-4D97-AF65-F5344CB8AC3E}">
+        <p14:creationId xmlns:p14="http://schemas.microsoft.com/office/powerpoint/2010/main" val="175223239"/>
+      </p:ext>
+    </p:extLst>
+  </p:cSld>
+  <p:clrMapOvr>
+    <a:masterClrMapping/>
+  </p:clrMapOvr>
+</p:sld>
+</file>
+
+<file path=ppt/slides/slide9.xml><?xml version="1.0" encoding="utf-8"?>
+<p:sld xmlns:a="http://schemas.openxmlformats.org/drawingml/2006/main" xmlns:r="http://schemas.openxmlformats.org/officeDocument/2006/relationships" xmlns:p="http://schemas.openxmlformats.org/presentationml/2006/main">
+  <p:cSld>
+    <p:spTree>
+      <p:nvGrpSpPr>
+        <p:cNvPr id="1" name=""/>
+        <p:cNvGrpSpPr/>
+        <p:nvPr/>
+      </p:nvGrpSpPr>
+      <p:grpSpPr>
+        <a:xfrm>
+          <a:off x="0" y="0"/>
+          <a:ext cx="0" cy="0"/>
+          <a:chOff x="0" y="0"/>
+          <a:chExt cx="0" cy="0"/>
+        </a:xfrm>
+      </p:grpSpPr>
+      <p:sp>
+        <p:nvSpPr>
           <p:cNvPr id="2" name="Cím 1">
             <a:extLst>
               <a:ext uri="{FF2B5EF4-FFF2-40B4-BE49-F238E27FC236}">
@@ -4408,46 +6767,207 @@
         </p:nvSpPr>
         <p:spPr>
           <a:xfrm>
-            <a:off x="2302157" y="893671"/>
-            <a:ext cx="7729728" cy="1188720"/>
+            <a:off x="1131313" y="324303"/>
+            <a:ext cx="3479518" cy="1163729"/>
           </a:xfrm>
         </p:spPr>
         <p:txBody>
-          <a:bodyPr/>
+          <a:bodyPr>
+            <a:normAutofit/>
+          </a:bodyPr>
           <a:lstStyle/>
           <a:p>
             <a:r>
-              <a:rPr lang="hu-HU" dirty="0"/>
+              <a:rPr lang="hu-HU" sz="2000" dirty="0"/>
               <a:t>Tesztek</a:t>
             </a:r>
           </a:p>
         </p:txBody>
       </p:sp>
-      <p:sp>
-        <p:nvSpPr>
-          <p:cNvPr id="3" name="Tartalom helye 2">
+      <p:pic>
+        <p:nvPicPr>
+          <p:cNvPr id="5" name="Tartalom helye 4">
             <a:extLst>
               <a:ext uri="{FF2B5EF4-FFF2-40B4-BE49-F238E27FC236}">
-                <a16:creationId xmlns:a16="http://schemas.microsoft.com/office/drawing/2014/main" id="{8E0BC96D-E4ED-474D-9334-D378008EBBB8}"/>
+                <a16:creationId xmlns:a16="http://schemas.microsoft.com/office/drawing/2014/main" id="{008479AF-599E-31B9-F819-99308872CE9D}"/>
               </a:ext>
             </a:extLst>
           </p:cNvPr>
-          <p:cNvSpPr>
-            <a:spLocks noGrp="1"/>
-          </p:cNvSpPr>
+          <p:cNvPicPr>
+            <a:picLocks noGrp="1" noChangeAspect="1"/>
+          </p:cNvPicPr>
           <p:nvPr>
             <p:ph idx="1"/>
           </p:nvPr>
-        </p:nvSpPr>
-        <p:spPr/>
-        <p:txBody>
-          <a:bodyPr/>
-          <a:lstStyle/>
-          <a:p>
-            <a:endParaRPr lang="hu-HU"/>
-          </a:p>
-        </p:txBody>
-      </p:sp>
+        </p:nvPicPr>
+        <p:blipFill rotWithShape="1">
+          <a:blip r:embed="rId2">
+            <a:extLst>
+              <a:ext uri="{28A0092B-C50C-407E-A947-70E740481C1C}">
+                <a14:useLocalDpi xmlns:a14="http://schemas.microsoft.com/office/drawing/2010/main" val="0"/>
+              </a:ext>
+            </a:extLst>
+          </a:blip>
+          <a:srcRect l="8265" t="11792" r="9497" b="7654"/>
+          <a:stretch/>
+        </p:blipFill>
+        <p:spPr>
+          <a:xfrm>
+            <a:off x="790576" y="1685924"/>
+            <a:ext cx="4160992" cy="4847773"/>
+          </a:xfrm>
+          <a:prstGeom prst="roundRect">
+            <a:avLst>
+              <a:gd name="adj" fmla="val 8594"/>
+            </a:avLst>
+          </a:prstGeom>
+          <a:solidFill>
+            <a:srgbClr val="FFFFFF">
+              <a:shade val="85000"/>
+            </a:srgbClr>
+          </a:solidFill>
+          <a:ln>
+            <a:noFill/>
+          </a:ln>
+          <a:effectLst>
+            <a:reflection blurRad="12700" stA="38000" endPos="28000" dist="5000" dir="5400000" sy="-100000" algn="bl" rotWithShape="0"/>
+          </a:effectLst>
+        </p:spPr>
+      </p:pic>
+      <p:pic>
+        <p:nvPicPr>
+          <p:cNvPr id="7" name="Kép 6">
+            <a:extLst>
+              <a:ext uri="{FF2B5EF4-FFF2-40B4-BE49-F238E27FC236}">
+                <a16:creationId xmlns:a16="http://schemas.microsoft.com/office/drawing/2014/main" id="{20633767-4B1C-A78D-0E2B-96E43A014B68}"/>
+              </a:ext>
+            </a:extLst>
+          </p:cNvPr>
+          <p:cNvPicPr>
+            <a:picLocks noChangeAspect="1"/>
+          </p:cNvPicPr>
+          <p:nvPr/>
+        </p:nvPicPr>
+        <p:blipFill rotWithShape="1">
+          <a:blip r:embed="rId3">
+            <a:extLst>
+              <a:ext uri="{28A0092B-C50C-407E-A947-70E740481C1C}">
+                <a14:useLocalDpi xmlns:a14="http://schemas.microsoft.com/office/drawing/2010/main" val="0"/>
+              </a:ext>
+            </a:extLst>
+          </a:blip>
+          <a:srcRect l="6748" t="10000" r="8392" b="8333"/>
+          <a:stretch/>
+        </p:blipFill>
+        <p:spPr>
+          <a:xfrm>
+            <a:off x="5869562" y="471266"/>
+            <a:ext cx="5191125" cy="5915468"/>
+          </a:xfrm>
+          <a:prstGeom prst="roundRect">
+            <a:avLst>
+              <a:gd name="adj" fmla="val 8594"/>
+            </a:avLst>
+          </a:prstGeom>
+          <a:solidFill>
+            <a:srgbClr val="FFFFFF">
+              <a:shade val="85000"/>
+            </a:srgbClr>
+          </a:solidFill>
+          <a:ln>
+            <a:noFill/>
+          </a:ln>
+          <a:effectLst>
+            <a:reflection blurRad="12700" stA="38000" endPos="28000" dist="5000" dir="5400000" sy="-100000" algn="bl" rotWithShape="0"/>
+          </a:effectLst>
+        </p:spPr>
+      </p:pic>
+      <p:pic>
+        <p:nvPicPr>
+          <p:cNvPr id="9" name="Kép 8">
+            <a:extLst>
+              <a:ext uri="{FF2B5EF4-FFF2-40B4-BE49-F238E27FC236}">
+                <a16:creationId xmlns:a16="http://schemas.microsoft.com/office/drawing/2014/main" id="{A84E9B1D-332F-A7CF-8919-43DC56D00A56}"/>
+              </a:ext>
+            </a:extLst>
+          </p:cNvPr>
+          <p:cNvPicPr>
+            <a:picLocks noChangeAspect="1"/>
+          </p:cNvPicPr>
+          <p:nvPr/>
+        </p:nvPicPr>
+        <p:blipFill>
+          <a:blip r:embed="rId4"/>
+          <a:stretch>
+            <a:fillRect/>
+          </a:stretch>
+        </p:blipFill>
+        <p:spPr>
+          <a:xfrm>
+            <a:off x="3950484" y="5029686"/>
+            <a:ext cx="1460081" cy="1627835"/>
+          </a:xfrm>
+          <a:prstGeom prst="roundRect">
+            <a:avLst>
+              <a:gd name="adj" fmla="val 8594"/>
+            </a:avLst>
+          </a:prstGeom>
+          <a:solidFill>
+            <a:srgbClr val="FFFFFF">
+              <a:shade val="85000"/>
+            </a:srgbClr>
+          </a:solidFill>
+          <a:ln>
+            <a:noFill/>
+          </a:ln>
+          <a:effectLst>
+            <a:reflection blurRad="12700" stA="38000" endPos="28000" dist="5000" dir="5400000" sy="-100000" algn="bl" rotWithShape="0"/>
+          </a:effectLst>
+        </p:spPr>
+      </p:pic>
+      <p:pic>
+        <p:nvPicPr>
+          <p:cNvPr id="11" name="Kép 10">
+            <a:extLst>
+              <a:ext uri="{FF2B5EF4-FFF2-40B4-BE49-F238E27FC236}">
+                <a16:creationId xmlns:a16="http://schemas.microsoft.com/office/drawing/2014/main" id="{2E6C2EB8-3B9B-9C1F-A663-1276E2D9E2DD}"/>
+              </a:ext>
+            </a:extLst>
+          </p:cNvPr>
+          <p:cNvPicPr>
+            <a:picLocks noChangeAspect="1"/>
+          </p:cNvPicPr>
+          <p:nvPr/>
+        </p:nvPicPr>
+        <p:blipFill>
+          <a:blip r:embed="rId5"/>
+          <a:stretch>
+            <a:fillRect/>
+          </a:stretch>
+        </p:blipFill>
+        <p:spPr>
+          <a:xfrm>
+            <a:off x="9911865" y="3162300"/>
+            <a:ext cx="1975559" cy="3495221"/>
+          </a:xfrm>
+          <a:prstGeom prst="roundRect">
+            <a:avLst>
+              <a:gd name="adj" fmla="val 8594"/>
+            </a:avLst>
+          </a:prstGeom>
+          <a:solidFill>
+            <a:srgbClr val="FFFFFF">
+              <a:shade val="85000"/>
+            </a:srgbClr>
+          </a:solidFill>
+          <a:ln>
+            <a:noFill/>
+          </a:ln>
+          <a:effectLst>
+            <a:reflection blurRad="12700" stA="38000" endPos="28000" dist="5000" dir="5400000" sy="-100000" algn="bl" rotWithShape="0"/>
+          </a:effectLst>
+        </p:spPr>
+      </p:pic>
     </p:spTree>
     <p:extLst>
       <p:ext uri="{BB962C8B-B14F-4D97-AF65-F5344CB8AC3E}">
